--- a/reports/Design_presentation_2017_10_27.pptx
+++ b/reports/Design_presentation_2017_10_27.pptx
@@ -18,16 +18,16 @@
     <p:sldId id="272" r:id="rId9"/>
     <p:sldId id="273" r:id="rId10"/>
     <p:sldId id="274" r:id="rId11"/>
-    <p:sldId id="278" r:id="rId12"/>
-    <p:sldId id="279" r:id="rId13"/>
-    <p:sldId id="275" r:id="rId14"/>
-    <p:sldId id="257" r:id="rId15"/>
-    <p:sldId id="264" r:id="rId16"/>
-    <p:sldId id="259" r:id="rId17"/>
-    <p:sldId id="276" r:id="rId18"/>
-    <p:sldId id="277" r:id="rId19"/>
-    <p:sldId id="260" r:id="rId20"/>
-    <p:sldId id="263" r:id="rId21"/>
+    <p:sldId id="283" r:id="rId12"/>
+    <p:sldId id="278" r:id="rId13"/>
+    <p:sldId id="281" r:id="rId14"/>
+    <p:sldId id="282" r:id="rId15"/>
+    <p:sldId id="275" r:id="rId16"/>
+    <p:sldId id="280" r:id="rId17"/>
+    <p:sldId id="277" r:id="rId18"/>
+    <p:sldId id="259" r:id="rId19"/>
+    <p:sldId id="276" r:id="rId20"/>
+    <p:sldId id="284" r:id="rId21"/>
   </p:sldIdLst>
   <p:sldSz cx="12192000" cy="6858000"/>
   <p:notesSz cx="6858000" cy="9144000"/>
@@ -717,7 +717,7 @@
           <a:p>
             <a:fld id="{0E8A2F76-A273-8349-881A-094DD1CC266C}" type="slidenum">
               <a:rPr lang="en-US" smtClean="0"/>
-              <a:t>14</a:t>
+              <a:t>13</a:t>
             </a:fld>
             <a:endParaRPr lang="en-US"/>
           </a:p>
@@ -726,7 +726,7 @@
     </p:spTree>
     <p:extLst>
       <p:ext uri="{BB962C8B-B14F-4D97-AF65-F5344CB8AC3E}">
-        <p14:creationId xmlns:p14="http://schemas.microsoft.com/office/powerpoint/2010/main" val="559481202"/>
+        <p14:creationId xmlns:p14="http://schemas.microsoft.com/office/powerpoint/2010/main" val="857738304"/>
       </p:ext>
     </p:extLst>
   </p:cSld>
@@ -801,7 +801,7 @@
           <a:p>
             <a:fld id="{0E8A2F76-A273-8349-881A-094DD1CC266C}" type="slidenum">
               <a:rPr lang="en-US" smtClean="0"/>
-              <a:t>15</a:t>
+              <a:t>14</a:t>
             </a:fld>
             <a:endParaRPr lang="en-US"/>
           </a:p>
@@ -810,7 +810,7 @@
     </p:spTree>
     <p:extLst>
       <p:ext uri="{BB962C8B-B14F-4D97-AF65-F5344CB8AC3E}">
-        <p14:creationId xmlns:p14="http://schemas.microsoft.com/office/powerpoint/2010/main" val="165897539"/>
+        <p14:creationId xmlns:p14="http://schemas.microsoft.com/office/powerpoint/2010/main" val="673946343"/>
       </p:ext>
     </p:extLst>
   </p:cSld>
@@ -3746,7 +3746,7 @@
         <p:spPr>
           <a:xfrm>
             <a:off x="98856" y="630195"/>
-            <a:ext cx="11726560" cy="5016758"/>
+            <a:ext cx="11726560" cy="4524315"/>
           </a:xfrm>
           <a:prstGeom prst="rect">
             <a:avLst/>
@@ -3769,31 +3769,39 @@
                 <a:ea typeface="Arial" charset="0"/>
                 <a:cs typeface="Arial" charset="0"/>
               </a:rPr>
-              <a:t>Our design will consist of both a within (social vs. nonsocial) and a between (known vs. unknown) manipulation. Each subject will play both against real opponents as well as computer generated lotteries. However, within the social condition, half of our subjects will be informed that they are playing against responders who have received different starting endowments (known), while half of our subjects will be informed that they are playing against responders who, for no given reason, have different acceptance thresholds (unknown). In each of these conditions, the resistance points of </a:t>
-            </a:r>
-            <a:r>
-              <a:rPr lang="en-US" sz="1600" b="1" i="1" dirty="0" smtClean="0">
-                <a:latin typeface="Arial" charset="0"/>
-                <a:ea typeface="Arial" charset="0"/>
-                <a:cs typeface="Arial" charset="0"/>
-              </a:rPr>
-              <a:t>R</a:t>
-            </a:r>
+              <a:t>Our design will consist of both a within (social vs. nonsocial) and a between (known vs. unknown) manipulation. </a:t>
+            </a:r>
+            <a:endParaRPr lang="en-US" sz="1600" dirty="0" smtClean="0">
+              <a:latin typeface="Arial" charset="0"/>
+              <a:ea typeface="Arial" charset="0"/>
+              <a:cs typeface="Arial" charset="0"/>
+            </a:endParaRPr>
+          </a:p>
+          <a:p>
+            <a:pPr>
+              <a:lnSpc>
+                <a:spcPct val="200000"/>
+              </a:lnSpc>
+            </a:pPr>
+            <a:endParaRPr lang="en-US" sz="1600" dirty="0">
+              <a:latin typeface="Arial" charset="0"/>
+              <a:ea typeface="Arial" charset="0"/>
+              <a:cs typeface="Arial" charset="0"/>
+            </a:endParaRPr>
+          </a:p>
+          <a:p>
+            <a:pPr>
+              <a:lnSpc>
+                <a:spcPct val="200000"/>
+              </a:lnSpc>
+            </a:pPr>
             <a:r>
               <a:rPr lang="en-US" sz="1600" dirty="0" smtClean="0">
                 <a:latin typeface="Arial" charset="0"/>
                 <a:ea typeface="Arial" charset="0"/>
                 <a:cs typeface="Arial" charset="0"/>
               </a:rPr>
-              <a:t> will be identical, and must be learned by </a:t>
-            </a:r>
-            <a:r>
-              <a:rPr lang="en-US" sz="1600" b="1" i="1" dirty="0" smtClean="0">
-                <a:latin typeface="Arial" charset="0"/>
-                <a:ea typeface="Arial" charset="0"/>
-                <a:cs typeface="Arial" charset="0"/>
-              </a:rPr>
-              <a:t>P</a:t>
+              <a:t>Each </a:t>
             </a:r>
             <a:r>
               <a:rPr lang="en-US" sz="1600" dirty="0" smtClean="0">
@@ -3801,7 +3809,39 @@
                 <a:ea typeface="Arial" charset="0"/>
                 <a:cs typeface="Arial" charset="0"/>
               </a:rPr>
-              <a:t> through trial and error. However, in the known condition (where subjects know the reason for the different thresholds), subjects will be aware that the fairness norm </a:t>
+              <a:t>subject will play both against real opponents as well as computer generated lotteries. </a:t>
+            </a:r>
+            <a:endParaRPr lang="en-US" sz="1600" dirty="0" smtClean="0">
+              <a:latin typeface="Arial" charset="0"/>
+              <a:ea typeface="Arial" charset="0"/>
+              <a:cs typeface="Arial" charset="0"/>
+            </a:endParaRPr>
+          </a:p>
+          <a:p>
+            <a:pPr>
+              <a:lnSpc>
+                <a:spcPct val="200000"/>
+              </a:lnSpc>
+            </a:pPr>
+            <a:endParaRPr lang="en-US" sz="1600" dirty="0">
+              <a:latin typeface="Arial" charset="0"/>
+              <a:ea typeface="Arial" charset="0"/>
+              <a:cs typeface="Arial" charset="0"/>
+            </a:endParaRPr>
+          </a:p>
+          <a:p>
+            <a:pPr>
+              <a:lnSpc>
+                <a:spcPct val="200000"/>
+              </a:lnSpc>
+            </a:pPr>
+            <a:r>
+              <a:rPr lang="en-US" sz="1600" dirty="0">
+                <a:latin typeface="Arial" charset="0"/>
+                <a:ea typeface="Arial" charset="0"/>
+                <a:cs typeface="Arial" charset="0"/>
+              </a:rPr>
+              <a:t>W</a:t>
             </a:r>
             <a:r>
               <a:rPr lang="en-US" sz="1600" dirty="0" smtClean="0">
@@ -3809,7 +3849,7 @@
                 <a:ea typeface="Arial" charset="0"/>
                 <a:cs typeface="Arial" charset="0"/>
               </a:rPr>
-              <a:t>is not violated by low </a:t>
+              <a:t>ithin </a:t>
             </a:r>
             <a:r>
               <a:rPr lang="en-US" sz="1600" dirty="0" smtClean="0">
@@ -3817,8 +3857,25 @@
                 <a:ea typeface="Arial" charset="0"/>
                 <a:cs typeface="Arial" charset="0"/>
               </a:rPr>
-              <a:t>offers, while in the unknown condition this fact is never made explicit. Therefore, in the known condition, subjects could explore the full acceptance range in an attempt either to learn what behavior is fair or to maximize profit. </a:t>
-            </a:r>
+              <a:t>the social condition, half of our subjects will be informed that they are playing against responders who have received different starting endowments (known), while half of our subjects will be informed that they are playing against responders who, for no given reason, have different acceptance thresholds (unknown). </a:t>
+            </a:r>
+            <a:endParaRPr lang="en-US" sz="1600" dirty="0" smtClean="0">
+              <a:latin typeface="Arial" charset="0"/>
+              <a:ea typeface="Arial" charset="0"/>
+              <a:cs typeface="Arial" charset="0"/>
+            </a:endParaRPr>
+          </a:p>
+          <a:p>
+            <a:pPr>
+              <a:lnSpc>
+                <a:spcPct val="200000"/>
+              </a:lnSpc>
+            </a:pPr>
+            <a:endParaRPr lang="en-US" sz="1600" dirty="0">
+              <a:latin typeface="Arial" charset="0"/>
+              <a:ea typeface="Arial" charset="0"/>
+              <a:cs typeface="Arial" charset="0"/>
+            </a:endParaRPr>
           </a:p>
           <a:p>
             <a:pPr>
@@ -3893,6 +3950,330 @@
 </file>
 
 <file path=ppt/slides/slide11.xml><?xml version="1.0" encoding="utf-8"?>
+<p:sld xmlns:a="http://schemas.openxmlformats.org/drawingml/2006/main" xmlns:r="http://schemas.openxmlformats.org/officeDocument/2006/relationships" xmlns:p="http://schemas.openxmlformats.org/presentationml/2006/main">
+  <p:cSld>
+    <p:spTree>
+      <p:nvGrpSpPr>
+        <p:cNvPr id="1" name=""/>
+        <p:cNvGrpSpPr/>
+        <p:nvPr/>
+      </p:nvGrpSpPr>
+      <p:grpSpPr>
+        <a:xfrm>
+          <a:off x="0" y="0"/>
+          <a:ext cx="0" cy="0"/>
+          <a:chOff x="0" y="0"/>
+          <a:chExt cx="0" cy="0"/>
+        </a:xfrm>
+      </p:grpSpPr>
+      <p:sp>
+        <p:nvSpPr>
+          <p:cNvPr id="4" name="Rectangle 3"/>
+          <p:cNvSpPr/>
+          <p:nvPr/>
+        </p:nvSpPr>
+        <p:spPr>
+          <a:xfrm>
+            <a:off x="98856" y="630195"/>
+            <a:ext cx="11726560" cy="4031873"/>
+          </a:xfrm>
+          <a:prstGeom prst="rect">
+            <a:avLst/>
+          </a:prstGeom>
+        </p:spPr>
+        <p:txBody>
+          <a:bodyPr wrap="square">
+            <a:spAutoFit/>
+          </a:bodyPr>
+          <a:lstStyle/>
+          <a:p>
+            <a:pPr>
+              <a:lnSpc>
+                <a:spcPct val="200000"/>
+              </a:lnSpc>
+            </a:pPr>
+            <a:r>
+              <a:rPr lang="en-US" sz="1600" dirty="0" smtClean="0">
+                <a:latin typeface="Arial" charset="0"/>
+                <a:ea typeface="Arial" charset="0"/>
+                <a:cs typeface="Arial" charset="0"/>
+              </a:rPr>
+              <a:t>In </a:t>
+            </a:r>
+            <a:r>
+              <a:rPr lang="en-US" sz="1600" dirty="0" smtClean="0">
+                <a:latin typeface="Arial" charset="0"/>
+                <a:ea typeface="Arial" charset="0"/>
+                <a:cs typeface="Arial" charset="0"/>
+              </a:rPr>
+              <a:t>each of these conditions, the resistance points of </a:t>
+            </a:r>
+            <a:r>
+              <a:rPr lang="en-US" sz="1600" b="1" i="1" dirty="0" smtClean="0">
+                <a:latin typeface="Arial" charset="0"/>
+                <a:ea typeface="Arial" charset="0"/>
+                <a:cs typeface="Arial" charset="0"/>
+              </a:rPr>
+              <a:t>R</a:t>
+            </a:r>
+            <a:r>
+              <a:rPr lang="en-US" sz="1600" dirty="0" smtClean="0">
+                <a:latin typeface="Arial" charset="0"/>
+                <a:ea typeface="Arial" charset="0"/>
+                <a:cs typeface="Arial" charset="0"/>
+              </a:rPr>
+              <a:t> will be identical, and must be learned by </a:t>
+            </a:r>
+            <a:r>
+              <a:rPr lang="en-US" sz="1600" b="1" i="1" dirty="0" smtClean="0">
+                <a:latin typeface="Arial" charset="0"/>
+                <a:ea typeface="Arial" charset="0"/>
+                <a:cs typeface="Arial" charset="0"/>
+              </a:rPr>
+              <a:t>P</a:t>
+            </a:r>
+            <a:r>
+              <a:rPr lang="en-US" sz="1600" dirty="0" smtClean="0">
+                <a:latin typeface="Arial" charset="0"/>
+                <a:ea typeface="Arial" charset="0"/>
+                <a:cs typeface="Arial" charset="0"/>
+              </a:rPr>
+              <a:t> through trial and error. </a:t>
+            </a:r>
+            <a:endParaRPr lang="en-US" sz="1600" dirty="0" smtClean="0">
+              <a:latin typeface="Arial" charset="0"/>
+              <a:ea typeface="Arial" charset="0"/>
+              <a:cs typeface="Arial" charset="0"/>
+            </a:endParaRPr>
+          </a:p>
+          <a:p>
+            <a:pPr>
+              <a:lnSpc>
+                <a:spcPct val="200000"/>
+              </a:lnSpc>
+            </a:pPr>
+            <a:endParaRPr lang="en-US" sz="1600" dirty="0">
+              <a:latin typeface="Arial" charset="0"/>
+              <a:ea typeface="Arial" charset="0"/>
+              <a:cs typeface="Arial" charset="0"/>
+            </a:endParaRPr>
+          </a:p>
+          <a:p>
+            <a:pPr>
+              <a:lnSpc>
+                <a:spcPct val="200000"/>
+              </a:lnSpc>
+            </a:pPr>
+            <a:r>
+              <a:rPr lang="en-US" sz="1600" dirty="0" smtClean="0">
+                <a:latin typeface="Arial" charset="0"/>
+                <a:ea typeface="Arial" charset="0"/>
+                <a:cs typeface="Arial" charset="0"/>
+              </a:rPr>
+              <a:t>However</a:t>
+            </a:r>
+            <a:r>
+              <a:rPr lang="en-US" sz="1600" dirty="0" smtClean="0">
+                <a:latin typeface="Arial" charset="0"/>
+                <a:ea typeface="Arial" charset="0"/>
+                <a:cs typeface="Arial" charset="0"/>
+              </a:rPr>
+              <a:t>, in the known condition (where subjects know the reason for the different thresholds), subjects will be aware that the fairness norm </a:t>
+            </a:r>
+            <a:r>
+              <a:rPr lang="en-US" sz="1600" dirty="0" smtClean="0">
+                <a:latin typeface="Arial" charset="0"/>
+                <a:ea typeface="Arial" charset="0"/>
+                <a:cs typeface="Arial" charset="0"/>
+              </a:rPr>
+              <a:t>is not violated by low </a:t>
+            </a:r>
+            <a:r>
+              <a:rPr lang="en-US" sz="1600" dirty="0" smtClean="0">
+                <a:latin typeface="Arial" charset="0"/>
+                <a:ea typeface="Arial" charset="0"/>
+                <a:cs typeface="Arial" charset="0"/>
+              </a:rPr>
+              <a:t>offers, while in the unknown condition this fact is never made explicit. </a:t>
+            </a:r>
+            <a:endParaRPr lang="en-US" sz="1600" dirty="0" smtClean="0">
+              <a:latin typeface="Arial" charset="0"/>
+              <a:ea typeface="Arial" charset="0"/>
+              <a:cs typeface="Arial" charset="0"/>
+            </a:endParaRPr>
+          </a:p>
+          <a:p>
+            <a:pPr>
+              <a:lnSpc>
+                <a:spcPct val="200000"/>
+              </a:lnSpc>
+            </a:pPr>
+            <a:endParaRPr lang="en-US" sz="1600" dirty="0">
+              <a:latin typeface="Arial" charset="0"/>
+              <a:ea typeface="Arial" charset="0"/>
+              <a:cs typeface="Arial" charset="0"/>
+            </a:endParaRPr>
+          </a:p>
+          <a:p>
+            <a:pPr>
+              <a:lnSpc>
+                <a:spcPct val="200000"/>
+              </a:lnSpc>
+            </a:pPr>
+            <a:r>
+              <a:rPr lang="en-US" sz="1600" dirty="0" smtClean="0">
+                <a:latin typeface="Arial" charset="0"/>
+                <a:ea typeface="Arial" charset="0"/>
+                <a:cs typeface="Arial" charset="0"/>
+              </a:rPr>
+              <a:t>Therefore</a:t>
+            </a:r>
+            <a:r>
+              <a:rPr lang="en-US" sz="1600" dirty="0" smtClean="0">
+                <a:latin typeface="Arial" charset="0"/>
+                <a:ea typeface="Arial" charset="0"/>
+                <a:cs typeface="Arial" charset="0"/>
+              </a:rPr>
+              <a:t>, in the known condition, subjects could explore the full acceptance range in an attempt either </a:t>
+            </a:r>
+            <a:r>
+              <a:rPr lang="en-US" sz="1600" dirty="0" smtClean="0">
+                <a:latin typeface="Arial" charset="0"/>
+                <a:ea typeface="Arial" charset="0"/>
+                <a:cs typeface="Arial" charset="0"/>
+              </a:rPr>
+              <a:t>to (</a:t>
+            </a:r>
+            <a:r>
+              <a:rPr lang="en-US" sz="1600" dirty="0" err="1" smtClean="0">
+                <a:latin typeface="Arial" charset="0"/>
+                <a:ea typeface="Arial" charset="0"/>
+                <a:cs typeface="Arial" charset="0"/>
+              </a:rPr>
+              <a:t>i</a:t>
+            </a:r>
+            <a:r>
+              <a:rPr lang="en-US" sz="1600" dirty="0" smtClean="0">
+                <a:latin typeface="Arial" charset="0"/>
+                <a:ea typeface="Arial" charset="0"/>
+                <a:cs typeface="Arial" charset="0"/>
+              </a:rPr>
+              <a:t>) </a:t>
+            </a:r>
+            <a:r>
+              <a:rPr lang="en-US" sz="1600" dirty="0" smtClean="0">
+                <a:latin typeface="Arial" charset="0"/>
+                <a:ea typeface="Arial" charset="0"/>
+                <a:cs typeface="Arial" charset="0"/>
+              </a:rPr>
+              <a:t>learn what behavior is fair </a:t>
+            </a:r>
+            <a:r>
+              <a:rPr lang="en-US" sz="1600" i="1" dirty="0" smtClean="0">
+                <a:latin typeface="Arial" charset="0"/>
+                <a:ea typeface="Arial" charset="0"/>
+                <a:cs typeface="Arial" charset="0"/>
+              </a:rPr>
+              <a:t>or</a:t>
+            </a:r>
+            <a:r>
+              <a:rPr lang="en-US" sz="1600" dirty="0" smtClean="0">
+                <a:latin typeface="Arial" charset="0"/>
+                <a:ea typeface="Arial" charset="0"/>
+                <a:cs typeface="Arial" charset="0"/>
+              </a:rPr>
+              <a:t> </a:t>
+            </a:r>
+            <a:r>
+              <a:rPr lang="en-US" sz="1600" dirty="0" smtClean="0">
+                <a:latin typeface="Arial" charset="0"/>
+                <a:ea typeface="Arial" charset="0"/>
+                <a:cs typeface="Arial" charset="0"/>
+              </a:rPr>
+              <a:t>(ii) to </a:t>
+            </a:r>
+            <a:r>
+              <a:rPr lang="en-US" sz="1600" dirty="0" smtClean="0">
+                <a:latin typeface="Arial" charset="0"/>
+                <a:ea typeface="Arial" charset="0"/>
+                <a:cs typeface="Arial" charset="0"/>
+              </a:rPr>
+              <a:t>maximize profit. </a:t>
+            </a:r>
+          </a:p>
+          <a:p>
+            <a:pPr>
+              <a:lnSpc>
+                <a:spcPct val="200000"/>
+              </a:lnSpc>
+            </a:pPr>
+            <a:endParaRPr lang="en-US" sz="1600" dirty="0" smtClean="0">
+              <a:latin typeface="Arial" charset="0"/>
+              <a:ea typeface="Arial" charset="0"/>
+              <a:cs typeface="Arial" charset="0"/>
+            </a:endParaRPr>
+          </a:p>
+        </p:txBody>
+      </p:sp>
+      <p:sp>
+        <p:nvSpPr>
+          <p:cNvPr id="3" name="TextBox 2"/>
+          <p:cNvSpPr txBox="1"/>
+          <p:nvPr/>
+        </p:nvSpPr>
+        <p:spPr>
+          <a:xfrm>
+            <a:off x="98856" y="151804"/>
+            <a:ext cx="2441694" cy="369332"/>
+          </a:xfrm>
+          <a:prstGeom prst="rect">
+            <a:avLst/>
+          </a:prstGeom>
+          <a:noFill/>
+        </p:spPr>
+        <p:txBody>
+          <a:bodyPr wrap="none" rtlCol="0">
+            <a:spAutoFit/>
+          </a:bodyPr>
+          <a:lstStyle/>
+          <a:p>
+            <a:r>
+              <a:rPr lang="en-US" b="1" dirty="0" smtClean="0">
+                <a:latin typeface="Arial" charset="0"/>
+                <a:ea typeface="Arial" charset="0"/>
+                <a:cs typeface="Arial" charset="0"/>
+              </a:rPr>
+              <a:t>Experimental design</a:t>
+            </a:r>
+            <a:endParaRPr lang="en-US" b="1" dirty="0">
+              <a:latin typeface="Arial" charset="0"/>
+              <a:ea typeface="Arial" charset="0"/>
+              <a:cs typeface="Arial" charset="0"/>
+            </a:endParaRPr>
+          </a:p>
+        </p:txBody>
+      </p:sp>
+    </p:spTree>
+    <p:extLst>
+      <p:ext uri="{BB962C8B-B14F-4D97-AF65-F5344CB8AC3E}">
+        <p14:creationId xmlns:p14="http://schemas.microsoft.com/office/powerpoint/2010/main" val="679103479"/>
+      </p:ext>
+    </p:extLst>
+  </p:cSld>
+  <p:clrMapOvr>
+    <a:masterClrMapping/>
+  </p:clrMapOvr>
+  <p:timing>
+    <p:tnLst>
+      <p:par>
+        <p:cTn id="1" dur="indefinite" restart="never" nodeType="tmRoot"/>
+      </p:par>
+    </p:tnLst>
+  </p:timing>
+</p:sld>
+</file>
+
+<file path=ppt/slides/slide12.xml><?xml version="1.0" encoding="utf-8"?>
 <p:sld xmlns:a="http://schemas.openxmlformats.org/drawingml/2006/main" xmlns:r="http://schemas.openxmlformats.org/officeDocument/2006/relationships" xmlns:p="http://schemas.openxmlformats.org/presentationml/2006/main">
   <p:cSld>
     <p:spTree>
@@ -4884,7 +5265,7 @@
         <p:spPr>
           <a:xfrm>
             <a:off x="177068" y="4873190"/>
-            <a:ext cx="7526549" cy="1569660"/>
+            <a:ext cx="7526549" cy="1815882"/>
           </a:xfrm>
           <a:prstGeom prst="rect">
             <a:avLst/>
@@ -4933,12 +5314,18 @@
             </a:endParaRPr>
           </a:p>
           <a:p>
+            <a:endParaRPr lang="en-US" sz="1600" dirty="0" smtClean="0">
+              <a:latin typeface="Arial" panose="020B0604020202020204" pitchFamily="34" charset="0"/>
+              <a:cs typeface="Arial" panose="020B0604020202020204" pitchFamily="34" charset="0"/>
+            </a:endParaRPr>
+          </a:p>
+          <a:p>
             <a:r>
               <a:rPr lang="en-US" sz="1600" dirty="0" smtClean="0">
                 <a:latin typeface="Arial" panose="020B0604020202020204" pitchFamily="34" charset="0"/>
                 <a:cs typeface="Arial" panose="020B0604020202020204" pitchFamily="34" charset="0"/>
               </a:rPr>
-              <a:t>We fit logit functions to the behavioral data of the responders and simulated proposer behavior on those response functions in order to determine how many trials would be required for optimal model recovery/identifiability</a:t>
+              <a:t>We used these acceptance functions to simulate behavioral data in order to determine how many trials would be required for optimal model recovery/identifiability</a:t>
             </a:r>
             <a:endParaRPr lang="en-US" sz="1600" dirty="0">
               <a:latin typeface="Arial" panose="020B0604020202020204" pitchFamily="34" charset="0"/>
@@ -4954,8 +5341,8 @@
           <p:nvPr/>
         </p:nvSpPr>
         <p:spPr>
-          <a:xfrm rot="3640266" flipV="1">
-            <a:off x="7030763" y="4751366"/>
+          <a:xfrm rot="5141753" flipV="1">
+            <a:off x="7258783" y="4092149"/>
             <a:ext cx="889669" cy="2463659"/>
           </a:xfrm>
           <a:prstGeom prst="arc">
@@ -5017,1157 +5404,7 @@
 </p:sld>
 </file>
 
-<file path=ppt/slides/slide12.xml><?xml version="1.0" encoding="utf-8"?>
-<p:sld xmlns:a="http://schemas.openxmlformats.org/drawingml/2006/main" xmlns:r="http://schemas.openxmlformats.org/officeDocument/2006/relationships" xmlns:p="http://schemas.openxmlformats.org/presentationml/2006/main">
-  <p:cSld>
-    <p:spTree>
-      <p:nvGrpSpPr>
-        <p:cNvPr id="1" name=""/>
-        <p:cNvGrpSpPr/>
-        <p:nvPr/>
-      </p:nvGrpSpPr>
-      <p:grpSpPr>
-        <a:xfrm>
-          <a:off x="0" y="0"/>
-          <a:ext cx="0" cy="0"/>
-          <a:chOff x="0" y="0"/>
-          <a:chExt cx="0" cy="0"/>
-        </a:xfrm>
-      </p:grpSpPr>
-      <p:sp>
-        <p:nvSpPr>
-          <p:cNvPr id="4" name="Rectangle 3"/>
-          <p:cNvSpPr/>
-          <p:nvPr/>
-        </p:nvSpPr>
-        <p:spPr>
-          <a:xfrm>
-            <a:off x="0" y="-158222"/>
-            <a:ext cx="12192000" cy="5693866"/>
-          </a:xfrm>
-          <a:prstGeom prst="rect">
-            <a:avLst/>
-          </a:prstGeom>
-        </p:spPr>
-        <p:txBody>
-          <a:bodyPr wrap="square">
-            <a:spAutoFit/>
-          </a:bodyPr>
-          <a:lstStyle/>
-          <a:p>
-            <a:pPr>
-              <a:lnSpc>
-                <a:spcPct val="200000"/>
-              </a:lnSpc>
-            </a:pPr>
-            <a:r>
-              <a:rPr lang="en-US" sz="2000" b="1" dirty="0" smtClean="0">
-                <a:latin typeface="Arial" charset="0"/>
-                <a:ea typeface="Arial" charset="0"/>
-                <a:cs typeface="Arial" charset="0"/>
-              </a:rPr>
-              <a:t>Empirical Priors</a:t>
-            </a:r>
-          </a:p>
-          <a:p>
-            <a:pPr>
-              <a:lnSpc>
-                <a:spcPct val="200000"/>
-              </a:lnSpc>
-            </a:pPr>
-            <a:r>
-              <a:rPr lang="en-US" sz="1600" dirty="0">
-                <a:latin typeface="Arial" charset="0"/>
-                <a:ea typeface="Arial" charset="0"/>
-                <a:cs typeface="Arial" charset="0"/>
-              </a:rPr>
-              <a:t>Importantly, to avoid fitting additional free parameters, the model requires initial estimates of 𝜷</a:t>
-            </a:r>
-            <a:r>
-              <a:rPr lang="en-US" sz="1600" baseline="-25000" dirty="0">
-                <a:latin typeface="Arial" charset="0"/>
-                <a:ea typeface="Arial" charset="0"/>
-                <a:cs typeface="Arial" charset="0"/>
-              </a:rPr>
-              <a:t>𝑹𝟎</a:t>
-            </a:r>
-            <a:r>
-              <a:rPr lang="en-US" sz="1600" dirty="0">
-                <a:latin typeface="Arial" charset="0"/>
-                <a:ea typeface="Arial" charset="0"/>
-                <a:cs typeface="Arial" charset="0"/>
-              </a:rPr>
-              <a:t> and 𝜷</a:t>
-            </a:r>
-            <a:r>
-              <a:rPr lang="en-US" sz="1600" baseline="-25000" dirty="0">
-                <a:latin typeface="Arial" charset="0"/>
-                <a:ea typeface="Arial" charset="0"/>
-                <a:cs typeface="Arial" charset="0"/>
-              </a:rPr>
-              <a:t>𝑹𝟏</a:t>
-            </a:r>
-            <a:r>
-              <a:rPr lang="en-US" sz="1600" dirty="0">
-                <a:latin typeface="Arial" charset="0"/>
-                <a:ea typeface="Arial" charset="0"/>
-                <a:cs typeface="Arial" charset="0"/>
-              </a:rPr>
-              <a:t>. </a:t>
-            </a:r>
-          </a:p>
-          <a:p>
-            <a:pPr>
-              <a:lnSpc>
-                <a:spcPct val="200000"/>
-              </a:lnSpc>
-            </a:pPr>
-            <a:r>
-              <a:rPr lang="en-US" sz="1600" dirty="0">
-                <a:latin typeface="Arial" charset="0"/>
-                <a:ea typeface="Arial" charset="0"/>
-                <a:cs typeface="Arial" charset="0"/>
-              </a:rPr>
-              <a:t>We estimated these as fixed effects from the first investments made by subjects playing the game for the first time. We used data from several datasets, amounting to a total of 267 subjects, 130 player as prey and 137 playing as predator</a:t>
-            </a:r>
-            <a:r>
-              <a:rPr lang="en-US" sz="1600" dirty="0" smtClean="0">
-                <a:latin typeface="Arial" charset="0"/>
-                <a:ea typeface="Arial" charset="0"/>
-                <a:cs typeface="Arial" charset="0"/>
-              </a:rPr>
-              <a:t>*. Importantly, we constrained the parameters using a Laplace procedure, allowing us to stay away from the bounds of the parameter space.</a:t>
-            </a:r>
-            <a:endParaRPr lang="en-US" sz="1600" dirty="0">
-              <a:latin typeface="Arial" charset="0"/>
-              <a:ea typeface="Arial" charset="0"/>
-              <a:cs typeface="Arial" charset="0"/>
-            </a:endParaRPr>
-          </a:p>
-          <a:p>
-            <a:pPr>
-              <a:lnSpc>
-                <a:spcPct val="200000"/>
-              </a:lnSpc>
-            </a:pPr>
-            <a:endParaRPr lang="en-US" sz="1600" dirty="0">
-              <a:latin typeface="Arial" charset="0"/>
-              <a:ea typeface="Arial" charset="0"/>
-              <a:cs typeface="Arial" charset="0"/>
-            </a:endParaRPr>
-          </a:p>
-          <a:p>
-            <a:pPr>
-              <a:lnSpc>
-                <a:spcPct val="200000"/>
-              </a:lnSpc>
-            </a:pPr>
-            <a:endParaRPr lang="en-US" sz="1600" dirty="0">
-              <a:latin typeface="Arial" charset="0"/>
-              <a:ea typeface="Arial" charset="0"/>
-              <a:cs typeface="Arial" charset="0"/>
-            </a:endParaRPr>
-          </a:p>
-          <a:p>
-            <a:pPr>
-              <a:lnSpc>
-                <a:spcPct val="200000"/>
-              </a:lnSpc>
-            </a:pPr>
-            <a:endParaRPr lang="en-US" sz="1600" dirty="0">
-              <a:latin typeface="Arial" charset="0"/>
-              <a:ea typeface="Arial" charset="0"/>
-              <a:cs typeface="Arial" charset="0"/>
-            </a:endParaRPr>
-          </a:p>
-          <a:p>
-            <a:pPr algn="r">
-              <a:lnSpc>
-                <a:spcPct val="200000"/>
-              </a:lnSpc>
-            </a:pPr>
-            <a:endParaRPr lang="en-US" sz="1400" dirty="0">
-              <a:latin typeface="Arial" charset="0"/>
-              <a:ea typeface="Arial" charset="0"/>
-              <a:cs typeface="Arial" charset="0"/>
-            </a:endParaRPr>
-          </a:p>
-          <a:p>
-            <a:pPr>
-              <a:lnSpc>
-                <a:spcPct val="200000"/>
-              </a:lnSpc>
-            </a:pPr>
-            <a:endParaRPr lang="en-US" sz="2000" b="1" dirty="0" smtClean="0">
-              <a:latin typeface="Arial" charset="0"/>
-              <a:ea typeface="Arial" charset="0"/>
-              <a:cs typeface="Arial" charset="0"/>
-            </a:endParaRPr>
-          </a:p>
-          <a:p>
-            <a:pPr>
-              <a:lnSpc>
-                <a:spcPct val="200000"/>
-              </a:lnSpc>
-            </a:pPr>
-            <a:endParaRPr lang="en-US" sz="1600" dirty="0" smtClean="0">
-              <a:latin typeface="Arial" charset="0"/>
-              <a:ea typeface="Arial" charset="0"/>
-              <a:cs typeface="Arial" charset="0"/>
-            </a:endParaRPr>
-          </a:p>
-        </p:txBody>
-      </p:sp>
-      <p:sp>
-        <p:nvSpPr>
-          <p:cNvPr id="2" name="TextBox 1"/>
-          <p:cNvSpPr txBox="1"/>
-          <p:nvPr/>
-        </p:nvSpPr>
-        <p:spPr>
-          <a:xfrm>
-            <a:off x="0" y="5987374"/>
-            <a:ext cx="11875324" cy="1508105"/>
-          </a:xfrm>
-          <a:prstGeom prst="rect">
-            <a:avLst/>
-          </a:prstGeom>
-          <a:noFill/>
-        </p:spPr>
-        <p:txBody>
-          <a:bodyPr wrap="square" rtlCol="0">
-            <a:spAutoFit/>
-          </a:bodyPr>
-          <a:lstStyle/>
-          <a:p>
-            <a:pPr>
-              <a:lnSpc>
-                <a:spcPct val="200000"/>
-              </a:lnSpc>
-            </a:pPr>
-            <a:r>
-              <a:rPr lang="en-US" sz="1600" dirty="0" smtClean="0">
-                <a:latin typeface="Arial" charset="0"/>
-                <a:ea typeface="Arial" charset="0"/>
-                <a:cs typeface="Arial" charset="0"/>
-              </a:rPr>
-              <a:t>*</a:t>
-            </a:r>
-            <a:r>
-              <a:rPr lang="en-US" sz="1200" dirty="0" smtClean="0">
-                <a:latin typeface="Arial" charset="0"/>
-                <a:ea typeface="Arial" charset="0"/>
-                <a:cs typeface="Arial" charset="0"/>
-              </a:rPr>
-              <a:t>  </a:t>
-            </a:r>
-            <a:r>
-              <a:rPr lang="en-US" sz="1200" dirty="0">
-                <a:latin typeface="Arial" charset="0"/>
-                <a:ea typeface="Arial" charset="0"/>
-                <a:cs typeface="Arial" charset="0"/>
-              </a:rPr>
-              <a:t>Prey: 12 (</a:t>
-            </a:r>
-            <a:r>
-              <a:rPr lang="en-US" sz="1200" dirty="0" err="1">
-                <a:latin typeface="Arial" charset="0"/>
-                <a:ea typeface="Arial" charset="0"/>
-                <a:cs typeface="Arial" charset="0"/>
-              </a:rPr>
-              <a:t>old_hor</a:t>
-            </a:r>
-            <a:r>
-              <a:rPr lang="en-US" sz="1200" dirty="0">
-                <a:latin typeface="Arial" charset="0"/>
-                <a:ea typeface="Arial" charset="0"/>
-                <a:cs typeface="Arial" charset="0"/>
-              </a:rPr>
-              <a:t>) + 81 (</a:t>
-            </a:r>
-            <a:r>
-              <a:rPr lang="en-US" sz="1200" dirty="0" err="1">
-                <a:latin typeface="Arial" charset="0"/>
-                <a:ea typeface="Arial" charset="0"/>
-                <a:cs typeface="Arial" charset="0"/>
-              </a:rPr>
-              <a:t>hor</a:t>
-            </a:r>
-            <a:r>
-              <a:rPr lang="en-US" sz="1200" dirty="0">
-                <a:latin typeface="Arial" charset="0"/>
-                <a:ea typeface="Arial" charset="0"/>
-                <a:cs typeface="Arial" charset="0"/>
-              </a:rPr>
-              <a:t>) + 25 (</a:t>
-            </a:r>
-            <a:r>
-              <a:rPr lang="en-US" sz="1200" dirty="0" err="1">
-                <a:latin typeface="Arial" charset="0"/>
-                <a:ea typeface="Arial" charset="0"/>
-                <a:cs typeface="Arial" charset="0"/>
-              </a:rPr>
-              <a:t>ital</a:t>
-            </a:r>
-            <a:r>
-              <a:rPr lang="en-US" sz="1200" dirty="0">
-                <a:latin typeface="Arial" charset="0"/>
-                <a:ea typeface="Arial" charset="0"/>
-                <a:cs typeface="Arial" charset="0"/>
-              </a:rPr>
-              <a:t>) + 12 (OT) </a:t>
-            </a:r>
-          </a:p>
-          <a:p>
-            <a:pPr>
-              <a:lnSpc>
-                <a:spcPct val="200000"/>
-              </a:lnSpc>
-            </a:pPr>
-            <a:r>
-              <a:rPr lang="en-US" sz="1200" dirty="0" smtClean="0">
-                <a:latin typeface="Arial" charset="0"/>
-                <a:ea typeface="Arial" charset="0"/>
-                <a:cs typeface="Arial" charset="0"/>
-              </a:rPr>
-              <a:t>   Predator</a:t>
-            </a:r>
-            <a:r>
-              <a:rPr lang="en-US" sz="1200" dirty="0">
-                <a:latin typeface="Arial" charset="0"/>
-                <a:ea typeface="Arial" charset="0"/>
-                <a:cs typeface="Arial" charset="0"/>
-              </a:rPr>
-              <a:t>: 12 (</a:t>
-            </a:r>
-            <a:r>
-              <a:rPr lang="en-US" sz="1200" dirty="0" err="1">
-                <a:latin typeface="Arial" charset="0"/>
-                <a:ea typeface="Arial" charset="0"/>
-                <a:cs typeface="Arial" charset="0"/>
-              </a:rPr>
-              <a:t>old_hor</a:t>
-            </a:r>
-            <a:r>
-              <a:rPr lang="en-US" sz="1200" dirty="0">
-                <a:latin typeface="Arial" charset="0"/>
-                <a:ea typeface="Arial" charset="0"/>
-                <a:cs typeface="Arial" charset="0"/>
-              </a:rPr>
-              <a:t>) + 85 (</a:t>
-            </a:r>
-            <a:r>
-              <a:rPr lang="en-US" sz="1200" dirty="0" err="1">
-                <a:latin typeface="Arial" charset="0"/>
-                <a:ea typeface="Arial" charset="0"/>
-                <a:cs typeface="Arial" charset="0"/>
-              </a:rPr>
-              <a:t>hor</a:t>
-            </a:r>
-            <a:r>
-              <a:rPr lang="en-US" sz="1200" dirty="0">
-                <a:latin typeface="Arial" charset="0"/>
-                <a:ea typeface="Arial" charset="0"/>
-                <a:cs typeface="Arial" charset="0"/>
-              </a:rPr>
-              <a:t>) + 25 (</a:t>
-            </a:r>
-            <a:r>
-              <a:rPr lang="en-US" sz="1200" dirty="0" err="1">
-                <a:latin typeface="Arial" charset="0"/>
-                <a:ea typeface="Arial" charset="0"/>
-                <a:cs typeface="Arial" charset="0"/>
-              </a:rPr>
-              <a:t>ital</a:t>
-            </a:r>
-            <a:r>
-              <a:rPr lang="en-US" sz="1200" dirty="0">
-                <a:latin typeface="Arial" charset="0"/>
-                <a:ea typeface="Arial" charset="0"/>
-                <a:cs typeface="Arial" charset="0"/>
-              </a:rPr>
-              <a:t>) + 15 (OT</a:t>
-            </a:r>
-            <a:r>
-              <a:rPr lang="en-US" sz="1200" dirty="0" smtClean="0">
-                <a:latin typeface="Arial" charset="0"/>
-                <a:ea typeface="Arial" charset="0"/>
-                <a:cs typeface="Arial" charset="0"/>
-              </a:rPr>
-              <a:t>)         the parameters and accompanying plots were produced by PPG/empirical_priors_mg_predprey_2017_10_03.m </a:t>
-            </a:r>
-          </a:p>
-          <a:p>
-            <a:pPr>
-              <a:lnSpc>
-                <a:spcPct val="200000"/>
-              </a:lnSpc>
-            </a:pPr>
-            <a:r>
-              <a:rPr lang="en-US" sz="1200" dirty="0" smtClean="0">
-                <a:latin typeface="Arial" charset="0"/>
-                <a:ea typeface="Arial" charset="0"/>
-                <a:cs typeface="Arial" charset="0"/>
-              </a:rPr>
-              <a:t> </a:t>
-            </a:r>
-            <a:endParaRPr lang="en-US" sz="1200" dirty="0">
-              <a:latin typeface="Arial" charset="0"/>
-              <a:ea typeface="Arial" charset="0"/>
-              <a:cs typeface="Arial" charset="0"/>
-            </a:endParaRPr>
-          </a:p>
-          <a:p>
-            <a:endParaRPr lang="en-US" sz="1200" dirty="0"/>
-          </a:p>
-        </p:txBody>
-      </p:sp>
-      <p:pic>
-        <p:nvPicPr>
-          <p:cNvPr id="7" name="Picture 6"/>
-          <p:cNvPicPr>
-            <a:picLocks noChangeAspect="1"/>
-          </p:cNvPicPr>
-          <p:nvPr/>
-        </p:nvPicPr>
-        <p:blipFill>
-          <a:blip r:embed="rId2">
-            <a:extLst>
-              <a:ext uri="{28A0092B-C50C-407E-A947-70E740481C1C}">
-                <a14:useLocalDpi xmlns:a14="http://schemas.microsoft.com/office/drawing/2010/main" val="0"/>
-              </a:ext>
-            </a:extLst>
-          </a:blip>
-          <a:stretch>
-            <a:fillRect/>
-          </a:stretch>
-        </p:blipFill>
-        <p:spPr>
-          <a:xfrm>
-            <a:off x="1075240" y="2497872"/>
-            <a:ext cx="4797502" cy="3598127"/>
-          </a:xfrm>
-          <a:prstGeom prst="rect">
-            <a:avLst/>
-          </a:prstGeom>
-        </p:spPr>
-      </p:pic>
-      <p:pic>
-        <p:nvPicPr>
-          <p:cNvPr id="8" name="Picture 7"/>
-          <p:cNvPicPr>
-            <a:picLocks noChangeAspect="1"/>
-          </p:cNvPicPr>
-          <p:nvPr/>
-        </p:nvPicPr>
-        <p:blipFill>
-          <a:blip r:embed="rId3">
-            <a:extLst>
-              <a:ext uri="{28A0092B-C50C-407E-A947-70E740481C1C}">
-                <a14:useLocalDpi xmlns:a14="http://schemas.microsoft.com/office/drawing/2010/main" val="0"/>
-              </a:ext>
-            </a:extLst>
-          </a:blip>
-          <a:stretch>
-            <a:fillRect/>
-          </a:stretch>
-        </p:blipFill>
-        <p:spPr>
-          <a:xfrm>
-            <a:off x="5937662" y="2497872"/>
-            <a:ext cx="4797502" cy="3598127"/>
-          </a:xfrm>
-          <a:prstGeom prst="rect">
-            <a:avLst/>
-          </a:prstGeom>
-        </p:spPr>
-      </p:pic>
-    </p:spTree>
-    <p:extLst>
-      <p:ext uri="{BB962C8B-B14F-4D97-AF65-F5344CB8AC3E}">
-        <p14:creationId xmlns:p14="http://schemas.microsoft.com/office/powerpoint/2010/main" val="285316551"/>
-      </p:ext>
-    </p:extLst>
-  </p:cSld>
-  <p:clrMapOvr>
-    <a:masterClrMapping/>
-  </p:clrMapOvr>
-  <p:timing>
-    <p:tnLst>
-      <p:par>
-        <p:cTn id="1" dur="indefinite" restart="never" nodeType="tmRoot"/>
-      </p:par>
-    </p:tnLst>
-  </p:timing>
-</p:sld>
-</file>
-
 <file path=ppt/slides/slide13.xml><?xml version="1.0" encoding="utf-8"?>
-<p:sld xmlns:a="http://schemas.openxmlformats.org/drawingml/2006/main" xmlns:r="http://schemas.openxmlformats.org/officeDocument/2006/relationships" xmlns:p="http://schemas.openxmlformats.org/presentationml/2006/main">
-  <p:cSld>
-    <p:spTree>
-      <p:nvGrpSpPr>
-        <p:cNvPr id="1" name=""/>
-        <p:cNvGrpSpPr/>
-        <p:nvPr/>
-      </p:nvGrpSpPr>
-      <p:grpSpPr>
-        <a:xfrm>
-          <a:off x="0" y="0"/>
-          <a:ext cx="0" cy="0"/>
-          <a:chOff x="0" y="0"/>
-          <a:chExt cx="0" cy="0"/>
-        </a:xfrm>
-      </p:grpSpPr>
-      <p:pic>
-        <p:nvPicPr>
-          <p:cNvPr id="14" name="Picture 13"/>
-          <p:cNvPicPr>
-            <a:picLocks noChangeAspect="1"/>
-          </p:cNvPicPr>
-          <p:nvPr/>
-        </p:nvPicPr>
-        <p:blipFill>
-          <a:blip r:embed="rId2">
-            <a:extLst>
-              <a:ext uri="{28A0092B-C50C-407E-A947-70E740481C1C}">
-                <a14:useLocalDpi xmlns:a14="http://schemas.microsoft.com/office/drawing/2010/main" val="0"/>
-              </a:ext>
-            </a:extLst>
-          </a:blip>
-          <a:stretch>
-            <a:fillRect/>
-          </a:stretch>
-        </p:blipFill>
-        <p:spPr>
-          <a:xfrm>
-            <a:off x="4151319" y="107382"/>
-            <a:ext cx="4391060" cy="3292354"/>
-          </a:xfrm>
-          <a:prstGeom prst="rect">
-            <a:avLst/>
-          </a:prstGeom>
-        </p:spPr>
-      </p:pic>
-      <p:pic>
-        <p:nvPicPr>
-          <p:cNvPr id="15" name="Picture 14"/>
-          <p:cNvPicPr>
-            <a:picLocks noChangeAspect="1"/>
-          </p:cNvPicPr>
-          <p:nvPr/>
-        </p:nvPicPr>
-        <p:blipFill rotWithShape="1">
-          <a:blip r:embed="rId3">
-            <a:extLst>
-              <a:ext uri="{28A0092B-C50C-407E-A947-70E740481C1C}">
-                <a14:useLocalDpi xmlns:a14="http://schemas.microsoft.com/office/drawing/2010/main" val="0"/>
-              </a:ext>
-            </a:extLst>
-          </a:blip>
-          <a:srcRect l="7425" b="681"/>
-          <a:stretch/>
-        </p:blipFill>
-        <p:spPr>
-          <a:xfrm>
-            <a:off x="8306104" y="107382"/>
-            <a:ext cx="4065040" cy="3269921"/>
-          </a:xfrm>
-          <a:prstGeom prst="rect">
-            <a:avLst/>
-          </a:prstGeom>
-        </p:spPr>
-      </p:pic>
-      <p:pic>
-        <p:nvPicPr>
-          <p:cNvPr id="16" name="Picture 15"/>
-          <p:cNvPicPr>
-            <a:picLocks noChangeAspect="1"/>
-          </p:cNvPicPr>
-          <p:nvPr/>
-        </p:nvPicPr>
-        <p:blipFill>
-          <a:blip r:embed="rId4">
-            <a:extLst>
-              <a:ext uri="{28A0092B-C50C-407E-A947-70E740481C1C}">
-                <a14:useLocalDpi xmlns:a14="http://schemas.microsoft.com/office/drawing/2010/main" val="0"/>
-              </a:ext>
-            </a:extLst>
-          </a:blip>
-          <a:stretch>
-            <a:fillRect/>
-          </a:stretch>
-        </p:blipFill>
-        <p:spPr>
-          <a:xfrm>
-            <a:off x="4113825" y="3430311"/>
-            <a:ext cx="4391060" cy="3292354"/>
-          </a:xfrm>
-          <a:prstGeom prst="rect">
-            <a:avLst/>
-          </a:prstGeom>
-        </p:spPr>
-      </p:pic>
-      <p:pic>
-        <p:nvPicPr>
-          <p:cNvPr id="17" name="Picture 16"/>
-          <p:cNvPicPr>
-            <a:picLocks noChangeAspect="1"/>
-          </p:cNvPicPr>
-          <p:nvPr/>
-        </p:nvPicPr>
-        <p:blipFill rotWithShape="1">
-          <a:blip r:embed="rId5">
-            <a:extLst>
-              <a:ext uri="{28A0092B-C50C-407E-A947-70E740481C1C}">
-                <a14:useLocalDpi xmlns:a14="http://schemas.microsoft.com/office/drawing/2010/main" val="0"/>
-              </a:ext>
-            </a:extLst>
-          </a:blip>
-          <a:srcRect l="7425" t="1" b="3030"/>
-          <a:stretch/>
-        </p:blipFill>
-        <p:spPr>
-          <a:xfrm>
-            <a:off x="8306104" y="3397547"/>
-            <a:ext cx="4065039" cy="3192598"/>
-          </a:xfrm>
-          <a:prstGeom prst="rect">
-            <a:avLst/>
-          </a:prstGeom>
-        </p:spPr>
-      </p:pic>
-      <p:sp>
-        <p:nvSpPr>
-          <p:cNvPr id="9" name="TextBox 8"/>
-          <p:cNvSpPr txBox="1"/>
-          <p:nvPr/>
-        </p:nvSpPr>
-        <p:spPr>
-          <a:xfrm>
-            <a:off x="4565376" y="-4984"/>
-            <a:ext cx="443947" cy="1107996"/>
-          </a:xfrm>
-          <a:prstGeom prst="rect">
-            <a:avLst/>
-          </a:prstGeom>
-          <a:noFill/>
-        </p:spPr>
-        <p:txBody>
-          <a:bodyPr wrap="square" rtlCol="0">
-            <a:spAutoFit/>
-          </a:bodyPr>
-          <a:lstStyle/>
-          <a:p>
-            <a:pPr algn="just"/>
-            <a:r>
-              <a:rPr lang="en-US" b="1" smtClean="0">
-                <a:latin typeface="Arial" panose="020B0604020202020204" pitchFamily="34" charset="0"/>
-                <a:cs typeface="Arial" panose="020B0604020202020204" pitchFamily="34" charset="0"/>
-              </a:rPr>
-              <a:t>A</a:t>
-            </a:r>
-            <a:endParaRPr lang="en-US" b="1" dirty="0" smtClean="0">
-              <a:latin typeface="Arial" panose="020B0604020202020204" pitchFamily="34" charset="0"/>
-              <a:cs typeface="Arial" panose="020B0604020202020204" pitchFamily="34" charset="0"/>
-            </a:endParaRPr>
-          </a:p>
-          <a:p>
-            <a:pPr algn="just"/>
-            <a:endParaRPr lang="en-US" sz="1600" b="1" u="sng" dirty="0" smtClean="0">
-              <a:latin typeface="Arial" panose="020B0604020202020204" pitchFamily="34" charset="0"/>
-              <a:cs typeface="Arial" panose="020B0604020202020204" pitchFamily="34" charset="0"/>
-            </a:endParaRPr>
-          </a:p>
-          <a:p>
-            <a:pPr marL="285750" indent="-285750" algn="just">
-              <a:buFont typeface="Arial" panose="020B0604020202020204" pitchFamily="34" charset="0"/>
-              <a:buChar char="•"/>
-            </a:pPr>
-            <a:endParaRPr lang="en-US" sz="1600" dirty="0" smtClean="0">
-              <a:latin typeface="Arial" panose="020B0604020202020204" pitchFamily="34" charset="0"/>
-              <a:cs typeface="Arial" panose="020B0604020202020204" pitchFamily="34" charset="0"/>
-            </a:endParaRPr>
-          </a:p>
-          <a:p>
-            <a:pPr algn="just"/>
-            <a:r>
-              <a:rPr lang="en-US" sz="1600" dirty="0" smtClean="0">
-                <a:latin typeface="Arial" panose="020B0604020202020204" pitchFamily="34" charset="0"/>
-                <a:cs typeface="Arial" panose="020B0604020202020204" pitchFamily="34" charset="0"/>
-              </a:rPr>
-              <a:t> </a:t>
-            </a:r>
-            <a:endParaRPr lang="en-US" sz="1600" dirty="0">
-              <a:latin typeface="Arial" panose="020B0604020202020204" pitchFamily="34" charset="0"/>
-              <a:cs typeface="Arial" panose="020B0604020202020204" pitchFamily="34" charset="0"/>
-            </a:endParaRPr>
-          </a:p>
-        </p:txBody>
-      </p:sp>
-      <p:sp>
-        <p:nvSpPr>
-          <p:cNvPr id="10" name="TextBox 9"/>
-          <p:cNvSpPr txBox="1"/>
-          <p:nvPr/>
-        </p:nvSpPr>
-        <p:spPr>
-          <a:xfrm>
-            <a:off x="8226593" y="-4984"/>
-            <a:ext cx="443947" cy="1107996"/>
-          </a:xfrm>
-          <a:prstGeom prst="rect">
-            <a:avLst/>
-          </a:prstGeom>
-          <a:noFill/>
-        </p:spPr>
-        <p:txBody>
-          <a:bodyPr wrap="square" rtlCol="0">
-            <a:spAutoFit/>
-          </a:bodyPr>
-          <a:lstStyle/>
-          <a:p>
-            <a:pPr algn="just"/>
-            <a:r>
-              <a:rPr lang="en-US" b="1" dirty="0">
-                <a:latin typeface="Arial" panose="020B0604020202020204" pitchFamily="34" charset="0"/>
-                <a:cs typeface="Arial" panose="020B0604020202020204" pitchFamily="34" charset="0"/>
-              </a:rPr>
-              <a:t>B</a:t>
-            </a:r>
-            <a:endParaRPr lang="en-US" b="1" dirty="0" smtClean="0">
-              <a:latin typeface="Arial" panose="020B0604020202020204" pitchFamily="34" charset="0"/>
-              <a:cs typeface="Arial" panose="020B0604020202020204" pitchFamily="34" charset="0"/>
-            </a:endParaRPr>
-          </a:p>
-          <a:p>
-            <a:pPr algn="just"/>
-            <a:endParaRPr lang="en-US" sz="1600" b="1" u="sng" dirty="0" smtClean="0">
-              <a:latin typeface="Arial" panose="020B0604020202020204" pitchFamily="34" charset="0"/>
-              <a:cs typeface="Arial" panose="020B0604020202020204" pitchFamily="34" charset="0"/>
-            </a:endParaRPr>
-          </a:p>
-          <a:p>
-            <a:pPr marL="285750" indent="-285750" algn="just">
-              <a:buFont typeface="Arial" panose="020B0604020202020204" pitchFamily="34" charset="0"/>
-              <a:buChar char="•"/>
-            </a:pPr>
-            <a:endParaRPr lang="en-US" sz="1600" dirty="0" smtClean="0">
-              <a:latin typeface="Arial" panose="020B0604020202020204" pitchFamily="34" charset="0"/>
-              <a:cs typeface="Arial" panose="020B0604020202020204" pitchFamily="34" charset="0"/>
-            </a:endParaRPr>
-          </a:p>
-          <a:p>
-            <a:pPr algn="just"/>
-            <a:r>
-              <a:rPr lang="en-US" sz="1600" dirty="0" smtClean="0">
-                <a:latin typeface="Arial" panose="020B0604020202020204" pitchFamily="34" charset="0"/>
-                <a:cs typeface="Arial" panose="020B0604020202020204" pitchFamily="34" charset="0"/>
-              </a:rPr>
-              <a:t> </a:t>
-            </a:r>
-            <a:endParaRPr lang="en-US" sz="1600" dirty="0">
-              <a:latin typeface="Arial" panose="020B0604020202020204" pitchFamily="34" charset="0"/>
-              <a:cs typeface="Arial" panose="020B0604020202020204" pitchFamily="34" charset="0"/>
-            </a:endParaRPr>
-          </a:p>
-        </p:txBody>
-      </p:sp>
-      <p:sp>
-        <p:nvSpPr>
-          <p:cNvPr id="11" name="TextBox 10"/>
-          <p:cNvSpPr txBox="1"/>
-          <p:nvPr/>
-        </p:nvSpPr>
-        <p:spPr>
-          <a:xfrm>
-            <a:off x="933015" y="3311043"/>
-            <a:ext cx="443947" cy="1107996"/>
-          </a:xfrm>
-          <a:prstGeom prst="rect">
-            <a:avLst/>
-          </a:prstGeom>
-          <a:noFill/>
-        </p:spPr>
-        <p:txBody>
-          <a:bodyPr wrap="square" rtlCol="0">
-            <a:spAutoFit/>
-          </a:bodyPr>
-          <a:lstStyle/>
-          <a:p>
-            <a:pPr algn="just"/>
-            <a:r>
-              <a:rPr lang="en-US" b="1" dirty="0">
-                <a:latin typeface="Arial" panose="020B0604020202020204" pitchFamily="34" charset="0"/>
-                <a:cs typeface="Arial" panose="020B0604020202020204" pitchFamily="34" charset="0"/>
-              </a:rPr>
-              <a:t>C</a:t>
-            </a:r>
-            <a:endParaRPr lang="en-US" b="1" dirty="0" smtClean="0">
-              <a:latin typeface="Arial" panose="020B0604020202020204" pitchFamily="34" charset="0"/>
-              <a:cs typeface="Arial" panose="020B0604020202020204" pitchFamily="34" charset="0"/>
-            </a:endParaRPr>
-          </a:p>
-          <a:p>
-            <a:pPr algn="just"/>
-            <a:endParaRPr lang="en-US" sz="1600" b="1" u="sng" dirty="0" smtClean="0">
-              <a:latin typeface="Arial" panose="020B0604020202020204" pitchFamily="34" charset="0"/>
-              <a:cs typeface="Arial" panose="020B0604020202020204" pitchFamily="34" charset="0"/>
-            </a:endParaRPr>
-          </a:p>
-          <a:p>
-            <a:pPr marL="285750" indent="-285750" algn="just">
-              <a:buFont typeface="Arial" panose="020B0604020202020204" pitchFamily="34" charset="0"/>
-              <a:buChar char="•"/>
-            </a:pPr>
-            <a:endParaRPr lang="en-US" sz="1600" dirty="0" smtClean="0">
-              <a:latin typeface="Arial" panose="020B0604020202020204" pitchFamily="34" charset="0"/>
-              <a:cs typeface="Arial" panose="020B0604020202020204" pitchFamily="34" charset="0"/>
-            </a:endParaRPr>
-          </a:p>
-          <a:p>
-            <a:pPr algn="just"/>
-            <a:r>
-              <a:rPr lang="en-US" sz="1600" dirty="0" smtClean="0">
-                <a:latin typeface="Arial" panose="020B0604020202020204" pitchFamily="34" charset="0"/>
-                <a:cs typeface="Arial" panose="020B0604020202020204" pitchFamily="34" charset="0"/>
-              </a:rPr>
-              <a:t> </a:t>
-            </a:r>
-            <a:endParaRPr lang="en-US" sz="1600" dirty="0">
-              <a:latin typeface="Arial" panose="020B0604020202020204" pitchFamily="34" charset="0"/>
-              <a:cs typeface="Arial" panose="020B0604020202020204" pitchFamily="34" charset="0"/>
-            </a:endParaRPr>
-          </a:p>
-        </p:txBody>
-      </p:sp>
-      <p:sp>
-        <p:nvSpPr>
-          <p:cNvPr id="12" name="TextBox 11"/>
-          <p:cNvSpPr txBox="1"/>
-          <p:nvPr/>
-        </p:nvSpPr>
-        <p:spPr>
-          <a:xfrm>
-            <a:off x="4651766" y="3293577"/>
-            <a:ext cx="443947" cy="1107996"/>
-          </a:xfrm>
-          <a:prstGeom prst="rect">
-            <a:avLst/>
-          </a:prstGeom>
-          <a:noFill/>
-        </p:spPr>
-        <p:txBody>
-          <a:bodyPr wrap="square" rtlCol="0">
-            <a:spAutoFit/>
-          </a:bodyPr>
-          <a:lstStyle/>
-          <a:p>
-            <a:pPr algn="just"/>
-            <a:r>
-              <a:rPr lang="en-US" b="1" dirty="0">
-                <a:latin typeface="Arial" panose="020B0604020202020204" pitchFamily="34" charset="0"/>
-                <a:cs typeface="Arial" panose="020B0604020202020204" pitchFamily="34" charset="0"/>
-              </a:rPr>
-              <a:t>D</a:t>
-            </a:r>
-            <a:endParaRPr lang="en-US" b="1" dirty="0" smtClean="0">
-              <a:latin typeface="Arial" panose="020B0604020202020204" pitchFamily="34" charset="0"/>
-              <a:cs typeface="Arial" panose="020B0604020202020204" pitchFamily="34" charset="0"/>
-            </a:endParaRPr>
-          </a:p>
-          <a:p>
-            <a:pPr algn="just"/>
-            <a:endParaRPr lang="en-US" sz="1600" b="1" u="sng" dirty="0" smtClean="0">
-              <a:latin typeface="Arial" panose="020B0604020202020204" pitchFamily="34" charset="0"/>
-              <a:cs typeface="Arial" panose="020B0604020202020204" pitchFamily="34" charset="0"/>
-            </a:endParaRPr>
-          </a:p>
-          <a:p>
-            <a:pPr marL="285750" indent="-285750" algn="just">
-              <a:buFont typeface="Arial" panose="020B0604020202020204" pitchFamily="34" charset="0"/>
-              <a:buChar char="•"/>
-            </a:pPr>
-            <a:endParaRPr lang="en-US" sz="1600" dirty="0" smtClean="0">
-              <a:latin typeface="Arial" panose="020B0604020202020204" pitchFamily="34" charset="0"/>
-              <a:cs typeface="Arial" panose="020B0604020202020204" pitchFamily="34" charset="0"/>
-            </a:endParaRPr>
-          </a:p>
-          <a:p>
-            <a:pPr algn="just"/>
-            <a:r>
-              <a:rPr lang="en-US" sz="1600" dirty="0" smtClean="0">
-                <a:latin typeface="Arial" panose="020B0604020202020204" pitchFamily="34" charset="0"/>
-                <a:cs typeface="Arial" panose="020B0604020202020204" pitchFamily="34" charset="0"/>
-              </a:rPr>
-              <a:t> </a:t>
-            </a:r>
-            <a:endParaRPr lang="en-US" sz="1600" dirty="0">
-              <a:latin typeface="Arial" panose="020B0604020202020204" pitchFamily="34" charset="0"/>
-              <a:cs typeface="Arial" panose="020B0604020202020204" pitchFamily="34" charset="0"/>
-            </a:endParaRPr>
-          </a:p>
-        </p:txBody>
-      </p:sp>
-      <p:sp>
-        <p:nvSpPr>
-          <p:cNvPr id="13" name="TextBox 12"/>
-          <p:cNvSpPr txBox="1"/>
-          <p:nvPr/>
-        </p:nvSpPr>
-        <p:spPr>
-          <a:xfrm>
-            <a:off x="182437" y="292124"/>
-            <a:ext cx="4018352" cy="3570208"/>
-          </a:xfrm>
-          <a:prstGeom prst="rect">
-            <a:avLst/>
-          </a:prstGeom>
-          <a:noFill/>
-        </p:spPr>
-        <p:txBody>
-          <a:bodyPr wrap="square" rtlCol="0">
-            <a:spAutoFit/>
-          </a:bodyPr>
-          <a:lstStyle/>
-          <a:p>
-            <a:pPr algn="just"/>
-            <a:r>
-              <a:rPr lang="en-US" b="1" dirty="0" smtClean="0">
-                <a:latin typeface="Arial" panose="020B0604020202020204" pitchFamily="34" charset="0"/>
-                <a:cs typeface="Arial" panose="020B0604020202020204" pitchFamily="34" charset="0"/>
-              </a:rPr>
-              <a:t>Simulations</a:t>
-            </a:r>
-          </a:p>
-          <a:p>
-            <a:pPr algn="just"/>
-            <a:r>
-              <a:rPr lang="en-US" sz="1600" dirty="0" smtClean="0">
-                <a:latin typeface="Arial" panose="020B0604020202020204" pitchFamily="34" charset="0"/>
-                <a:cs typeface="Arial" panose="020B0604020202020204" pitchFamily="34" charset="0"/>
-              </a:rPr>
-              <a:t>40 simulations with 120 trials over 5 environments, 24 trials per environment. </a:t>
-            </a:r>
-            <a:r>
-              <a:rPr lang="en-US" sz="1600" b="1" dirty="0" smtClean="0">
-                <a:latin typeface="Arial" panose="020B0604020202020204" pitchFamily="34" charset="0"/>
-                <a:cs typeface="Arial" panose="020B0604020202020204" pitchFamily="34" charset="0"/>
-              </a:rPr>
-              <a:t>A</a:t>
-            </a:r>
-            <a:r>
-              <a:rPr lang="en-US" sz="1600" dirty="0" smtClean="0">
-                <a:latin typeface="Arial" panose="020B0604020202020204" pitchFamily="34" charset="0"/>
-                <a:cs typeface="Arial" panose="020B0604020202020204" pitchFamily="34" charset="0"/>
-              </a:rPr>
-              <a:t>, </a:t>
-            </a:r>
-            <a:r>
-              <a:rPr lang="en-US" sz="1600" b="1" dirty="0" smtClean="0">
-                <a:latin typeface="Arial" panose="020B0604020202020204" pitchFamily="34" charset="0"/>
-                <a:cs typeface="Arial" panose="020B0604020202020204" pitchFamily="34" charset="0"/>
-              </a:rPr>
-              <a:t>B</a:t>
-            </a:r>
-            <a:r>
-              <a:rPr lang="en-US" sz="1600" dirty="0" smtClean="0">
-                <a:latin typeface="Arial" panose="020B0604020202020204" pitchFamily="34" charset="0"/>
-                <a:cs typeface="Arial" panose="020B0604020202020204" pitchFamily="34" charset="0"/>
-              </a:rPr>
-              <a:t>, </a:t>
-            </a:r>
-            <a:r>
-              <a:rPr lang="en-US" sz="1600" b="1" dirty="0" smtClean="0">
-                <a:latin typeface="Arial" panose="020B0604020202020204" pitchFamily="34" charset="0"/>
-                <a:cs typeface="Arial" panose="020B0604020202020204" pitchFamily="34" charset="0"/>
-              </a:rPr>
-              <a:t>D</a:t>
-            </a:r>
-            <a:r>
-              <a:rPr lang="en-US" sz="1600" dirty="0" smtClean="0">
-                <a:latin typeface="Arial" panose="020B0604020202020204" pitchFamily="34" charset="0"/>
-                <a:cs typeface="Arial" panose="020B0604020202020204" pitchFamily="34" charset="0"/>
-              </a:rPr>
-              <a:t>, and </a:t>
-            </a:r>
-            <a:r>
-              <a:rPr lang="en-US" sz="1600" b="1" dirty="0" smtClean="0">
-                <a:latin typeface="Arial" panose="020B0604020202020204" pitchFamily="34" charset="0"/>
-                <a:cs typeface="Arial" panose="020B0604020202020204" pitchFamily="34" charset="0"/>
-              </a:rPr>
-              <a:t>E</a:t>
-            </a:r>
-            <a:r>
-              <a:rPr lang="en-US" sz="1600" dirty="0" smtClean="0">
-                <a:latin typeface="Arial" panose="020B0604020202020204" pitchFamily="34" charset="0"/>
-                <a:cs typeface="Arial" panose="020B0604020202020204" pitchFamily="34" charset="0"/>
-              </a:rPr>
-              <a:t> depict parameter recovery, with the top row of each using uniform parameter bounds and the bottom rows using Laplace approximation. In all cases Laplace approximation results in better recovery. </a:t>
-            </a:r>
-            <a:r>
-              <a:rPr lang="en-US" sz="1600" b="1" dirty="0" smtClean="0">
-                <a:latin typeface="Arial" panose="020B0604020202020204" pitchFamily="34" charset="0"/>
-                <a:cs typeface="Arial" panose="020B0604020202020204" pitchFamily="34" charset="0"/>
-              </a:rPr>
-              <a:t>C</a:t>
-            </a:r>
-            <a:r>
-              <a:rPr lang="en-US" sz="1600" dirty="0" smtClean="0">
-                <a:latin typeface="Arial" panose="020B0604020202020204" pitchFamily="34" charset="0"/>
-                <a:cs typeface="Arial" panose="020B0604020202020204" pitchFamily="34" charset="0"/>
-              </a:rPr>
-              <a:t> is a confusion matrix indicating how well each model is identified relative to the other models. </a:t>
-            </a:r>
-          </a:p>
-          <a:p>
-            <a:pPr algn="just"/>
-            <a:endParaRPr lang="en-US" sz="1600" b="1" u="sng" dirty="0" smtClean="0">
-              <a:latin typeface="Arial" panose="020B0604020202020204" pitchFamily="34" charset="0"/>
-              <a:cs typeface="Arial" panose="020B0604020202020204" pitchFamily="34" charset="0"/>
-            </a:endParaRPr>
-          </a:p>
-          <a:p>
-            <a:pPr marL="285750" indent="-285750" algn="just">
-              <a:buFont typeface="Arial" panose="020B0604020202020204" pitchFamily="34" charset="0"/>
-              <a:buChar char="•"/>
-            </a:pPr>
-            <a:endParaRPr lang="en-US" sz="1600" dirty="0" smtClean="0">
-              <a:latin typeface="Arial" panose="020B0604020202020204" pitchFamily="34" charset="0"/>
-              <a:cs typeface="Arial" panose="020B0604020202020204" pitchFamily="34" charset="0"/>
-            </a:endParaRPr>
-          </a:p>
-          <a:p>
-            <a:pPr algn="just"/>
-            <a:r>
-              <a:rPr lang="en-US" sz="1600" dirty="0" smtClean="0">
-                <a:latin typeface="Arial" panose="020B0604020202020204" pitchFamily="34" charset="0"/>
-                <a:cs typeface="Arial" panose="020B0604020202020204" pitchFamily="34" charset="0"/>
-              </a:rPr>
-              <a:t> </a:t>
-            </a:r>
-            <a:endParaRPr lang="en-US" sz="1600" dirty="0">
-              <a:latin typeface="Arial" panose="020B0604020202020204" pitchFamily="34" charset="0"/>
-              <a:cs typeface="Arial" panose="020B0604020202020204" pitchFamily="34" charset="0"/>
-            </a:endParaRPr>
-          </a:p>
-        </p:txBody>
-      </p:sp>
-      <p:pic>
-        <p:nvPicPr>
-          <p:cNvPr id="18" name="Picture 17"/>
-          <p:cNvPicPr>
-            <a:picLocks noChangeAspect="1"/>
-          </p:cNvPicPr>
-          <p:nvPr/>
-        </p:nvPicPr>
-        <p:blipFill>
-          <a:blip r:embed="rId6">
-            <a:extLst>
-              <a:ext uri="{28A0092B-C50C-407E-A947-70E740481C1C}">
-                <a14:useLocalDpi xmlns:a14="http://schemas.microsoft.com/office/drawing/2010/main" val="0"/>
-              </a:ext>
-            </a:extLst>
-          </a:blip>
-          <a:stretch>
-            <a:fillRect/>
-          </a:stretch>
-        </p:blipFill>
-        <p:spPr>
-          <a:xfrm>
-            <a:off x="357410" y="3773639"/>
-            <a:ext cx="3756415" cy="2816506"/>
-          </a:xfrm>
-          <a:prstGeom prst="rect">
-            <a:avLst/>
-          </a:prstGeom>
-        </p:spPr>
-      </p:pic>
-      <p:sp>
-        <p:nvSpPr>
-          <p:cNvPr id="19" name="TextBox 18"/>
-          <p:cNvSpPr txBox="1"/>
-          <p:nvPr/>
-        </p:nvSpPr>
-        <p:spPr>
-          <a:xfrm>
-            <a:off x="8362422" y="3288347"/>
-            <a:ext cx="443947" cy="1107996"/>
-          </a:xfrm>
-          <a:prstGeom prst="rect">
-            <a:avLst/>
-          </a:prstGeom>
-          <a:noFill/>
-        </p:spPr>
-        <p:txBody>
-          <a:bodyPr wrap="square" rtlCol="0">
-            <a:spAutoFit/>
-          </a:bodyPr>
-          <a:lstStyle/>
-          <a:p>
-            <a:pPr algn="just"/>
-            <a:r>
-              <a:rPr lang="en-US" b="1" dirty="0" smtClean="0">
-                <a:latin typeface="Arial" panose="020B0604020202020204" pitchFamily="34" charset="0"/>
-                <a:cs typeface="Arial" panose="020B0604020202020204" pitchFamily="34" charset="0"/>
-              </a:rPr>
-              <a:t>E</a:t>
-            </a:r>
-          </a:p>
-          <a:p>
-            <a:pPr algn="just"/>
-            <a:endParaRPr lang="en-US" sz="1600" b="1" u="sng" dirty="0" smtClean="0">
-              <a:latin typeface="Arial" panose="020B0604020202020204" pitchFamily="34" charset="0"/>
-              <a:cs typeface="Arial" panose="020B0604020202020204" pitchFamily="34" charset="0"/>
-            </a:endParaRPr>
-          </a:p>
-          <a:p>
-            <a:pPr marL="285750" indent="-285750" algn="just">
-              <a:buFont typeface="Arial" panose="020B0604020202020204" pitchFamily="34" charset="0"/>
-              <a:buChar char="•"/>
-            </a:pPr>
-            <a:endParaRPr lang="en-US" sz="1600" dirty="0" smtClean="0">
-              <a:latin typeface="Arial" panose="020B0604020202020204" pitchFamily="34" charset="0"/>
-              <a:cs typeface="Arial" panose="020B0604020202020204" pitchFamily="34" charset="0"/>
-            </a:endParaRPr>
-          </a:p>
-          <a:p>
-            <a:pPr algn="just"/>
-            <a:r>
-              <a:rPr lang="en-US" sz="1600" dirty="0" smtClean="0">
-                <a:latin typeface="Arial" panose="020B0604020202020204" pitchFamily="34" charset="0"/>
-                <a:cs typeface="Arial" panose="020B0604020202020204" pitchFamily="34" charset="0"/>
-              </a:rPr>
-              <a:t> </a:t>
-            </a:r>
-            <a:endParaRPr lang="en-US" sz="1600" dirty="0">
-              <a:latin typeface="Arial" panose="020B0604020202020204" pitchFamily="34" charset="0"/>
-              <a:cs typeface="Arial" panose="020B0604020202020204" pitchFamily="34" charset="0"/>
-            </a:endParaRPr>
-          </a:p>
-        </p:txBody>
-      </p:sp>
-    </p:spTree>
-    <p:extLst>
-      <p:ext uri="{BB962C8B-B14F-4D97-AF65-F5344CB8AC3E}">
-        <p14:creationId xmlns:p14="http://schemas.microsoft.com/office/powerpoint/2010/main" val="115739507"/>
-      </p:ext>
-    </p:extLst>
-  </p:cSld>
-  <p:clrMapOvr>
-    <a:masterClrMapping/>
-  </p:clrMapOvr>
-  <p:timing>
-    <p:tnLst>
-      <p:par>
-        <p:cTn id="1" dur="indefinite" restart="never" nodeType="tmRoot"/>
-      </p:par>
-    </p:tnLst>
-  </p:timing>
-</p:sld>
-</file>
-
-<file path=ppt/slides/slide14.xml><?xml version="1.0" encoding="utf-8"?>
 <p:sld xmlns:a="http://schemas.openxmlformats.org/drawingml/2006/main" xmlns:r="http://schemas.openxmlformats.org/officeDocument/2006/relationships" xmlns:p="http://schemas.openxmlformats.org/presentationml/2006/main">
   <p:cSld>
     <p:spTree>
@@ -6454,8 +5691,19 @@
                 <a:latin typeface="Arial" panose="020B0604020202020204" pitchFamily="34" charset="0"/>
                 <a:cs typeface="Arial" panose="020B0604020202020204" pitchFamily="34" charset="0"/>
               </a:rPr>
-              <a:t>in which responders differed in the offers they deemed acceptable.</a:t>
-            </a:r>
+              <a:t>in which responders differed in the offers they </a:t>
+            </a:r>
+            <a:r>
+              <a:rPr lang="en-US" sz="1400" dirty="0" smtClean="0">
+                <a:latin typeface="Arial" panose="020B0604020202020204" pitchFamily="34" charset="0"/>
+                <a:cs typeface="Arial" panose="020B0604020202020204" pitchFamily="34" charset="0"/>
+              </a:rPr>
+              <a:t>were willing to accept.</a:t>
+            </a:r>
+            <a:endParaRPr lang="en-US" sz="1400" dirty="0" smtClean="0">
+              <a:latin typeface="Arial" panose="020B0604020202020204" pitchFamily="34" charset="0"/>
+              <a:cs typeface="Arial" panose="020B0604020202020204" pitchFamily="34" charset="0"/>
+            </a:endParaRPr>
           </a:p>
           <a:p>
             <a:endParaRPr lang="en-US" sz="1400" dirty="0" smtClean="0">
@@ -9272,7 +8520,7 @@
     </p:spTree>
     <p:extLst>
       <p:ext uri="{BB962C8B-B14F-4D97-AF65-F5344CB8AC3E}">
-        <p14:creationId xmlns:p14="http://schemas.microsoft.com/office/powerpoint/2010/main" val="628490694"/>
+        <p14:creationId xmlns:p14="http://schemas.microsoft.com/office/powerpoint/2010/main" val="364587885"/>
       </p:ext>
     </p:extLst>
   </p:cSld>
@@ -9289,7 +8537,7 @@
 </p:sld>
 </file>
 
-<file path=ppt/slides/slide15.xml><?xml version="1.0" encoding="utf-8"?>
+<file path=ppt/slides/slide14.xml><?xml version="1.0" encoding="utf-8"?>
 <p:sld xmlns:a="http://schemas.openxmlformats.org/drawingml/2006/main" xmlns:r="http://schemas.openxmlformats.org/officeDocument/2006/relationships" xmlns:p="http://schemas.openxmlformats.org/presentationml/2006/main">
   <p:cSld>
     <p:spTree>
@@ -9885,7 +9133,7 @@
         <p:spPr>
           <a:xfrm>
             <a:off x="196815" y="5885802"/>
-            <a:ext cx="3778250" cy="276999"/>
+            <a:ext cx="5985500" cy="276999"/>
           </a:xfrm>
           <a:prstGeom prst="rect">
             <a:avLst/>
@@ -9903,7 +9151,21 @@
                 <a:latin typeface="Arial" panose="020B0604020202020204" pitchFamily="34" charset="0"/>
                 <a:cs typeface="Arial" panose="020B0604020202020204" pitchFamily="34" charset="0"/>
               </a:rPr>
-              <a:t>As feedback, we use the behavior from step 1</a:t>
+              <a:t>As feedback, we use the </a:t>
+            </a:r>
+            <a:r>
+              <a:rPr lang="en-US" sz="1200" i="1" dirty="0" smtClean="0">
+                <a:latin typeface="Arial" panose="020B0604020202020204" pitchFamily="34" charset="0"/>
+                <a:cs typeface="Arial" panose="020B0604020202020204" pitchFamily="34" charset="0"/>
+              </a:rPr>
+              <a:t>probability distributions taken from behavior </a:t>
+            </a:r>
+            <a:r>
+              <a:rPr lang="en-US" sz="1200" i="1" dirty="0" smtClean="0">
+                <a:latin typeface="Arial" panose="020B0604020202020204" pitchFamily="34" charset="0"/>
+                <a:cs typeface="Arial" panose="020B0604020202020204" pitchFamily="34" charset="0"/>
+              </a:rPr>
+              <a:t>from step 1</a:t>
             </a:r>
             <a:endParaRPr lang="en-US" sz="1200" dirty="0" smtClean="0">
               <a:latin typeface="Arial" panose="020B0604020202020204" pitchFamily="34" charset="0"/>
@@ -12395,7 +11657,672 @@
     </p:spTree>
     <p:extLst>
       <p:ext uri="{BB962C8B-B14F-4D97-AF65-F5344CB8AC3E}">
-        <p14:creationId xmlns:p14="http://schemas.microsoft.com/office/powerpoint/2010/main" val="704423350"/>
+        <p14:creationId xmlns:p14="http://schemas.microsoft.com/office/powerpoint/2010/main" val="2097436664"/>
+      </p:ext>
+    </p:extLst>
+  </p:cSld>
+  <p:clrMapOvr>
+    <a:masterClrMapping/>
+  </p:clrMapOvr>
+  <p:timing>
+    <p:tnLst>
+      <p:par>
+        <p:cTn id="1" dur="indefinite" restart="never" nodeType="tmRoot"/>
+      </p:par>
+    </p:tnLst>
+  </p:timing>
+</p:sld>
+</file>
+
+<file path=ppt/slides/slide15.xml><?xml version="1.0" encoding="utf-8"?>
+<p:sld xmlns:a="http://schemas.openxmlformats.org/drawingml/2006/main" xmlns:r="http://schemas.openxmlformats.org/officeDocument/2006/relationships" xmlns:p="http://schemas.openxmlformats.org/presentationml/2006/main">
+  <p:cSld>
+    <p:spTree>
+      <p:nvGrpSpPr>
+        <p:cNvPr id="1" name=""/>
+        <p:cNvGrpSpPr/>
+        <p:nvPr/>
+      </p:nvGrpSpPr>
+      <p:grpSpPr>
+        <a:xfrm>
+          <a:off x="0" y="0"/>
+          <a:ext cx="0" cy="0"/>
+          <a:chOff x="0" y="0"/>
+          <a:chExt cx="0" cy="0"/>
+        </a:xfrm>
+      </p:grpSpPr>
+      <p:pic>
+        <p:nvPicPr>
+          <p:cNvPr id="14" name="Picture 13"/>
+          <p:cNvPicPr>
+            <a:picLocks noChangeAspect="1"/>
+          </p:cNvPicPr>
+          <p:nvPr/>
+        </p:nvPicPr>
+        <p:blipFill>
+          <a:blip r:embed="rId2">
+            <a:extLst>
+              <a:ext uri="{28A0092B-C50C-407E-A947-70E740481C1C}">
+                <a14:useLocalDpi xmlns:a14="http://schemas.microsoft.com/office/drawing/2010/main" val="0"/>
+              </a:ext>
+            </a:extLst>
+          </a:blip>
+          <a:stretch>
+            <a:fillRect/>
+          </a:stretch>
+        </p:blipFill>
+        <p:spPr>
+          <a:xfrm>
+            <a:off x="4151319" y="107382"/>
+            <a:ext cx="4391060" cy="3292354"/>
+          </a:xfrm>
+          <a:prstGeom prst="rect">
+            <a:avLst/>
+          </a:prstGeom>
+        </p:spPr>
+      </p:pic>
+      <p:pic>
+        <p:nvPicPr>
+          <p:cNvPr id="15" name="Picture 14"/>
+          <p:cNvPicPr>
+            <a:picLocks noChangeAspect="1"/>
+          </p:cNvPicPr>
+          <p:nvPr/>
+        </p:nvPicPr>
+        <p:blipFill rotWithShape="1">
+          <a:blip r:embed="rId3">
+            <a:extLst>
+              <a:ext uri="{28A0092B-C50C-407E-A947-70E740481C1C}">
+                <a14:useLocalDpi xmlns:a14="http://schemas.microsoft.com/office/drawing/2010/main" val="0"/>
+              </a:ext>
+            </a:extLst>
+          </a:blip>
+          <a:srcRect l="7425" b="681"/>
+          <a:stretch/>
+        </p:blipFill>
+        <p:spPr>
+          <a:xfrm>
+            <a:off x="8306104" y="107382"/>
+            <a:ext cx="4065040" cy="3269921"/>
+          </a:xfrm>
+          <a:prstGeom prst="rect">
+            <a:avLst/>
+          </a:prstGeom>
+        </p:spPr>
+      </p:pic>
+      <p:pic>
+        <p:nvPicPr>
+          <p:cNvPr id="16" name="Picture 15"/>
+          <p:cNvPicPr>
+            <a:picLocks noChangeAspect="1"/>
+          </p:cNvPicPr>
+          <p:nvPr/>
+        </p:nvPicPr>
+        <p:blipFill>
+          <a:blip r:embed="rId4">
+            <a:extLst>
+              <a:ext uri="{28A0092B-C50C-407E-A947-70E740481C1C}">
+                <a14:useLocalDpi xmlns:a14="http://schemas.microsoft.com/office/drawing/2010/main" val="0"/>
+              </a:ext>
+            </a:extLst>
+          </a:blip>
+          <a:stretch>
+            <a:fillRect/>
+          </a:stretch>
+        </p:blipFill>
+        <p:spPr>
+          <a:xfrm>
+            <a:off x="4113825" y="3430311"/>
+            <a:ext cx="4391060" cy="3292354"/>
+          </a:xfrm>
+          <a:prstGeom prst="rect">
+            <a:avLst/>
+          </a:prstGeom>
+        </p:spPr>
+      </p:pic>
+      <p:pic>
+        <p:nvPicPr>
+          <p:cNvPr id="17" name="Picture 16"/>
+          <p:cNvPicPr>
+            <a:picLocks noChangeAspect="1"/>
+          </p:cNvPicPr>
+          <p:nvPr/>
+        </p:nvPicPr>
+        <p:blipFill rotWithShape="1">
+          <a:blip r:embed="rId5">
+            <a:extLst>
+              <a:ext uri="{28A0092B-C50C-407E-A947-70E740481C1C}">
+                <a14:useLocalDpi xmlns:a14="http://schemas.microsoft.com/office/drawing/2010/main" val="0"/>
+              </a:ext>
+            </a:extLst>
+          </a:blip>
+          <a:srcRect l="7425" t="1" b="3030"/>
+          <a:stretch/>
+        </p:blipFill>
+        <p:spPr>
+          <a:xfrm>
+            <a:off x="8306104" y="3397547"/>
+            <a:ext cx="4065039" cy="3192598"/>
+          </a:xfrm>
+          <a:prstGeom prst="rect">
+            <a:avLst/>
+          </a:prstGeom>
+        </p:spPr>
+      </p:pic>
+      <p:sp>
+        <p:nvSpPr>
+          <p:cNvPr id="9" name="TextBox 8"/>
+          <p:cNvSpPr txBox="1"/>
+          <p:nvPr/>
+        </p:nvSpPr>
+        <p:spPr>
+          <a:xfrm>
+            <a:off x="4565376" y="-4984"/>
+            <a:ext cx="443947" cy="1107996"/>
+          </a:xfrm>
+          <a:prstGeom prst="rect">
+            <a:avLst/>
+          </a:prstGeom>
+          <a:noFill/>
+        </p:spPr>
+        <p:txBody>
+          <a:bodyPr wrap="square" rtlCol="0">
+            <a:spAutoFit/>
+          </a:bodyPr>
+          <a:lstStyle/>
+          <a:p>
+            <a:pPr algn="just"/>
+            <a:r>
+              <a:rPr lang="en-US" b="1" smtClean="0">
+                <a:latin typeface="Arial" panose="020B0604020202020204" pitchFamily="34" charset="0"/>
+                <a:cs typeface="Arial" panose="020B0604020202020204" pitchFamily="34" charset="0"/>
+              </a:rPr>
+              <a:t>A</a:t>
+            </a:r>
+            <a:endParaRPr lang="en-US" b="1" dirty="0" smtClean="0">
+              <a:latin typeface="Arial" panose="020B0604020202020204" pitchFamily="34" charset="0"/>
+              <a:cs typeface="Arial" panose="020B0604020202020204" pitchFamily="34" charset="0"/>
+            </a:endParaRPr>
+          </a:p>
+          <a:p>
+            <a:pPr algn="just"/>
+            <a:endParaRPr lang="en-US" sz="1600" b="1" u="sng" dirty="0" smtClean="0">
+              <a:latin typeface="Arial" panose="020B0604020202020204" pitchFamily="34" charset="0"/>
+              <a:cs typeface="Arial" panose="020B0604020202020204" pitchFamily="34" charset="0"/>
+            </a:endParaRPr>
+          </a:p>
+          <a:p>
+            <a:pPr marL="285750" indent="-285750" algn="just">
+              <a:buFont typeface="Arial" panose="020B0604020202020204" pitchFamily="34" charset="0"/>
+              <a:buChar char="•"/>
+            </a:pPr>
+            <a:endParaRPr lang="en-US" sz="1600" dirty="0" smtClean="0">
+              <a:latin typeface="Arial" panose="020B0604020202020204" pitchFamily="34" charset="0"/>
+              <a:cs typeface="Arial" panose="020B0604020202020204" pitchFamily="34" charset="0"/>
+            </a:endParaRPr>
+          </a:p>
+          <a:p>
+            <a:pPr algn="just"/>
+            <a:r>
+              <a:rPr lang="en-US" sz="1600" dirty="0" smtClean="0">
+                <a:latin typeface="Arial" panose="020B0604020202020204" pitchFamily="34" charset="0"/>
+                <a:cs typeface="Arial" panose="020B0604020202020204" pitchFamily="34" charset="0"/>
+              </a:rPr>
+              <a:t> </a:t>
+            </a:r>
+            <a:endParaRPr lang="en-US" sz="1600" dirty="0">
+              <a:latin typeface="Arial" panose="020B0604020202020204" pitchFamily="34" charset="0"/>
+              <a:cs typeface="Arial" panose="020B0604020202020204" pitchFamily="34" charset="0"/>
+            </a:endParaRPr>
+          </a:p>
+        </p:txBody>
+      </p:sp>
+      <p:sp>
+        <p:nvSpPr>
+          <p:cNvPr id="10" name="TextBox 9"/>
+          <p:cNvSpPr txBox="1"/>
+          <p:nvPr/>
+        </p:nvSpPr>
+        <p:spPr>
+          <a:xfrm>
+            <a:off x="8226593" y="-4984"/>
+            <a:ext cx="443947" cy="1107996"/>
+          </a:xfrm>
+          <a:prstGeom prst="rect">
+            <a:avLst/>
+          </a:prstGeom>
+          <a:noFill/>
+        </p:spPr>
+        <p:txBody>
+          <a:bodyPr wrap="square" rtlCol="0">
+            <a:spAutoFit/>
+          </a:bodyPr>
+          <a:lstStyle/>
+          <a:p>
+            <a:pPr algn="just"/>
+            <a:r>
+              <a:rPr lang="en-US" b="1" dirty="0">
+                <a:latin typeface="Arial" panose="020B0604020202020204" pitchFamily="34" charset="0"/>
+                <a:cs typeface="Arial" panose="020B0604020202020204" pitchFamily="34" charset="0"/>
+              </a:rPr>
+              <a:t>B</a:t>
+            </a:r>
+            <a:endParaRPr lang="en-US" b="1" dirty="0" smtClean="0">
+              <a:latin typeface="Arial" panose="020B0604020202020204" pitchFamily="34" charset="0"/>
+              <a:cs typeface="Arial" panose="020B0604020202020204" pitchFamily="34" charset="0"/>
+            </a:endParaRPr>
+          </a:p>
+          <a:p>
+            <a:pPr algn="just"/>
+            <a:endParaRPr lang="en-US" sz="1600" b="1" u="sng" dirty="0" smtClean="0">
+              <a:latin typeface="Arial" panose="020B0604020202020204" pitchFamily="34" charset="0"/>
+              <a:cs typeface="Arial" panose="020B0604020202020204" pitchFamily="34" charset="0"/>
+            </a:endParaRPr>
+          </a:p>
+          <a:p>
+            <a:pPr marL="285750" indent="-285750" algn="just">
+              <a:buFont typeface="Arial" panose="020B0604020202020204" pitchFamily="34" charset="0"/>
+              <a:buChar char="•"/>
+            </a:pPr>
+            <a:endParaRPr lang="en-US" sz="1600" dirty="0" smtClean="0">
+              <a:latin typeface="Arial" panose="020B0604020202020204" pitchFamily="34" charset="0"/>
+              <a:cs typeface="Arial" panose="020B0604020202020204" pitchFamily="34" charset="0"/>
+            </a:endParaRPr>
+          </a:p>
+          <a:p>
+            <a:pPr algn="just"/>
+            <a:r>
+              <a:rPr lang="en-US" sz="1600" dirty="0" smtClean="0">
+                <a:latin typeface="Arial" panose="020B0604020202020204" pitchFamily="34" charset="0"/>
+                <a:cs typeface="Arial" panose="020B0604020202020204" pitchFamily="34" charset="0"/>
+              </a:rPr>
+              <a:t> </a:t>
+            </a:r>
+            <a:endParaRPr lang="en-US" sz="1600" dirty="0">
+              <a:latin typeface="Arial" panose="020B0604020202020204" pitchFamily="34" charset="0"/>
+              <a:cs typeface="Arial" panose="020B0604020202020204" pitchFamily="34" charset="0"/>
+            </a:endParaRPr>
+          </a:p>
+        </p:txBody>
+      </p:sp>
+      <p:sp>
+        <p:nvSpPr>
+          <p:cNvPr id="11" name="TextBox 10"/>
+          <p:cNvSpPr txBox="1"/>
+          <p:nvPr/>
+        </p:nvSpPr>
+        <p:spPr>
+          <a:xfrm>
+            <a:off x="933015" y="3311043"/>
+            <a:ext cx="443947" cy="1107996"/>
+          </a:xfrm>
+          <a:prstGeom prst="rect">
+            <a:avLst/>
+          </a:prstGeom>
+          <a:noFill/>
+        </p:spPr>
+        <p:txBody>
+          <a:bodyPr wrap="square" rtlCol="0">
+            <a:spAutoFit/>
+          </a:bodyPr>
+          <a:lstStyle/>
+          <a:p>
+            <a:pPr algn="just"/>
+            <a:r>
+              <a:rPr lang="en-US" b="1" dirty="0">
+                <a:latin typeface="Arial" panose="020B0604020202020204" pitchFamily="34" charset="0"/>
+                <a:cs typeface="Arial" panose="020B0604020202020204" pitchFamily="34" charset="0"/>
+              </a:rPr>
+              <a:t>C</a:t>
+            </a:r>
+            <a:endParaRPr lang="en-US" b="1" dirty="0" smtClean="0">
+              <a:latin typeface="Arial" panose="020B0604020202020204" pitchFamily="34" charset="0"/>
+              <a:cs typeface="Arial" panose="020B0604020202020204" pitchFamily="34" charset="0"/>
+            </a:endParaRPr>
+          </a:p>
+          <a:p>
+            <a:pPr algn="just"/>
+            <a:endParaRPr lang="en-US" sz="1600" b="1" u="sng" dirty="0" smtClean="0">
+              <a:latin typeface="Arial" panose="020B0604020202020204" pitchFamily="34" charset="0"/>
+              <a:cs typeface="Arial" panose="020B0604020202020204" pitchFamily="34" charset="0"/>
+            </a:endParaRPr>
+          </a:p>
+          <a:p>
+            <a:pPr marL="285750" indent="-285750" algn="just">
+              <a:buFont typeface="Arial" panose="020B0604020202020204" pitchFamily="34" charset="0"/>
+              <a:buChar char="•"/>
+            </a:pPr>
+            <a:endParaRPr lang="en-US" sz="1600" dirty="0" smtClean="0">
+              <a:latin typeface="Arial" panose="020B0604020202020204" pitchFamily="34" charset="0"/>
+              <a:cs typeface="Arial" panose="020B0604020202020204" pitchFamily="34" charset="0"/>
+            </a:endParaRPr>
+          </a:p>
+          <a:p>
+            <a:pPr algn="just"/>
+            <a:r>
+              <a:rPr lang="en-US" sz="1600" dirty="0" smtClean="0">
+                <a:latin typeface="Arial" panose="020B0604020202020204" pitchFamily="34" charset="0"/>
+                <a:cs typeface="Arial" panose="020B0604020202020204" pitchFamily="34" charset="0"/>
+              </a:rPr>
+              <a:t> </a:t>
+            </a:r>
+            <a:endParaRPr lang="en-US" sz="1600" dirty="0">
+              <a:latin typeface="Arial" panose="020B0604020202020204" pitchFamily="34" charset="0"/>
+              <a:cs typeface="Arial" panose="020B0604020202020204" pitchFamily="34" charset="0"/>
+            </a:endParaRPr>
+          </a:p>
+        </p:txBody>
+      </p:sp>
+      <p:sp>
+        <p:nvSpPr>
+          <p:cNvPr id="12" name="TextBox 11"/>
+          <p:cNvSpPr txBox="1"/>
+          <p:nvPr/>
+        </p:nvSpPr>
+        <p:spPr>
+          <a:xfrm>
+            <a:off x="4651766" y="3293577"/>
+            <a:ext cx="443947" cy="1107996"/>
+          </a:xfrm>
+          <a:prstGeom prst="rect">
+            <a:avLst/>
+          </a:prstGeom>
+          <a:noFill/>
+        </p:spPr>
+        <p:txBody>
+          <a:bodyPr wrap="square" rtlCol="0">
+            <a:spAutoFit/>
+          </a:bodyPr>
+          <a:lstStyle/>
+          <a:p>
+            <a:pPr algn="just"/>
+            <a:r>
+              <a:rPr lang="en-US" b="1" dirty="0">
+                <a:latin typeface="Arial" panose="020B0604020202020204" pitchFamily="34" charset="0"/>
+                <a:cs typeface="Arial" panose="020B0604020202020204" pitchFamily="34" charset="0"/>
+              </a:rPr>
+              <a:t>D</a:t>
+            </a:r>
+            <a:endParaRPr lang="en-US" b="1" dirty="0" smtClean="0">
+              <a:latin typeface="Arial" panose="020B0604020202020204" pitchFamily="34" charset="0"/>
+              <a:cs typeface="Arial" panose="020B0604020202020204" pitchFamily="34" charset="0"/>
+            </a:endParaRPr>
+          </a:p>
+          <a:p>
+            <a:pPr algn="just"/>
+            <a:endParaRPr lang="en-US" sz="1600" b="1" u="sng" dirty="0" smtClean="0">
+              <a:latin typeface="Arial" panose="020B0604020202020204" pitchFamily="34" charset="0"/>
+              <a:cs typeface="Arial" panose="020B0604020202020204" pitchFamily="34" charset="0"/>
+            </a:endParaRPr>
+          </a:p>
+          <a:p>
+            <a:pPr marL="285750" indent="-285750" algn="just">
+              <a:buFont typeface="Arial" panose="020B0604020202020204" pitchFamily="34" charset="0"/>
+              <a:buChar char="•"/>
+            </a:pPr>
+            <a:endParaRPr lang="en-US" sz="1600" dirty="0" smtClean="0">
+              <a:latin typeface="Arial" panose="020B0604020202020204" pitchFamily="34" charset="0"/>
+              <a:cs typeface="Arial" panose="020B0604020202020204" pitchFamily="34" charset="0"/>
+            </a:endParaRPr>
+          </a:p>
+          <a:p>
+            <a:pPr algn="just"/>
+            <a:r>
+              <a:rPr lang="en-US" sz="1600" dirty="0" smtClean="0">
+                <a:latin typeface="Arial" panose="020B0604020202020204" pitchFamily="34" charset="0"/>
+                <a:cs typeface="Arial" panose="020B0604020202020204" pitchFamily="34" charset="0"/>
+              </a:rPr>
+              <a:t> </a:t>
+            </a:r>
+            <a:endParaRPr lang="en-US" sz="1600" dirty="0">
+              <a:latin typeface="Arial" panose="020B0604020202020204" pitchFamily="34" charset="0"/>
+              <a:cs typeface="Arial" panose="020B0604020202020204" pitchFamily="34" charset="0"/>
+            </a:endParaRPr>
+          </a:p>
+        </p:txBody>
+      </p:sp>
+      <p:sp>
+        <p:nvSpPr>
+          <p:cNvPr id="13" name="TextBox 12"/>
+          <p:cNvSpPr txBox="1"/>
+          <p:nvPr/>
+        </p:nvSpPr>
+        <p:spPr>
+          <a:xfrm>
+            <a:off x="182437" y="292124"/>
+            <a:ext cx="4018352" cy="3570208"/>
+          </a:xfrm>
+          <a:prstGeom prst="rect">
+            <a:avLst/>
+          </a:prstGeom>
+          <a:noFill/>
+        </p:spPr>
+        <p:txBody>
+          <a:bodyPr wrap="square" rtlCol="0">
+            <a:spAutoFit/>
+          </a:bodyPr>
+          <a:lstStyle/>
+          <a:p>
+            <a:pPr algn="just"/>
+            <a:r>
+              <a:rPr lang="en-US" b="1" dirty="0" smtClean="0">
+                <a:latin typeface="Arial" panose="020B0604020202020204" pitchFamily="34" charset="0"/>
+                <a:cs typeface="Arial" panose="020B0604020202020204" pitchFamily="34" charset="0"/>
+              </a:rPr>
+              <a:t>Simulations</a:t>
+            </a:r>
+          </a:p>
+          <a:p>
+            <a:pPr algn="just"/>
+            <a:r>
+              <a:rPr lang="en-US" sz="1600" dirty="0" smtClean="0">
+                <a:latin typeface="Arial" panose="020B0604020202020204" pitchFamily="34" charset="0"/>
+                <a:cs typeface="Arial" panose="020B0604020202020204" pitchFamily="34" charset="0"/>
+              </a:rPr>
+              <a:t>40 simulations with 120 trials over 5 environments, 24 trials per environment. </a:t>
+            </a:r>
+            <a:r>
+              <a:rPr lang="en-US" sz="1600" b="1" dirty="0" smtClean="0">
+                <a:latin typeface="Arial" panose="020B0604020202020204" pitchFamily="34" charset="0"/>
+                <a:cs typeface="Arial" panose="020B0604020202020204" pitchFamily="34" charset="0"/>
+              </a:rPr>
+              <a:t>A</a:t>
+            </a:r>
+            <a:r>
+              <a:rPr lang="en-US" sz="1600" dirty="0" smtClean="0">
+                <a:latin typeface="Arial" panose="020B0604020202020204" pitchFamily="34" charset="0"/>
+                <a:cs typeface="Arial" panose="020B0604020202020204" pitchFamily="34" charset="0"/>
+              </a:rPr>
+              <a:t>, </a:t>
+            </a:r>
+            <a:r>
+              <a:rPr lang="en-US" sz="1600" b="1" dirty="0" smtClean="0">
+                <a:latin typeface="Arial" panose="020B0604020202020204" pitchFamily="34" charset="0"/>
+                <a:cs typeface="Arial" panose="020B0604020202020204" pitchFamily="34" charset="0"/>
+              </a:rPr>
+              <a:t>B</a:t>
+            </a:r>
+            <a:r>
+              <a:rPr lang="en-US" sz="1600" dirty="0" smtClean="0">
+                <a:latin typeface="Arial" panose="020B0604020202020204" pitchFamily="34" charset="0"/>
+                <a:cs typeface="Arial" panose="020B0604020202020204" pitchFamily="34" charset="0"/>
+              </a:rPr>
+              <a:t>, </a:t>
+            </a:r>
+            <a:r>
+              <a:rPr lang="en-US" sz="1600" b="1" dirty="0" smtClean="0">
+                <a:latin typeface="Arial" panose="020B0604020202020204" pitchFamily="34" charset="0"/>
+                <a:cs typeface="Arial" panose="020B0604020202020204" pitchFamily="34" charset="0"/>
+              </a:rPr>
+              <a:t>D</a:t>
+            </a:r>
+            <a:r>
+              <a:rPr lang="en-US" sz="1600" dirty="0" smtClean="0">
+                <a:latin typeface="Arial" panose="020B0604020202020204" pitchFamily="34" charset="0"/>
+                <a:cs typeface="Arial" panose="020B0604020202020204" pitchFamily="34" charset="0"/>
+              </a:rPr>
+              <a:t>, and </a:t>
+            </a:r>
+            <a:r>
+              <a:rPr lang="en-US" sz="1600" b="1" dirty="0" smtClean="0">
+                <a:latin typeface="Arial" panose="020B0604020202020204" pitchFamily="34" charset="0"/>
+                <a:cs typeface="Arial" panose="020B0604020202020204" pitchFamily="34" charset="0"/>
+              </a:rPr>
+              <a:t>E</a:t>
+            </a:r>
+            <a:r>
+              <a:rPr lang="en-US" sz="1600" dirty="0" smtClean="0">
+                <a:latin typeface="Arial" panose="020B0604020202020204" pitchFamily="34" charset="0"/>
+                <a:cs typeface="Arial" panose="020B0604020202020204" pitchFamily="34" charset="0"/>
+              </a:rPr>
+              <a:t> depict parameter recovery, with the top row of each using uniform parameter bounds and the bottom rows using Laplace approximation. In all cases Laplace approximation results in better recovery. </a:t>
+            </a:r>
+            <a:r>
+              <a:rPr lang="en-US" sz="1600" b="1" dirty="0" smtClean="0">
+                <a:latin typeface="Arial" panose="020B0604020202020204" pitchFamily="34" charset="0"/>
+                <a:cs typeface="Arial" panose="020B0604020202020204" pitchFamily="34" charset="0"/>
+              </a:rPr>
+              <a:t>C</a:t>
+            </a:r>
+            <a:r>
+              <a:rPr lang="en-US" sz="1600" dirty="0" smtClean="0">
+                <a:latin typeface="Arial" panose="020B0604020202020204" pitchFamily="34" charset="0"/>
+                <a:cs typeface="Arial" panose="020B0604020202020204" pitchFamily="34" charset="0"/>
+              </a:rPr>
+              <a:t> is a confusion matrix indicating how well each model is identified relative to the other models. </a:t>
+            </a:r>
+          </a:p>
+          <a:p>
+            <a:pPr algn="just"/>
+            <a:endParaRPr lang="en-US" sz="1600" b="1" u="sng" dirty="0" smtClean="0">
+              <a:latin typeface="Arial" panose="020B0604020202020204" pitchFamily="34" charset="0"/>
+              <a:cs typeface="Arial" panose="020B0604020202020204" pitchFamily="34" charset="0"/>
+            </a:endParaRPr>
+          </a:p>
+          <a:p>
+            <a:pPr marL="285750" indent="-285750" algn="just">
+              <a:buFont typeface="Arial" panose="020B0604020202020204" pitchFamily="34" charset="0"/>
+              <a:buChar char="•"/>
+            </a:pPr>
+            <a:endParaRPr lang="en-US" sz="1600" dirty="0" smtClean="0">
+              <a:latin typeface="Arial" panose="020B0604020202020204" pitchFamily="34" charset="0"/>
+              <a:cs typeface="Arial" panose="020B0604020202020204" pitchFamily="34" charset="0"/>
+            </a:endParaRPr>
+          </a:p>
+          <a:p>
+            <a:pPr algn="just"/>
+            <a:r>
+              <a:rPr lang="en-US" sz="1600" dirty="0" smtClean="0">
+                <a:latin typeface="Arial" panose="020B0604020202020204" pitchFamily="34" charset="0"/>
+                <a:cs typeface="Arial" panose="020B0604020202020204" pitchFamily="34" charset="0"/>
+              </a:rPr>
+              <a:t> </a:t>
+            </a:r>
+            <a:endParaRPr lang="en-US" sz="1600" dirty="0">
+              <a:latin typeface="Arial" panose="020B0604020202020204" pitchFamily="34" charset="0"/>
+              <a:cs typeface="Arial" panose="020B0604020202020204" pitchFamily="34" charset="0"/>
+            </a:endParaRPr>
+          </a:p>
+        </p:txBody>
+      </p:sp>
+      <p:pic>
+        <p:nvPicPr>
+          <p:cNvPr id="18" name="Picture 17"/>
+          <p:cNvPicPr>
+            <a:picLocks noChangeAspect="1"/>
+          </p:cNvPicPr>
+          <p:nvPr/>
+        </p:nvPicPr>
+        <p:blipFill>
+          <a:blip r:embed="rId6">
+            <a:extLst>
+              <a:ext uri="{28A0092B-C50C-407E-A947-70E740481C1C}">
+                <a14:useLocalDpi xmlns:a14="http://schemas.microsoft.com/office/drawing/2010/main" val="0"/>
+              </a:ext>
+            </a:extLst>
+          </a:blip>
+          <a:stretch>
+            <a:fillRect/>
+          </a:stretch>
+        </p:blipFill>
+        <p:spPr>
+          <a:xfrm>
+            <a:off x="357410" y="3773639"/>
+            <a:ext cx="3756415" cy="2816506"/>
+          </a:xfrm>
+          <a:prstGeom prst="rect">
+            <a:avLst/>
+          </a:prstGeom>
+        </p:spPr>
+      </p:pic>
+      <p:sp>
+        <p:nvSpPr>
+          <p:cNvPr id="19" name="TextBox 18"/>
+          <p:cNvSpPr txBox="1"/>
+          <p:nvPr/>
+        </p:nvSpPr>
+        <p:spPr>
+          <a:xfrm>
+            <a:off x="8362422" y="3288347"/>
+            <a:ext cx="443947" cy="1107996"/>
+          </a:xfrm>
+          <a:prstGeom prst="rect">
+            <a:avLst/>
+          </a:prstGeom>
+          <a:noFill/>
+        </p:spPr>
+        <p:txBody>
+          <a:bodyPr wrap="square" rtlCol="0">
+            <a:spAutoFit/>
+          </a:bodyPr>
+          <a:lstStyle/>
+          <a:p>
+            <a:pPr algn="just"/>
+            <a:r>
+              <a:rPr lang="en-US" b="1" dirty="0" smtClean="0">
+                <a:latin typeface="Arial" panose="020B0604020202020204" pitchFamily="34" charset="0"/>
+                <a:cs typeface="Arial" panose="020B0604020202020204" pitchFamily="34" charset="0"/>
+              </a:rPr>
+              <a:t>E</a:t>
+            </a:r>
+          </a:p>
+          <a:p>
+            <a:pPr algn="just"/>
+            <a:endParaRPr lang="en-US" sz="1600" b="1" u="sng" dirty="0" smtClean="0">
+              <a:latin typeface="Arial" panose="020B0604020202020204" pitchFamily="34" charset="0"/>
+              <a:cs typeface="Arial" panose="020B0604020202020204" pitchFamily="34" charset="0"/>
+            </a:endParaRPr>
+          </a:p>
+          <a:p>
+            <a:pPr marL="285750" indent="-285750" algn="just">
+              <a:buFont typeface="Arial" panose="020B0604020202020204" pitchFamily="34" charset="0"/>
+              <a:buChar char="•"/>
+            </a:pPr>
+            <a:endParaRPr lang="en-US" sz="1600" dirty="0" smtClean="0">
+              <a:latin typeface="Arial" panose="020B0604020202020204" pitchFamily="34" charset="0"/>
+              <a:cs typeface="Arial" panose="020B0604020202020204" pitchFamily="34" charset="0"/>
+            </a:endParaRPr>
+          </a:p>
+          <a:p>
+            <a:pPr algn="just"/>
+            <a:r>
+              <a:rPr lang="en-US" sz="1600" dirty="0" smtClean="0">
+                <a:latin typeface="Arial" panose="020B0604020202020204" pitchFamily="34" charset="0"/>
+                <a:cs typeface="Arial" panose="020B0604020202020204" pitchFamily="34" charset="0"/>
+              </a:rPr>
+              <a:t> </a:t>
+            </a:r>
+            <a:endParaRPr lang="en-US" sz="1600" dirty="0">
+              <a:latin typeface="Arial" panose="020B0604020202020204" pitchFamily="34" charset="0"/>
+              <a:cs typeface="Arial" panose="020B0604020202020204" pitchFamily="34" charset="0"/>
+            </a:endParaRPr>
+          </a:p>
+        </p:txBody>
+      </p:sp>
+    </p:spTree>
+    <p:extLst>
+      <p:ext uri="{BB962C8B-B14F-4D97-AF65-F5344CB8AC3E}">
+        <p14:creationId xmlns:p14="http://schemas.microsoft.com/office/powerpoint/2010/main" val="115739507"/>
       </p:ext>
     </p:extLst>
   </p:cSld>
@@ -12431,14 +12358,358 @@
       </p:grpSpPr>
       <p:sp>
         <p:nvSpPr>
-          <p:cNvPr id="4" name="TextBox 3"/>
+          <p:cNvPr id="4" name="Rectangle 3"/>
+          <p:cNvSpPr/>
+          <p:nvPr/>
+        </p:nvSpPr>
+        <p:spPr>
+          <a:xfrm>
+            <a:off x="98856" y="630195"/>
+            <a:ext cx="11726560" cy="7971413"/>
+          </a:xfrm>
+          <a:prstGeom prst="rect">
+            <a:avLst/>
+          </a:prstGeom>
+        </p:spPr>
+        <p:txBody>
+          <a:bodyPr wrap="square">
+            <a:spAutoFit/>
+          </a:bodyPr>
+          <a:lstStyle/>
+          <a:p>
+            <a:pPr>
+              <a:lnSpc>
+                <a:spcPct val="200000"/>
+              </a:lnSpc>
+            </a:pPr>
+            <a:r>
+              <a:rPr lang="en-US" sz="1600" dirty="0" smtClean="0">
+                <a:latin typeface="Arial" charset="0"/>
+                <a:ea typeface="Arial" charset="0"/>
+                <a:cs typeface="Arial" charset="0"/>
+              </a:rPr>
+              <a:t>Based on simulations, we decided to use 5 scenarios/conditions, with 24 trials per scenario. If we conservatively estimate 1 trial to take 10 seconds (6 seconds for decision, 4 seconds for inter-stimulus interval), that results in 40 minutes of UG playing time, 20 minutes in the social, and 20 minutes in the non-social conditions</a:t>
+            </a:r>
+          </a:p>
+          <a:p>
+            <a:pPr>
+              <a:lnSpc>
+                <a:spcPct val="200000"/>
+              </a:lnSpc>
+            </a:pPr>
+            <a:endParaRPr lang="en-US" sz="1600" dirty="0">
+              <a:latin typeface="Arial" charset="0"/>
+              <a:ea typeface="Arial" charset="0"/>
+              <a:cs typeface="Arial" charset="0"/>
+            </a:endParaRPr>
+          </a:p>
+          <a:p>
+            <a:pPr>
+              <a:lnSpc>
+                <a:spcPct val="200000"/>
+              </a:lnSpc>
+            </a:pPr>
+            <a:r>
+              <a:rPr lang="en-US" sz="1600" dirty="0" smtClean="0">
+                <a:latin typeface="Arial" charset="0"/>
+                <a:ea typeface="Arial" charset="0"/>
+                <a:cs typeface="Arial" charset="0"/>
+              </a:rPr>
+              <a:t>Additional tasks</a:t>
+            </a:r>
+          </a:p>
+          <a:p>
+            <a:pPr>
+              <a:lnSpc>
+                <a:spcPct val="200000"/>
+              </a:lnSpc>
+            </a:pPr>
+            <a:r>
+              <a:rPr lang="en-US" sz="1600" dirty="0" smtClean="0">
+                <a:latin typeface="Arial" charset="0"/>
+                <a:ea typeface="Arial" charset="0"/>
+                <a:cs typeface="Arial" charset="0"/>
+              </a:rPr>
+              <a:t>	- Fitting priors</a:t>
+            </a:r>
+          </a:p>
+          <a:p>
+            <a:pPr>
+              <a:lnSpc>
+                <a:spcPct val="200000"/>
+              </a:lnSpc>
+            </a:pPr>
+            <a:r>
+              <a:rPr lang="en-US" sz="1600" dirty="0">
+                <a:latin typeface="Arial" charset="0"/>
+                <a:ea typeface="Arial" charset="0"/>
+                <a:cs typeface="Arial" charset="0"/>
+              </a:rPr>
+              <a:t>	</a:t>
+            </a:r>
+            <a:r>
+              <a:rPr lang="en-US" sz="1600" dirty="0" smtClean="0">
+                <a:latin typeface="Arial" charset="0"/>
+                <a:ea typeface="Arial" charset="0"/>
+                <a:cs typeface="Arial" charset="0"/>
+              </a:rPr>
+              <a:t>	- To </a:t>
+            </a:r>
+            <a:r>
+              <a:rPr lang="en-US" sz="1600" dirty="0">
+                <a:latin typeface="Arial" charset="0"/>
+                <a:ea typeface="Arial" charset="0"/>
+                <a:cs typeface="Arial" charset="0"/>
+              </a:rPr>
+              <a:t>avoid fitting additional free parameters, the model requires initial estimates of 𝜷</a:t>
+            </a:r>
+            <a:r>
+              <a:rPr lang="en-US" sz="1600" baseline="-25000" dirty="0">
+                <a:latin typeface="Arial" charset="0"/>
+                <a:ea typeface="Arial" charset="0"/>
+                <a:cs typeface="Arial" charset="0"/>
+              </a:rPr>
+              <a:t>𝑹𝟎</a:t>
+            </a:r>
+            <a:r>
+              <a:rPr lang="en-US" sz="1600" dirty="0">
+                <a:latin typeface="Arial" charset="0"/>
+                <a:ea typeface="Arial" charset="0"/>
+                <a:cs typeface="Arial" charset="0"/>
+              </a:rPr>
+              <a:t> and 𝜷</a:t>
+            </a:r>
+            <a:r>
+              <a:rPr lang="en-US" sz="1600" baseline="-25000" dirty="0">
+                <a:latin typeface="Arial" charset="0"/>
+                <a:ea typeface="Arial" charset="0"/>
+                <a:cs typeface="Arial" charset="0"/>
+              </a:rPr>
+              <a:t>𝑹𝟏</a:t>
+            </a:r>
+            <a:r>
+              <a:rPr lang="en-US" sz="1600" dirty="0">
+                <a:latin typeface="Arial" charset="0"/>
+                <a:ea typeface="Arial" charset="0"/>
+                <a:cs typeface="Arial" charset="0"/>
+              </a:rPr>
+              <a:t>. </a:t>
+            </a:r>
+          </a:p>
+          <a:p>
+            <a:pPr>
+              <a:lnSpc>
+                <a:spcPct val="200000"/>
+              </a:lnSpc>
+            </a:pPr>
+            <a:r>
+              <a:rPr lang="en-US" sz="1600" dirty="0" smtClean="0">
+                <a:latin typeface="Arial" charset="0"/>
+                <a:ea typeface="Arial" charset="0"/>
+                <a:cs typeface="Arial" charset="0"/>
+              </a:rPr>
+              <a:t>	</a:t>
+            </a:r>
+            <a:r>
+              <a:rPr lang="en-US" sz="1600" dirty="0">
+                <a:latin typeface="Arial" charset="0"/>
+                <a:ea typeface="Arial" charset="0"/>
+                <a:cs typeface="Arial" charset="0"/>
+              </a:rPr>
+              <a:t>- Dictator </a:t>
+            </a:r>
+            <a:r>
+              <a:rPr lang="en-US" sz="1600" dirty="0" smtClean="0">
+                <a:latin typeface="Arial" charset="0"/>
+                <a:ea typeface="Arial" charset="0"/>
+                <a:cs typeface="Arial" charset="0"/>
+              </a:rPr>
+              <a:t>game</a:t>
+            </a:r>
+          </a:p>
+          <a:p>
+            <a:pPr>
+              <a:lnSpc>
+                <a:spcPct val="200000"/>
+              </a:lnSpc>
+            </a:pPr>
+            <a:r>
+              <a:rPr lang="en-US" sz="1600" dirty="0">
+                <a:latin typeface="Arial" charset="0"/>
+                <a:ea typeface="Arial" charset="0"/>
+                <a:cs typeface="Arial" charset="0"/>
+              </a:rPr>
+              <a:t>	</a:t>
+            </a:r>
+            <a:r>
+              <a:rPr lang="en-US" sz="1600" dirty="0" smtClean="0">
+                <a:latin typeface="Arial" charset="0"/>
+                <a:ea typeface="Arial" charset="0"/>
+                <a:cs typeface="Arial" charset="0"/>
+              </a:rPr>
+              <a:t>	- To get estimates of subjects’ social value orientation when offer-rejection is not possible</a:t>
+            </a:r>
+          </a:p>
+          <a:p>
+            <a:pPr>
+              <a:lnSpc>
+                <a:spcPct val="200000"/>
+              </a:lnSpc>
+            </a:pPr>
+            <a:r>
+              <a:rPr lang="en-US" sz="1600" dirty="0">
+                <a:latin typeface="Arial" charset="0"/>
+                <a:ea typeface="Arial" charset="0"/>
+                <a:cs typeface="Arial" charset="0"/>
+              </a:rPr>
+              <a:t>	</a:t>
+            </a:r>
+            <a:r>
+              <a:rPr lang="en-US" sz="1600" dirty="0" smtClean="0">
+                <a:latin typeface="Arial" charset="0"/>
+                <a:ea typeface="Arial" charset="0"/>
+                <a:cs typeface="Arial" charset="0"/>
+              </a:rPr>
+              <a:t>- Risk assessment</a:t>
+            </a:r>
+          </a:p>
+          <a:p>
+            <a:pPr>
+              <a:lnSpc>
+                <a:spcPct val="200000"/>
+              </a:lnSpc>
+            </a:pPr>
+            <a:r>
+              <a:rPr lang="en-US" sz="1600" dirty="0">
+                <a:latin typeface="Arial" charset="0"/>
+                <a:ea typeface="Arial" charset="0"/>
+                <a:cs typeface="Arial" charset="0"/>
+              </a:rPr>
+              <a:t>	</a:t>
+            </a:r>
+            <a:r>
+              <a:rPr lang="en-US" sz="1600" dirty="0" smtClean="0">
+                <a:latin typeface="Arial" charset="0"/>
+                <a:ea typeface="Arial" charset="0"/>
+                <a:cs typeface="Arial" charset="0"/>
+              </a:rPr>
+              <a:t>	- Use quick and simple </a:t>
+            </a:r>
+            <a:r>
+              <a:rPr lang="en-US" sz="1600" dirty="0" err="1" smtClean="0">
+                <a:latin typeface="Arial" charset="0"/>
+                <a:ea typeface="Arial" charset="0"/>
+                <a:cs typeface="Arial" charset="0"/>
+              </a:rPr>
+              <a:t>Eckel</a:t>
+            </a:r>
+            <a:r>
+              <a:rPr lang="en-US" sz="1600" dirty="0">
+                <a:latin typeface="Arial" charset="0"/>
+                <a:ea typeface="Arial" charset="0"/>
+                <a:cs typeface="Arial" charset="0"/>
+              </a:rPr>
+              <a:t>-</a:t>
+            </a:r>
+            <a:r>
+              <a:rPr lang="en-US" sz="1600" dirty="0" smtClean="0">
+                <a:latin typeface="Arial" charset="0"/>
+                <a:ea typeface="Arial" charset="0"/>
+                <a:cs typeface="Arial" charset="0"/>
+              </a:rPr>
+              <a:t>Grossman lottery to assess risk preferences (</a:t>
+            </a:r>
+            <a:r>
+              <a:rPr lang="en-US" sz="1600" dirty="0" err="1" smtClean="0">
+                <a:latin typeface="Arial" charset="0"/>
+                <a:ea typeface="Arial" charset="0"/>
+                <a:cs typeface="Arial" charset="0"/>
+              </a:rPr>
+              <a:t>Eckel</a:t>
+            </a:r>
+            <a:r>
+              <a:rPr lang="en-US" sz="1600" dirty="0" smtClean="0">
+                <a:latin typeface="Arial" charset="0"/>
+                <a:ea typeface="Arial" charset="0"/>
+                <a:cs typeface="Arial" charset="0"/>
+              </a:rPr>
+              <a:t> &amp; Grossman, 2002)</a:t>
+            </a:r>
+          </a:p>
+          <a:p>
+            <a:pPr marL="742950" lvl="1" indent="-285750">
+              <a:lnSpc>
+                <a:spcPct val="200000"/>
+              </a:lnSpc>
+              <a:buFont typeface="Arial" charset="0"/>
+              <a:buChar char="•"/>
+            </a:pPr>
+            <a:endParaRPr lang="en-US" sz="1600" dirty="0" smtClean="0">
+              <a:latin typeface="Arial" charset="0"/>
+              <a:ea typeface="Arial" charset="0"/>
+              <a:cs typeface="Arial" charset="0"/>
+            </a:endParaRPr>
+          </a:p>
+          <a:p>
+            <a:pPr>
+              <a:lnSpc>
+                <a:spcPct val="200000"/>
+              </a:lnSpc>
+            </a:pPr>
+            <a:endParaRPr lang="en-US" sz="1600" dirty="0">
+              <a:latin typeface="Arial" charset="0"/>
+              <a:ea typeface="Arial" charset="0"/>
+              <a:cs typeface="Arial" charset="0"/>
+            </a:endParaRPr>
+          </a:p>
+          <a:p>
+            <a:pPr>
+              <a:lnSpc>
+                <a:spcPct val="200000"/>
+              </a:lnSpc>
+            </a:pPr>
+            <a:endParaRPr lang="en-US" sz="1600" dirty="0">
+              <a:latin typeface="Arial" charset="0"/>
+              <a:ea typeface="Arial" charset="0"/>
+              <a:cs typeface="Arial" charset="0"/>
+            </a:endParaRPr>
+          </a:p>
+          <a:p>
+            <a:pPr>
+              <a:lnSpc>
+                <a:spcPct val="200000"/>
+              </a:lnSpc>
+            </a:pPr>
+            <a:endParaRPr lang="en-US" sz="1600" dirty="0" smtClean="0">
+              <a:latin typeface="Arial" charset="0"/>
+              <a:ea typeface="Arial" charset="0"/>
+              <a:cs typeface="Arial" charset="0"/>
+            </a:endParaRPr>
+          </a:p>
+          <a:p>
+            <a:pPr>
+              <a:lnSpc>
+                <a:spcPct val="200000"/>
+              </a:lnSpc>
+            </a:pPr>
+            <a:endParaRPr lang="en-US" sz="1600" dirty="0" smtClean="0">
+              <a:latin typeface="Arial" charset="0"/>
+              <a:ea typeface="Arial" charset="0"/>
+              <a:cs typeface="Arial" charset="0"/>
+            </a:endParaRPr>
+          </a:p>
+        </p:txBody>
+      </p:sp>
+      <p:sp>
+        <p:nvSpPr>
+          <p:cNvPr id="3" name="TextBox 2"/>
           <p:cNvSpPr txBox="1"/>
           <p:nvPr/>
         </p:nvSpPr>
         <p:spPr>
           <a:xfrm>
-            <a:off x="0" y="-66260"/>
-            <a:ext cx="12046226" cy="6740307"/>
+            <a:off x="98856" y="151804"/>
+            <a:ext cx="2557110" cy="369332"/>
           </a:xfrm>
           <a:prstGeom prst="rect">
             <a:avLst/>
@@ -12446,467 +12717,23 @@
           <a:noFill/>
         </p:spPr>
         <p:txBody>
-          <a:bodyPr wrap="square" rtlCol="0">
+          <a:bodyPr wrap="none" rtlCol="0">
             <a:spAutoFit/>
           </a:bodyPr>
           <a:lstStyle/>
           <a:p>
-            <a:pPr algn="just"/>
             <a:r>
               <a:rPr lang="en-US" b="1" dirty="0" smtClean="0">
-                <a:latin typeface="Arial" panose="020B0604020202020204" pitchFamily="34" charset="0"/>
-                <a:cs typeface="Arial" panose="020B0604020202020204" pitchFamily="34" charset="0"/>
-              </a:rPr>
-              <a:t>Hypotheses</a:t>
-            </a:r>
-          </a:p>
-          <a:p>
-            <a:pPr algn="just"/>
-            <a:endParaRPr lang="en-US" sz="1600" b="1" u="sng" dirty="0" smtClean="0">
-              <a:latin typeface="Arial" panose="020B0604020202020204" pitchFamily="34" charset="0"/>
-              <a:cs typeface="Arial" panose="020B0604020202020204" pitchFamily="34" charset="0"/>
-            </a:endParaRPr>
-          </a:p>
-          <a:p>
-            <a:pPr algn="just"/>
-            <a:r>
-              <a:rPr lang="en-US" sz="1600" dirty="0" smtClean="0">
-                <a:latin typeface="Arial" panose="020B0604020202020204" pitchFamily="34" charset="0"/>
-                <a:cs typeface="Arial" panose="020B0604020202020204" pitchFamily="34" charset="0"/>
-              </a:rPr>
-              <a:t>1: </a:t>
-            </a:r>
-            <a:r>
-              <a:rPr lang="en-US" sz="1600" b="1" dirty="0" smtClean="0">
-                <a:latin typeface="Arial" panose="020B0604020202020204" pitchFamily="34" charset="0"/>
-                <a:cs typeface="Arial" panose="020B0604020202020204" pitchFamily="34" charset="0"/>
-              </a:rPr>
-              <a:t>Learning occurs:</a:t>
-            </a:r>
-          </a:p>
-          <a:p>
-            <a:pPr marL="285750" indent="-285750" algn="just">
-              <a:buFont typeface="Arial" charset="0"/>
-              <a:buChar char="•"/>
-            </a:pPr>
-            <a:r>
-              <a:rPr lang="en-US" sz="1600" dirty="0">
-                <a:latin typeface="Arial" panose="020B0604020202020204" pitchFamily="34" charset="0"/>
-                <a:cs typeface="Arial" panose="020B0604020202020204" pitchFamily="34" charset="0"/>
-              </a:rPr>
-              <a:t>I</a:t>
-            </a:r>
-            <a:r>
-              <a:rPr lang="en-US" sz="1600" dirty="0" smtClean="0">
-                <a:latin typeface="Arial" panose="020B0604020202020204" pitchFamily="34" charset="0"/>
-                <a:cs typeface="Arial" panose="020B0604020202020204" pitchFamily="34" charset="0"/>
-              </a:rPr>
-              <a:t>n all conditions, proposer start with a (distributional) prior about the norm, but gradually integrate feedback to update the norm and improve payoff</a:t>
-            </a:r>
-            <a:r>
-              <a:rPr lang="en-US" sz="1600" dirty="0">
-                <a:latin typeface="Arial" panose="020B0604020202020204" pitchFamily="34" charset="0"/>
-                <a:cs typeface="Arial" panose="020B0604020202020204" pitchFamily="34" charset="0"/>
-              </a:rPr>
-              <a:t>.</a:t>
-            </a:r>
-            <a:endParaRPr lang="en-US" sz="1600" b="1" dirty="0" smtClean="0">
-              <a:latin typeface="Arial" panose="020B0604020202020204" pitchFamily="34" charset="0"/>
-              <a:cs typeface="Arial" panose="020B0604020202020204" pitchFamily="34" charset="0"/>
-            </a:endParaRPr>
-          </a:p>
-          <a:p>
-            <a:pPr algn="just"/>
-            <a:endParaRPr lang="en-US" sz="1600" b="1" dirty="0" smtClean="0">
-              <a:latin typeface="Arial" panose="020B0604020202020204" pitchFamily="34" charset="0"/>
-              <a:cs typeface="Arial" panose="020B0604020202020204" pitchFamily="34" charset="0"/>
-            </a:endParaRPr>
-          </a:p>
-          <a:p>
-            <a:pPr algn="just"/>
-            <a:r>
-              <a:rPr lang="en-US" sz="1600" dirty="0" smtClean="0">
-                <a:latin typeface="Arial" panose="020B0604020202020204" pitchFamily="34" charset="0"/>
-                <a:cs typeface="Arial" panose="020B0604020202020204" pitchFamily="34" charset="0"/>
-              </a:rPr>
-              <a:t>2: </a:t>
-            </a:r>
-            <a:r>
-              <a:rPr lang="en-US" sz="1600" b="1" dirty="0">
-                <a:latin typeface="Arial" panose="020B0604020202020204" pitchFamily="34" charset="0"/>
-                <a:cs typeface="Arial" panose="020B0604020202020204" pitchFamily="34" charset="0"/>
-              </a:rPr>
-              <a:t>L</a:t>
-            </a:r>
-            <a:r>
-              <a:rPr lang="en-US" sz="1600" b="1" dirty="0" smtClean="0">
-                <a:latin typeface="Arial" panose="020B0604020202020204" pitchFamily="34" charset="0"/>
-                <a:cs typeface="Arial" panose="020B0604020202020204" pitchFamily="34" charset="0"/>
-              </a:rPr>
-              <a:t>earning can be captured in an RL framework</a:t>
-            </a:r>
-            <a:r>
-              <a:rPr lang="en-US" sz="1600" dirty="0" smtClean="0">
-                <a:latin typeface="Arial" panose="020B0604020202020204" pitchFamily="34" charset="0"/>
-                <a:cs typeface="Arial" panose="020B0604020202020204" pitchFamily="34" charset="0"/>
-              </a:rPr>
-              <a:t>, by assuming that proposer learns the intercept of the acceptance function by trial-and-error</a:t>
-            </a:r>
-          </a:p>
-          <a:p>
-            <a:pPr algn="just"/>
-            <a:endParaRPr lang="en-US" sz="1600" dirty="0" smtClean="0">
-              <a:latin typeface="Arial" panose="020B0604020202020204" pitchFamily="34" charset="0"/>
-              <a:cs typeface="Arial" panose="020B0604020202020204" pitchFamily="34" charset="0"/>
-            </a:endParaRPr>
-          </a:p>
-          <a:p>
-            <a:pPr algn="just"/>
-            <a:r>
-              <a:rPr lang="en-US" sz="1600" dirty="0" smtClean="0">
-                <a:latin typeface="Arial" panose="020B0604020202020204" pitchFamily="34" charset="0"/>
-                <a:cs typeface="Arial" panose="020B0604020202020204" pitchFamily="34" charset="0"/>
-              </a:rPr>
-              <a:t>3: </a:t>
-            </a:r>
-            <a:r>
-              <a:rPr lang="en-US" sz="1600" b="1" dirty="0">
-                <a:latin typeface="Arial" panose="020B0604020202020204" pitchFamily="34" charset="0"/>
-                <a:cs typeface="Arial" panose="020B0604020202020204" pitchFamily="34" charset="0"/>
-              </a:rPr>
-              <a:t>L</a:t>
-            </a:r>
-            <a:r>
-              <a:rPr lang="en-US" sz="1600" b="1" dirty="0" smtClean="0">
-                <a:latin typeface="Arial" panose="020B0604020202020204" pitchFamily="34" charset="0"/>
-                <a:cs typeface="Arial" panose="020B0604020202020204" pitchFamily="34" charset="0"/>
-              </a:rPr>
-              <a:t>earning differs between social and non-social conditions</a:t>
-            </a:r>
-            <a:r>
-              <a:rPr lang="en-US" sz="1600" dirty="0" smtClean="0">
-                <a:latin typeface="Arial" panose="020B0604020202020204" pitchFamily="34" charset="0"/>
-                <a:cs typeface="Arial" panose="020B0604020202020204" pitchFamily="34" charset="0"/>
-              </a:rPr>
-              <a:t>:</a:t>
-            </a:r>
-          </a:p>
-          <a:p>
-            <a:pPr marL="285750" indent="-285750" algn="just">
-              <a:buFont typeface="Arial" panose="020B0604020202020204" pitchFamily="34" charset="0"/>
-              <a:buChar char="•"/>
-            </a:pPr>
-            <a:r>
-              <a:rPr lang="en-US" sz="1600" dirty="0" smtClean="0">
-                <a:latin typeface="Arial" panose="020B0604020202020204" pitchFamily="34" charset="0"/>
-                <a:cs typeface="Arial" panose="020B0604020202020204" pitchFamily="34" charset="0"/>
-              </a:rPr>
-              <a:t>Faster and </a:t>
-            </a:r>
-            <a:r>
-              <a:rPr lang="en-US" sz="1600" dirty="0">
-                <a:latin typeface="Arial" panose="020B0604020202020204" pitchFamily="34" charset="0"/>
-                <a:cs typeface="Arial" panose="020B0604020202020204" pitchFamily="34" charset="0"/>
-              </a:rPr>
-              <a:t>m</a:t>
-            </a:r>
-            <a:r>
-              <a:rPr lang="en-US" sz="1600" dirty="0" smtClean="0">
-                <a:latin typeface="Arial" panose="020B0604020202020204" pitchFamily="34" charset="0"/>
-                <a:cs typeface="Arial" panose="020B0604020202020204" pitchFamily="34" charset="0"/>
-              </a:rPr>
-              <a:t>ore asymmetric learning in social (learn more from rejection than acceptance, because of social “acceptability”) than in non-social, leading to sub-optimal behavior</a:t>
-            </a:r>
-          </a:p>
-          <a:p>
-            <a:pPr algn="just"/>
-            <a:endParaRPr lang="en-US" sz="1600" dirty="0" smtClean="0">
-              <a:latin typeface="Arial" panose="020B0604020202020204" pitchFamily="34" charset="0"/>
-              <a:cs typeface="Arial" panose="020B0604020202020204" pitchFamily="34" charset="0"/>
-            </a:endParaRPr>
-          </a:p>
-          <a:p>
-            <a:pPr algn="just"/>
-            <a:r>
-              <a:rPr lang="en-US" sz="1600" dirty="0" smtClean="0">
-                <a:latin typeface="Arial" panose="020B0604020202020204" pitchFamily="34" charset="0"/>
-                <a:cs typeface="Arial" panose="020B0604020202020204" pitchFamily="34" charset="0"/>
-              </a:rPr>
-              <a:t>4: </a:t>
-            </a:r>
-            <a:r>
-              <a:rPr lang="en-US" sz="1600" b="1" dirty="0" smtClean="0">
-                <a:latin typeface="Arial" panose="020B0604020202020204" pitchFamily="34" charset="0"/>
-                <a:cs typeface="Arial" panose="020B0604020202020204" pitchFamily="34" charset="0"/>
-              </a:rPr>
-              <a:t>Learning differs </a:t>
-            </a:r>
-            <a:r>
-              <a:rPr lang="en-US" sz="1600" b="1" dirty="0">
-                <a:latin typeface="Arial" panose="020B0604020202020204" pitchFamily="34" charset="0"/>
-                <a:cs typeface="Arial" panose="020B0604020202020204" pitchFamily="34" charset="0"/>
-              </a:rPr>
-              <a:t>between </a:t>
-            </a:r>
-            <a:r>
-              <a:rPr lang="en-US" sz="1600" b="1" dirty="0" smtClean="0">
-                <a:latin typeface="Arial" panose="020B0604020202020204" pitchFamily="34" charset="0"/>
-                <a:cs typeface="Arial" panose="020B0604020202020204" pitchFamily="34" charset="0"/>
-              </a:rPr>
-              <a:t>social-known </a:t>
-            </a:r>
-            <a:r>
-              <a:rPr lang="en-US" sz="1600" b="1" dirty="0">
-                <a:latin typeface="Arial" panose="020B0604020202020204" pitchFamily="34" charset="0"/>
-                <a:cs typeface="Arial" panose="020B0604020202020204" pitchFamily="34" charset="0"/>
-              </a:rPr>
-              <a:t>and </a:t>
-            </a:r>
-            <a:r>
-              <a:rPr lang="en-US" sz="1600" b="1" dirty="0" smtClean="0">
-                <a:latin typeface="Arial" panose="020B0604020202020204" pitchFamily="34" charset="0"/>
-                <a:cs typeface="Arial" panose="020B0604020202020204" pitchFamily="34" charset="0"/>
-              </a:rPr>
-              <a:t>social-unknown conditions</a:t>
-            </a:r>
-            <a:r>
-              <a:rPr lang="en-US" sz="1600" dirty="0" smtClean="0">
-                <a:latin typeface="Arial" panose="020B0604020202020204" pitchFamily="34" charset="0"/>
-                <a:cs typeface="Arial" panose="020B0604020202020204" pitchFamily="34" charset="0"/>
-              </a:rPr>
-              <a:t>:</a:t>
-            </a:r>
-          </a:p>
-          <a:p>
-            <a:pPr marL="285750" indent="-285750" algn="just">
-              <a:buFont typeface="Arial" charset="0"/>
-              <a:buChar char="•"/>
-            </a:pPr>
-            <a:r>
-              <a:rPr lang="en-US" sz="1600" dirty="0" smtClean="0">
-                <a:latin typeface="Arial" panose="020B0604020202020204" pitchFamily="34" charset="0"/>
-                <a:cs typeface="Arial" panose="020B0604020202020204" pitchFamily="34" charset="0"/>
-              </a:rPr>
-              <a:t>Faster learning </a:t>
-            </a:r>
-            <a:r>
-              <a:rPr lang="en-US" sz="1600" dirty="0">
-                <a:latin typeface="Arial" panose="020B0604020202020204" pitchFamily="34" charset="0"/>
-                <a:cs typeface="Arial" panose="020B0604020202020204" pitchFamily="34" charset="0"/>
-              </a:rPr>
-              <a:t>in </a:t>
-            </a:r>
-            <a:r>
-              <a:rPr lang="en-US" sz="1600" dirty="0" smtClean="0">
-                <a:latin typeface="Arial" panose="020B0604020202020204" pitchFamily="34" charset="0"/>
-                <a:cs typeface="Arial" panose="020B0604020202020204" pitchFamily="34" charset="0"/>
-              </a:rPr>
-              <a:t>social-known than in social-unknown due to </a:t>
-            </a:r>
-            <a:r>
-              <a:rPr lang="en-US" sz="1600" dirty="0">
-                <a:latin typeface="Arial" panose="020B0604020202020204" pitchFamily="34" charset="0"/>
-                <a:cs typeface="Arial" panose="020B0604020202020204" pitchFamily="34" charset="0"/>
-              </a:rPr>
-              <a:t>subjects </a:t>
-            </a:r>
-            <a:r>
-              <a:rPr lang="en-US" sz="1600" dirty="0" smtClean="0">
-                <a:latin typeface="Arial" panose="020B0604020202020204" pitchFamily="34" charset="0"/>
-                <a:cs typeface="Arial" panose="020B0604020202020204" pitchFamily="34" charset="0"/>
-              </a:rPr>
-              <a:t>(</a:t>
-            </a:r>
-            <a:r>
-              <a:rPr lang="en-US" sz="1600" dirty="0" err="1" smtClean="0">
-                <a:latin typeface="Arial" panose="020B0604020202020204" pitchFamily="34" charset="0"/>
-                <a:cs typeface="Arial" panose="020B0604020202020204" pitchFamily="34" charset="0"/>
-              </a:rPr>
-              <a:t>i</a:t>
-            </a:r>
-            <a:r>
-              <a:rPr lang="en-US" sz="1600" dirty="0" smtClean="0">
-                <a:latin typeface="Arial" panose="020B0604020202020204" pitchFamily="34" charset="0"/>
-                <a:cs typeface="Arial" panose="020B0604020202020204" pitchFamily="34" charset="0"/>
-              </a:rPr>
-              <a:t>) using the opacity of what constitutes fair as an excuse to eschew fairness and maximize profit, or (ii) exploring the acceptance space in order to learn what constitutes fair.</a:t>
-            </a:r>
-          </a:p>
-          <a:p>
-            <a:pPr algn="just"/>
-            <a:endParaRPr lang="en-US" sz="1600" dirty="0">
-              <a:latin typeface="Arial" panose="020B0604020202020204" pitchFamily="34" charset="0"/>
-              <a:cs typeface="Arial" panose="020B0604020202020204" pitchFamily="34" charset="0"/>
-            </a:endParaRPr>
-          </a:p>
-          <a:p>
-            <a:pPr algn="just"/>
-            <a:r>
-              <a:rPr lang="en-US" sz="1600" dirty="0" smtClean="0">
-                <a:latin typeface="Arial" panose="020B0604020202020204" pitchFamily="34" charset="0"/>
-                <a:cs typeface="Arial" panose="020B0604020202020204" pitchFamily="34" charset="0"/>
-              </a:rPr>
-              <a:t>5: </a:t>
-            </a:r>
-            <a:r>
-              <a:rPr lang="en-US" sz="1600" b="1" dirty="0">
-                <a:latin typeface="Arial" panose="020B0604020202020204" pitchFamily="34" charset="0"/>
-                <a:cs typeface="Arial" panose="020B0604020202020204" pitchFamily="34" charset="0"/>
-              </a:rPr>
-              <a:t>L</a:t>
-            </a:r>
-            <a:r>
-              <a:rPr lang="en-US" sz="1600" b="1" dirty="0" smtClean="0">
-                <a:latin typeface="Arial" panose="020B0604020202020204" pitchFamily="34" charset="0"/>
-                <a:cs typeface="Arial" panose="020B0604020202020204" pitchFamily="34" charset="0"/>
-              </a:rPr>
-              <a:t>earning </a:t>
-            </a:r>
-            <a:r>
-              <a:rPr lang="en-US" sz="1600" b="1" i="1" dirty="0" smtClean="0">
-                <a:latin typeface="Arial" panose="020B0604020202020204" pitchFamily="34" charset="0"/>
-                <a:cs typeface="Arial" panose="020B0604020202020204" pitchFamily="34" charset="0"/>
-              </a:rPr>
-              <a:t>does not</a:t>
-            </a:r>
-            <a:r>
-              <a:rPr lang="en-US" sz="1600" b="1" dirty="0" smtClean="0">
-                <a:latin typeface="Arial" panose="020B0604020202020204" pitchFamily="34" charset="0"/>
-                <a:cs typeface="Arial" panose="020B0604020202020204" pitchFamily="34" charset="0"/>
-              </a:rPr>
-              <a:t> differ between social-known and non-social conditions:</a:t>
-            </a:r>
-          </a:p>
-          <a:p>
-            <a:pPr marL="285750" indent="-285750" algn="just">
-              <a:buFont typeface="Arial" charset="0"/>
-              <a:buChar char="•"/>
-            </a:pPr>
-            <a:r>
-              <a:rPr lang="en-US" sz="1600" dirty="0" smtClean="0">
-                <a:latin typeface="Arial" panose="020B0604020202020204" pitchFamily="34" charset="0"/>
-                <a:cs typeface="Arial" panose="020B0604020202020204" pitchFamily="34" charset="0"/>
-              </a:rPr>
-              <a:t>Subjects explore the acceptance range of responders in both conditions</a:t>
-            </a:r>
-            <a:endParaRPr lang="en-US" sz="1600" dirty="0">
-              <a:latin typeface="Arial" panose="020B0604020202020204" pitchFamily="34" charset="0"/>
-              <a:cs typeface="Arial" panose="020B0604020202020204" pitchFamily="34" charset="0"/>
-            </a:endParaRPr>
-          </a:p>
-          <a:p>
-            <a:pPr marL="285750" indent="-285750" algn="just">
-              <a:buFont typeface="Arial" panose="020B0604020202020204" pitchFamily="34" charset="0"/>
-              <a:buChar char="•"/>
-            </a:pPr>
-            <a:endParaRPr lang="en-US" sz="1600" dirty="0" smtClean="0">
-              <a:latin typeface="Arial" panose="020B0604020202020204" pitchFamily="34" charset="0"/>
-              <a:cs typeface="Arial" panose="020B0604020202020204" pitchFamily="34" charset="0"/>
-            </a:endParaRPr>
-          </a:p>
-          <a:p>
-            <a:pPr algn="just"/>
-            <a:r>
-              <a:rPr lang="en-US" sz="1600" dirty="0" smtClean="0">
-                <a:latin typeface="Arial" panose="020B0604020202020204" pitchFamily="34" charset="0"/>
-                <a:cs typeface="Arial" panose="020B0604020202020204" pitchFamily="34" charset="0"/>
-              </a:rPr>
-              <a:t>6: </a:t>
-            </a:r>
-            <a:r>
-              <a:rPr lang="en-US" sz="1600" b="1" dirty="0">
-                <a:latin typeface="Arial" panose="020B0604020202020204" pitchFamily="34" charset="0"/>
-                <a:cs typeface="Arial" panose="020B0604020202020204" pitchFamily="34" charset="0"/>
-              </a:rPr>
-              <a:t>P</a:t>
-            </a:r>
-            <a:r>
-              <a:rPr lang="en-US" sz="1600" b="1" dirty="0" smtClean="0">
-                <a:latin typeface="Arial" panose="020B0604020202020204" pitchFamily="34" charset="0"/>
-                <a:cs typeface="Arial" panose="020B0604020202020204" pitchFamily="34" charset="0"/>
-              </a:rPr>
-              <a:t>riors differ between social and non-social</a:t>
-            </a:r>
-          </a:p>
-          <a:p>
-            <a:pPr marL="285750" indent="-285750" algn="just">
-              <a:buFont typeface="Arial" panose="020B0604020202020204" pitchFamily="34" charset="0"/>
-              <a:buChar char="•"/>
-            </a:pPr>
-            <a:r>
-              <a:rPr lang="en-US" sz="1600" dirty="0" smtClean="0">
-                <a:latin typeface="Arial" panose="020B0604020202020204" pitchFamily="34" charset="0"/>
-                <a:cs typeface="Arial" panose="020B0604020202020204" pitchFamily="34" charset="0"/>
-              </a:rPr>
-              <a:t>Uniform in the non-social condition, while driven by a norm expectation (50/50) in the social condition.</a:t>
-            </a:r>
-          </a:p>
-          <a:p>
-            <a:pPr algn="just"/>
-            <a:endParaRPr lang="en-US" sz="1600" dirty="0" smtClean="0">
-              <a:latin typeface="Arial" panose="020B0604020202020204" pitchFamily="34" charset="0"/>
-              <a:cs typeface="Arial" panose="020B0604020202020204" pitchFamily="34" charset="0"/>
-            </a:endParaRPr>
-          </a:p>
-          <a:p>
-            <a:pPr algn="just"/>
-            <a:r>
-              <a:rPr lang="en-US" sz="1600" dirty="0" smtClean="0">
-                <a:latin typeface="Arial" panose="020B0604020202020204" pitchFamily="34" charset="0"/>
-                <a:cs typeface="Arial" panose="020B0604020202020204" pitchFamily="34" charset="0"/>
-              </a:rPr>
-              <a:t>7: </a:t>
-            </a:r>
-            <a:r>
-              <a:rPr lang="en-US" sz="1600" b="1" dirty="0">
-                <a:latin typeface="Arial" panose="020B0604020202020204" pitchFamily="34" charset="0"/>
-                <a:cs typeface="Arial" panose="020B0604020202020204" pitchFamily="34" charset="0"/>
-              </a:rPr>
-              <a:t>D</a:t>
-            </a:r>
-            <a:r>
-              <a:rPr lang="en-US" sz="1600" b="1" dirty="0" smtClean="0">
-                <a:latin typeface="Arial" panose="020B0604020202020204" pitchFamily="34" charset="0"/>
-                <a:cs typeface="Arial" panose="020B0604020202020204" pitchFamily="34" charset="0"/>
-              </a:rPr>
-              <a:t>ecision functions differ between social and non-social </a:t>
-            </a:r>
-          </a:p>
-          <a:p>
-            <a:pPr marL="285750" indent="-285750" algn="just">
-              <a:buFont typeface="Arial" panose="020B0604020202020204" pitchFamily="34" charset="0"/>
-              <a:buChar char="•"/>
-            </a:pPr>
-            <a:r>
-              <a:rPr lang="en-US" sz="1600" dirty="0" smtClean="0">
-                <a:latin typeface="Arial" panose="020B0604020202020204" pitchFamily="34" charset="0"/>
-                <a:cs typeface="Arial" panose="020B0604020202020204" pitchFamily="34" charset="0"/>
-              </a:rPr>
-              <a:t>More maximizer in non-social, and more exploratory (i.e. “soft”) in social.</a:t>
-            </a:r>
-          </a:p>
-          <a:p>
-            <a:pPr marL="285750" indent="-285750" algn="just">
-              <a:buFont typeface="Arial" panose="020B0604020202020204" pitchFamily="34" charset="0"/>
-              <a:buChar char="•"/>
-            </a:pPr>
-            <a:endParaRPr lang="en-US" sz="1600" dirty="0" smtClean="0">
-              <a:latin typeface="Arial" panose="020B0604020202020204" pitchFamily="34" charset="0"/>
-              <a:cs typeface="Arial" panose="020B0604020202020204" pitchFamily="34" charset="0"/>
-            </a:endParaRPr>
-          </a:p>
-          <a:p>
-            <a:pPr algn="just"/>
-            <a:r>
-              <a:rPr lang="en-US" sz="1600" dirty="0" smtClean="0">
-                <a:latin typeface="Arial" panose="020B0604020202020204" pitchFamily="34" charset="0"/>
-                <a:cs typeface="Arial" panose="020B0604020202020204" pitchFamily="34" charset="0"/>
-              </a:rPr>
-              <a:t> </a:t>
-            </a:r>
-            <a:endParaRPr lang="en-US" sz="1600" dirty="0">
-              <a:latin typeface="Arial" panose="020B0604020202020204" pitchFamily="34" charset="0"/>
-              <a:cs typeface="Arial" panose="020B0604020202020204" pitchFamily="34" charset="0"/>
+                <a:latin typeface="Arial" charset="0"/>
+                <a:ea typeface="Arial" charset="0"/>
+                <a:cs typeface="Arial" charset="0"/>
+              </a:rPr>
+              <a:t>Design specifications</a:t>
+            </a:r>
+            <a:endParaRPr lang="en-US" b="1" dirty="0">
+              <a:latin typeface="Arial" charset="0"/>
+              <a:ea typeface="Arial" charset="0"/>
+              <a:cs typeface="Arial" charset="0"/>
             </a:endParaRPr>
           </a:p>
         </p:txBody>
@@ -12914,7 +12741,7 @@
     </p:spTree>
     <p:extLst>
       <p:ext uri="{BB962C8B-B14F-4D97-AF65-F5344CB8AC3E}">
-        <p14:creationId xmlns:p14="http://schemas.microsoft.com/office/powerpoint/2010/main" val="3616082674"/>
+        <p14:creationId xmlns:p14="http://schemas.microsoft.com/office/powerpoint/2010/main" val="1172866821"/>
       </p:ext>
     </p:extLst>
   </p:cSld>
@@ -12950,14 +12777,14 @@
       </p:grpSpPr>
       <p:sp>
         <p:nvSpPr>
-          <p:cNvPr id="4" name="TextBox 3"/>
+          <p:cNvPr id="13" name="TextBox 12"/>
           <p:cNvSpPr txBox="1"/>
           <p:nvPr/>
         </p:nvSpPr>
         <p:spPr>
           <a:xfrm>
-            <a:off x="145774" y="168519"/>
-            <a:ext cx="11729069" cy="5539978"/>
+            <a:off x="182436" y="138376"/>
+            <a:ext cx="6614874" cy="2339102"/>
           </a:xfrm>
           <a:prstGeom prst="rect">
             <a:avLst/>
@@ -12976,12 +12803,9 @@
                 <a:latin typeface="Arial" panose="020B0604020202020204" pitchFamily="34" charset="0"/>
                 <a:cs typeface="Arial" panose="020B0604020202020204" pitchFamily="34" charset="0"/>
               </a:rPr>
-              <a:t>Experimental procedure</a:t>
-            </a:r>
-          </a:p>
-          <a:p>
-            <a:pPr algn="just"/>
-            <a:endParaRPr lang="en-US" sz="1600" b="1" dirty="0">
+              <a:t>Fitting priors</a:t>
+            </a:r>
+            <a:endParaRPr lang="en-US" b="1" dirty="0" smtClean="0">
               <a:latin typeface="Arial" panose="020B0604020202020204" pitchFamily="34" charset="0"/>
               <a:cs typeface="Arial" panose="020B0604020202020204" pitchFamily="34" charset="0"/>
             </a:endParaRPr>
@@ -12989,12 +12813,47 @@
           <a:p>
             <a:pPr algn="just"/>
             <a:r>
+              <a:rPr lang="en-US" sz="1600" dirty="0">
+                <a:latin typeface="Arial" panose="020B0604020202020204" pitchFamily="34" charset="0"/>
+                <a:cs typeface="Arial" panose="020B0604020202020204" pitchFamily="34" charset="0"/>
+              </a:rPr>
+              <a:t>These tasks involve </a:t>
+            </a:r>
+            <a:r>
               <a:rPr lang="en-US" sz="1600" dirty="0" smtClean="0">
                 <a:latin typeface="Arial" panose="020B0604020202020204" pitchFamily="34" charset="0"/>
                 <a:cs typeface="Arial" panose="020B0604020202020204" pitchFamily="34" charset="0"/>
               </a:rPr>
-              <a:t>The entire experiment will take roughly 1 hour. </a:t>
-            </a:r>
+              <a:t>no feedback</a:t>
+            </a:r>
+            <a:r>
+              <a:rPr lang="en-US" sz="1600" dirty="0">
+                <a:latin typeface="Arial" panose="020B0604020202020204" pitchFamily="34" charset="0"/>
+                <a:cs typeface="Arial" panose="020B0604020202020204" pitchFamily="34" charset="0"/>
+              </a:rPr>
+              <a:t>. We focus on </a:t>
+            </a:r>
+            <a:r>
+              <a:rPr lang="en-US" sz="1600" dirty="0">
+                <a:solidFill>
+                  <a:srgbClr val="0000FF"/>
+                </a:solidFill>
+                <a:latin typeface="Arial" panose="020B0604020202020204" pitchFamily="34" charset="0"/>
+                <a:cs typeface="Arial" panose="020B0604020202020204" pitchFamily="34" charset="0"/>
+              </a:rPr>
+              <a:t>Proposer </a:t>
+            </a:r>
+            <a:r>
+              <a:rPr lang="en-US" sz="1600" dirty="0" smtClean="0">
+                <a:latin typeface="Arial" panose="020B0604020202020204" pitchFamily="34" charset="0"/>
+                <a:cs typeface="Arial" panose="020B0604020202020204" pitchFamily="34" charset="0"/>
+              </a:rPr>
+              <a:t>a priori beliefs about responders</a:t>
+            </a:r>
+            <a:endParaRPr lang="en-US" sz="1600" dirty="0">
+              <a:latin typeface="Arial" panose="020B0604020202020204" pitchFamily="34" charset="0"/>
+              <a:cs typeface="Arial" panose="020B0604020202020204" pitchFamily="34" charset="0"/>
+            </a:endParaRPr>
           </a:p>
           <a:p>
             <a:pPr algn="just"/>
@@ -13006,107 +12865,12 @@
           <a:p>
             <a:pPr algn="just"/>
             <a:r>
-              <a:rPr lang="en-US" sz="1600" b="1" dirty="0" smtClean="0">
-                <a:latin typeface="Arial" panose="020B0604020202020204" pitchFamily="34" charset="0"/>
-                <a:cs typeface="Arial" panose="020B0604020202020204" pitchFamily="34" charset="0"/>
-              </a:rPr>
-              <a:t>Prior estimation</a:t>
-            </a:r>
-            <a:r>
               <a:rPr lang="en-US" sz="1600" dirty="0" smtClean="0">
                 <a:latin typeface="Arial" panose="020B0604020202020204" pitchFamily="34" charset="0"/>
                 <a:cs typeface="Arial" panose="020B0604020202020204" pitchFamily="34" charset="0"/>
               </a:rPr>
-              <a:t>: 	~7 minutes</a:t>
-            </a:r>
-          </a:p>
-          <a:p>
-            <a:pPr algn="just"/>
-            <a:r>
-              <a:rPr lang="en-US" sz="1600" b="1" dirty="0" smtClean="0">
-                <a:latin typeface="Arial" panose="020B0604020202020204" pitchFamily="34" charset="0"/>
-                <a:cs typeface="Arial" panose="020B0604020202020204" pitchFamily="34" charset="0"/>
-              </a:rPr>
-              <a:t>Dictator game</a:t>
-            </a:r>
-            <a:r>
-              <a:rPr lang="en-US" sz="1600" dirty="0" smtClean="0">
-                <a:latin typeface="Arial" panose="020B0604020202020204" pitchFamily="34" charset="0"/>
-                <a:cs typeface="Arial" panose="020B0604020202020204" pitchFamily="34" charset="0"/>
-              </a:rPr>
-              <a:t>:	~7 minutes</a:t>
-            </a:r>
-          </a:p>
-          <a:p>
-            <a:pPr algn="just"/>
-            <a:r>
-              <a:rPr lang="en-US" sz="1600" b="1" dirty="0" smtClean="0">
-                <a:latin typeface="Arial" panose="020B0604020202020204" pitchFamily="34" charset="0"/>
-                <a:cs typeface="Arial" panose="020B0604020202020204" pitchFamily="34" charset="0"/>
-              </a:rPr>
-              <a:t>Risk task</a:t>
-            </a:r>
-            <a:r>
-              <a:rPr lang="en-US" sz="1600" dirty="0" smtClean="0">
-                <a:latin typeface="Arial" panose="020B0604020202020204" pitchFamily="34" charset="0"/>
-                <a:cs typeface="Arial" panose="020B0604020202020204" pitchFamily="34" charset="0"/>
-              </a:rPr>
-              <a:t>: 	~3 minutes</a:t>
-            </a:r>
-          </a:p>
-          <a:p>
-            <a:pPr algn="just"/>
-            <a:r>
-              <a:rPr lang="en-US" sz="1600" b="1" dirty="0" smtClean="0">
-                <a:latin typeface="Arial" panose="020B0604020202020204" pitchFamily="34" charset="0"/>
-                <a:cs typeface="Arial" panose="020B0604020202020204" pitchFamily="34" charset="0"/>
-              </a:rPr>
-              <a:t>UG social</a:t>
-            </a:r>
-            <a:r>
-              <a:rPr lang="en-US" sz="1600" dirty="0" smtClean="0">
-                <a:latin typeface="Arial" panose="020B0604020202020204" pitchFamily="34" charset="0"/>
-                <a:cs typeface="Arial" panose="020B0604020202020204" pitchFamily="34" charset="0"/>
-              </a:rPr>
-              <a:t>: 	~20 minutes</a:t>
-            </a:r>
-          </a:p>
-          <a:p>
-            <a:pPr algn="just"/>
-            <a:r>
-              <a:rPr lang="en-US" sz="1600" b="1" dirty="0" smtClean="0">
-                <a:latin typeface="Arial" panose="020B0604020202020204" pitchFamily="34" charset="0"/>
-                <a:cs typeface="Arial" panose="020B0604020202020204" pitchFamily="34" charset="0"/>
-              </a:rPr>
-              <a:t>UG non-social</a:t>
-            </a:r>
-            <a:r>
-              <a:rPr lang="en-US" sz="1600" dirty="0" smtClean="0">
-                <a:latin typeface="Arial" panose="020B0604020202020204" pitchFamily="34" charset="0"/>
-                <a:cs typeface="Arial" panose="020B0604020202020204" pitchFamily="34" charset="0"/>
-              </a:rPr>
-              <a:t>:	~20 minutes</a:t>
-            </a:r>
-          </a:p>
-          <a:p>
-            <a:pPr algn="just"/>
-            <a:r>
-              <a:rPr lang="en-US" sz="1600" b="1" dirty="0" smtClean="0">
-                <a:latin typeface="Arial" panose="020B0604020202020204" pitchFamily="34" charset="0"/>
-                <a:cs typeface="Arial" panose="020B0604020202020204" pitchFamily="34" charset="0"/>
-              </a:rPr>
-              <a:t>Total</a:t>
-            </a:r>
-            <a:r>
-              <a:rPr lang="en-US" sz="1600" dirty="0" smtClean="0">
-                <a:latin typeface="Arial" panose="020B0604020202020204" pitchFamily="34" charset="0"/>
-                <a:cs typeface="Arial" panose="020B0604020202020204" pitchFamily="34" charset="0"/>
-              </a:rPr>
-              <a:t>: 		~57 minutes</a:t>
-            </a:r>
-          </a:p>
-          <a:p>
-            <a:pPr algn="just"/>
+              <a:t>Ask proposers whether or not every possible division of their endowment will be accepted by the responder</a:t>
+            </a:r>
             <a:endParaRPr lang="en-US" sz="1600" dirty="0">
               <a:latin typeface="Arial" panose="020B0604020202020204" pitchFamily="34" charset="0"/>
               <a:cs typeface="Arial" panose="020B0604020202020204" pitchFamily="34" charset="0"/>
@@ -13114,99 +12878,566 @@
           </a:p>
           <a:p>
             <a:pPr algn="just"/>
+            <a:endParaRPr lang="en-US" sz="1600" b="1" u="sng" dirty="0" smtClean="0">
+              <a:latin typeface="Arial" panose="020B0604020202020204" pitchFamily="34" charset="0"/>
+              <a:cs typeface="Arial" panose="020B0604020202020204" pitchFamily="34" charset="0"/>
+            </a:endParaRPr>
+          </a:p>
+          <a:p>
+            <a:pPr marL="285750" indent="-285750" algn="just">
+              <a:buFont typeface="Arial" panose="020B0604020202020204" pitchFamily="34" charset="0"/>
+              <a:buChar char="•"/>
+            </a:pPr>
+            <a:endParaRPr lang="en-US" sz="1600" dirty="0" smtClean="0">
+              <a:latin typeface="Arial" panose="020B0604020202020204" pitchFamily="34" charset="0"/>
+              <a:cs typeface="Arial" panose="020B0604020202020204" pitchFamily="34" charset="0"/>
+            </a:endParaRPr>
+          </a:p>
+          <a:p>
+            <a:pPr algn="just"/>
             <a:r>
               <a:rPr lang="en-US" sz="1600" dirty="0" smtClean="0">
                 <a:latin typeface="Arial" panose="020B0604020202020204" pitchFamily="34" charset="0"/>
                 <a:cs typeface="Arial" panose="020B0604020202020204" pitchFamily="34" charset="0"/>
               </a:rPr>
-              <a:t>If we estimate that each trial in the UG will take ~6 seconds, with a 4 second inter-stimulus interval, then we have 120 trials for the UG.</a:t>
-            </a:r>
-          </a:p>
-          <a:p>
-            <a:pPr algn="just"/>
+              <a:t> </a:t>
+            </a:r>
             <a:endParaRPr lang="en-US" sz="1600" dirty="0">
               <a:latin typeface="Arial" panose="020B0604020202020204" pitchFamily="34" charset="0"/>
               <a:cs typeface="Arial" panose="020B0604020202020204" pitchFamily="34" charset="0"/>
             </a:endParaRPr>
           </a:p>
-          <a:p>
-            <a:pPr algn="just"/>
-            <a:r>
-              <a:rPr lang="en-US" sz="1600" dirty="0" smtClean="0">
-                <a:latin typeface="Arial" panose="020B0604020202020204" pitchFamily="34" charset="0"/>
-                <a:cs typeface="Arial" panose="020B0604020202020204" pitchFamily="34" charset="0"/>
-              </a:rPr>
-              <a:t>In order to help decide how many scenarios/environment to include, we simulated 40 subjects playing 120 trials of the UG with 3 (40 trials per environment), 4 (30 trials per </a:t>
-            </a:r>
-            <a:r>
-              <a:rPr lang="en-US" sz="1600" dirty="0">
-                <a:latin typeface="Arial" panose="020B0604020202020204" pitchFamily="34" charset="0"/>
-                <a:cs typeface="Arial" panose="020B0604020202020204" pitchFamily="34" charset="0"/>
-              </a:rPr>
-              <a:t>environment</a:t>
-            </a:r>
-            <a:r>
-              <a:rPr lang="en-US" sz="1600" dirty="0" smtClean="0">
-                <a:latin typeface="Arial" panose="020B0604020202020204" pitchFamily="34" charset="0"/>
-                <a:cs typeface="Arial" panose="020B0604020202020204" pitchFamily="34" charset="0"/>
-              </a:rPr>
-              <a:t>), and 5 (24 trials per </a:t>
-            </a:r>
-            <a:r>
-              <a:rPr lang="en-US" sz="1600" dirty="0">
-                <a:latin typeface="Arial" panose="020B0604020202020204" pitchFamily="34" charset="0"/>
-                <a:cs typeface="Arial" panose="020B0604020202020204" pitchFamily="34" charset="0"/>
-              </a:rPr>
-              <a:t>environment</a:t>
-            </a:r>
-            <a:r>
-              <a:rPr lang="en-US" sz="1600" dirty="0" smtClean="0">
-                <a:latin typeface="Arial" panose="020B0604020202020204" pitchFamily="34" charset="0"/>
-                <a:cs typeface="Arial" panose="020B0604020202020204" pitchFamily="34" charset="0"/>
-              </a:rPr>
-              <a:t>) in order to test for differences in parameter recovery and model identifiability. </a:t>
-            </a:r>
-          </a:p>
-          <a:p>
-            <a:pPr algn="just"/>
-            <a:endParaRPr lang="en-US" sz="1600" dirty="0">
+        </p:txBody>
+      </p:sp>
+      <p:sp>
+        <p:nvSpPr>
+          <p:cNvPr id="4" name="Rectangle 3"/>
+          <p:cNvSpPr/>
+          <p:nvPr/>
+        </p:nvSpPr>
+        <p:spPr>
+          <a:xfrm>
+            <a:off x="419139" y="2261490"/>
+            <a:ext cx="3442036" cy="2055379"/>
+          </a:xfrm>
+          <a:prstGeom prst="rect">
+            <a:avLst/>
+          </a:prstGeom>
+          <a:solidFill>
+            <a:schemeClr val="bg1">
+              <a:lumMod val="95000"/>
+            </a:schemeClr>
+          </a:solidFill>
+          <a:ln>
+            <a:solidFill>
+              <a:schemeClr val="tx1"/>
+            </a:solidFill>
+          </a:ln>
+        </p:spPr>
+        <p:style>
+          <a:lnRef idx="2">
+            <a:schemeClr val="accent1">
+              <a:shade val="50000"/>
+            </a:schemeClr>
+          </a:lnRef>
+          <a:fillRef idx="1">
+            <a:schemeClr val="accent1"/>
+          </a:fillRef>
+          <a:effectRef idx="0">
+            <a:schemeClr val="accent1"/>
+          </a:effectRef>
+          <a:fontRef idx="minor">
+            <a:schemeClr val="lt1"/>
+          </a:fontRef>
+        </p:style>
+        <p:txBody>
+          <a:bodyPr rtlCol="0" anchor="ctr"/>
+          <a:lstStyle/>
+          <a:p>
+            <a:pPr algn="ctr"/>
+            <a:endParaRPr lang="en-US">
               <a:latin typeface="Arial" panose="020B0604020202020204" pitchFamily="34" charset="0"/>
               <a:cs typeface="Arial" panose="020B0604020202020204" pitchFamily="34" charset="0"/>
             </a:endParaRPr>
           </a:p>
-          <a:p>
-            <a:pPr algn="just"/>
-            <a:r>
-              <a:rPr lang="en-US" sz="1600" dirty="0" smtClean="0">
-                <a:latin typeface="Arial" panose="020B0604020202020204" pitchFamily="34" charset="0"/>
-                <a:cs typeface="Arial" panose="020B0604020202020204" pitchFamily="34" charset="0"/>
-              </a:rPr>
-              <a:t>In every case, parameter recovery was highly significant, however 5 environments slightly outperformed simulations with 3 and 4 conditions. </a:t>
-            </a:r>
-          </a:p>
-          <a:p>
-            <a:pPr algn="just"/>
-            <a:endParaRPr lang="en-US" sz="1600" dirty="0">
+        </p:txBody>
+      </p:sp>
+      <p:sp>
+        <p:nvSpPr>
+          <p:cNvPr id="5" name="TextBox 4"/>
+          <p:cNvSpPr txBox="1"/>
+          <p:nvPr/>
+        </p:nvSpPr>
+        <p:spPr>
+          <a:xfrm>
+            <a:off x="402754" y="2279858"/>
+            <a:ext cx="3529977" cy="523220"/>
+          </a:xfrm>
+          <a:prstGeom prst="rect">
+            <a:avLst/>
+          </a:prstGeom>
+          <a:noFill/>
+        </p:spPr>
+        <p:txBody>
+          <a:bodyPr wrap="square" rtlCol="0">
+            <a:spAutoFit/>
+          </a:bodyPr>
+          <a:lstStyle/>
+          <a:p>
+            <a:r>
+              <a:rPr lang="en-US" sz="1400" b="1" dirty="0" smtClean="0">
+                <a:latin typeface="Arial" panose="020B0604020202020204" pitchFamily="34" charset="0"/>
+                <a:cs typeface="Arial" panose="020B0604020202020204" pitchFamily="34" charset="0"/>
+              </a:rPr>
+              <a:t>Will the responder accept the following division of your endowment?</a:t>
+            </a:r>
+            <a:endParaRPr lang="en-US" sz="1400" dirty="0" smtClean="0">
               <a:latin typeface="Arial" panose="020B0604020202020204" pitchFamily="34" charset="0"/>
               <a:cs typeface="Arial" panose="020B0604020202020204" pitchFamily="34" charset="0"/>
             </a:endParaRPr>
           </a:p>
-          <a:p>
-            <a:pPr algn="just"/>
-            <a:r>
-              <a:rPr lang="en-US" sz="1600" dirty="0" smtClean="0">
-                <a:latin typeface="Arial" panose="020B0604020202020204" pitchFamily="34" charset="0"/>
-                <a:cs typeface="Arial" panose="020B0604020202020204" pitchFamily="34" charset="0"/>
-              </a:rPr>
-              <a:t>There was no difference in model identifiability.</a:t>
-            </a:r>
+        </p:txBody>
+      </p:sp>
+      <p:sp>
+        <p:nvSpPr>
+          <p:cNvPr id="6" name="TextBox 5"/>
+          <p:cNvSpPr txBox="1"/>
+          <p:nvPr/>
+        </p:nvSpPr>
+        <p:spPr>
+          <a:xfrm>
+            <a:off x="702789" y="2892723"/>
+            <a:ext cx="3035733" cy="738664"/>
+          </a:xfrm>
+          <a:prstGeom prst="rect">
+            <a:avLst/>
+          </a:prstGeom>
+          <a:noFill/>
+        </p:spPr>
+        <p:txBody>
+          <a:bodyPr wrap="square" rtlCol="0">
+            <a:spAutoFit/>
+          </a:bodyPr>
+          <a:lstStyle/>
+          <a:p>
+            <a:r>
+              <a:rPr lang="en-US" sz="1400" b="1" dirty="0">
+                <a:solidFill>
+                  <a:srgbClr val="3203FF"/>
+                </a:solidFill>
+                <a:latin typeface="Arial" panose="020B0604020202020204" pitchFamily="34" charset="0"/>
+                <a:cs typeface="Arial" panose="020B0604020202020204" pitchFamily="34" charset="0"/>
+              </a:rPr>
+              <a:t>Y</a:t>
+            </a:r>
+            <a:r>
+              <a:rPr lang="en-US" sz="1400" b="1" dirty="0" smtClean="0">
+                <a:solidFill>
+                  <a:srgbClr val="3203FF"/>
+                </a:solidFill>
+                <a:latin typeface="Arial" panose="020B0604020202020204" pitchFamily="34" charset="0"/>
+                <a:cs typeface="Arial" panose="020B0604020202020204" pitchFamily="34" charset="0"/>
+              </a:rPr>
+              <a:t>ou</a:t>
+            </a:r>
+            <a:r>
+              <a:rPr lang="en-US" sz="1400" b="1" dirty="0" smtClean="0">
+                <a:latin typeface="Arial" panose="020B0604020202020204" pitchFamily="34" charset="0"/>
+                <a:cs typeface="Arial" panose="020B0604020202020204" pitchFamily="34" charset="0"/>
+              </a:rPr>
+              <a:t>: 	     20</a:t>
+            </a:r>
+          </a:p>
+          <a:p>
+            <a:r>
+              <a:rPr lang="en-US" sz="1400" b="1" dirty="0" smtClean="0">
+                <a:solidFill>
+                  <a:srgbClr val="FF0000"/>
+                </a:solidFill>
+                <a:latin typeface="Arial" panose="020B0604020202020204" pitchFamily="34" charset="0"/>
+                <a:cs typeface="Arial" panose="020B0604020202020204" pitchFamily="34" charset="0"/>
+              </a:rPr>
+              <a:t>Responder</a:t>
+            </a:r>
+            <a:r>
+              <a:rPr lang="en-US" sz="1400" b="1" dirty="0" smtClean="0">
+                <a:latin typeface="Arial" panose="020B0604020202020204" pitchFamily="34" charset="0"/>
+                <a:cs typeface="Arial" panose="020B0604020202020204" pitchFamily="34" charset="0"/>
+              </a:rPr>
+              <a:t>:     0 </a:t>
+            </a:r>
+          </a:p>
+          <a:p>
+            <a:endParaRPr lang="en-US" sz="1400" dirty="0" smtClean="0">
+              <a:latin typeface="Arial" panose="020B0604020202020204" pitchFamily="34" charset="0"/>
+              <a:cs typeface="Arial" panose="020B0604020202020204" pitchFamily="34" charset="0"/>
+            </a:endParaRPr>
+          </a:p>
+        </p:txBody>
+      </p:sp>
+      <p:sp>
+        <p:nvSpPr>
+          <p:cNvPr id="7" name="TextBox 6"/>
+          <p:cNvSpPr txBox="1"/>
+          <p:nvPr/>
+        </p:nvSpPr>
+        <p:spPr>
+          <a:xfrm>
+            <a:off x="320001" y="4742962"/>
+            <a:ext cx="11871999" cy="2031325"/>
+          </a:xfrm>
+          <a:prstGeom prst="rect">
+            <a:avLst/>
+          </a:prstGeom>
+          <a:noFill/>
+        </p:spPr>
+        <p:txBody>
+          <a:bodyPr wrap="square" rtlCol="0">
+            <a:spAutoFit/>
+          </a:bodyPr>
+          <a:lstStyle/>
+          <a:p>
+            <a:r>
+              <a:rPr lang="en-US" dirty="0" smtClean="0"/>
+              <a:t>These plots depict 40 simulated subjects making 210 decisions (every possible proposal, each repeated 10 times) as to whether the responder would accept or reject the proposed division. The top row depicts parameters estimated from </a:t>
+            </a:r>
+            <a:r>
+              <a:rPr lang="en-US" dirty="0" smtClean="0">
+                <a:latin typeface="Arial" panose="020B0604020202020204" pitchFamily="34" charset="0"/>
+                <a:cs typeface="Arial" panose="020B0604020202020204" pitchFamily="34" charset="0"/>
+              </a:rPr>
+              <a:t>uniform bounds </a:t>
+            </a:r>
+            <a:r>
+              <a:rPr lang="en-US" dirty="0">
+                <a:latin typeface="Arial" panose="020B0604020202020204" pitchFamily="34" charset="0"/>
+                <a:cs typeface="Arial" panose="020B0604020202020204" pitchFamily="34" charset="0"/>
+              </a:rPr>
+              <a:t>and the bottom </a:t>
+            </a:r>
+            <a:r>
+              <a:rPr lang="en-US" dirty="0" smtClean="0">
+                <a:latin typeface="Arial" panose="020B0604020202020204" pitchFamily="34" charset="0"/>
+                <a:cs typeface="Arial" panose="020B0604020202020204" pitchFamily="34" charset="0"/>
+              </a:rPr>
+              <a:t>rows depicts parameters estimated </a:t>
+            </a:r>
+            <a:r>
+              <a:rPr lang="en-US" dirty="0">
+                <a:latin typeface="Arial" panose="020B0604020202020204" pitchFamily="34" charset="0"/>
+                <a:cs typeface="Arial" panose="020B0604020202020204" pitchFamily="34" charset="0"/>
+              </a:rPr>
+              <a:t>using Laplace </a:t>
+            </a:r>
+            <a:r>
+              <a:rPr lang="en-US" dirty="0" smtClean="0">
+                <a:latin typeface="Arial" panose="020B0604020202020204" pitchFamily="34" charset="0"/>
+                <a:cs typeface="Arial" panose="020B0604020202020204" pitchFamily="34" charset="0"/>
+              </a:rPr>
+              <a:t>approximation.</a:t>
+            </a:r>
+          </a:p>
+          <a:p>
+            <a:endParaRPr lang="en-US" dirty="0">
+              <a:latin typeface="Arial" panose="020B0604020202020204" pitchFamily="34" charset="0"/>
+              <a:cs typeface="Arial" panose="020B0604020202020204" pitchFamily="34" charset="0"/>
+            </a:endParaRPr>
+          </a:p>
+          <a:p>
+            <a:r>
+              <a:rPr lang="en-US" dirty="0" smtClean="0">
+                <a:latin typeface="Arial" panose="020B0604020202020204" pitchFamily="34" charset="0"/>
+                <a:cs typeface="Arial" panose="020B0604020202020204" pitchFamily="34" charset="0"/>
+              </a:rPr>
+              <a:t>If we estimate each trial taking 2 seconds, with no ISI, then prior estimation should take 7 minutes. </a:t>
+            </a:r>
+          </a:p>
+          <a:p>
+            <a:endParaRPr lang="en-US" dirty="0">
+              <a:latin typeface="Arial" panose="020B0604020202020204" pitchFamily="34" charset="0"/>
+              <a:cs typeface="Arial" panose="020B0604020202020204" pitchFamily="34" charset="0"/>
+            </a:endParaRPr>
+          </a:p>
+          <a:p>
+            <a:r>
+              <a:rPr lang="en-US" dirty="0" smtClean="0">
+                <a:latin typeface="Arial" panose="020B0604020202020204" pitchFamily="34" charset="0"/>
+                <a:cs typeface="Arial" panose="020B0604020202020204" pitchFamily="34" charset="0"/>
+              </a:rPr>
+              <a:t>These same specifications apply to the dictator game!</a:t>
+            </a:r>
+            <a:endParaRPr lang="en-US" dirty="0"/>
+          </a:p>
+        </p:txBody>
+      </p:sp>
+      <p:sp>
+        <p:nvSpPr>
+          <p:cNvPr id="8" name="TextBox 7"/>
+          <p:cNvSpPr txBox="1"/>
+          <p:nvPr/>
+        </p:nvSpPr>
+        <p:spPr>
+          <a:xfrm>
+            <a:off x="1464331" y="3721032"/>
+            <a:ext cx="1351652" cy="369332"/>
+          </a:xfrm>
+          <a:prstGeom prst="rect">
+            <a:avLst/>
+          </a:prstGeom>
+          <a:noFill/>
+        </p:spPr>
+        <p:txBody>
+          <a:bodyPr wrap="none" rtlCol="0">
+            <a:spAutoFit/>
+          </a:bodyPr>
+          <a:lstStyle/>
+          <a:p>
+            <a:r>
+              <a:rPr lang="en-US" dirty="0"/>
+              <a:t>y</a:t>
+            </a:r>
+            <a:r>
+              <a:rPr lang="en-US" dirty="0" smtClean="0"/>
+              <a:t>es	no</a:t>
+            </a:r>
+            <a:endParaRPr lang="en-US" dirty="0"/>
+          </a:p>
+        </p:txBody>
+      </p:sp>
+      <p:pic>
+        <p:nvPicPr>
+          <p:cNvPr id="9" name="Picture 8"/>
+          <p:cNvPicPr>
+            <a:picLocks noChangeAspect="1"/>
+          </p:cNvPicPr>
+          <p:nvPr/>
+        </p:nvPicPr>
+        <p:blipFill>
+          <a:blip r:embed="rId2">
+            <a:extLst>
+              <a:ext uri="{28A0092B-C50C-407E-A947-70E740481C1C}">
+                <a14:useLocalDpi xmlns:a14="http://schemas.microsoft.com/office/drawing/2010/main" val="0"/>
+              </a:ext>
+            </a:extLst>
+          </a:blip>
+          <a:stretch>
+            <a:fillRect/>
+          </a:stretch>
+        </p:blipFill>
+        <p:spPr>
+          <a:xfrm>
+            <a:off x="6797310" y="578422"/>
+            <a:ext cx="5394690" cy="4046018"/>
+          </a:xfrm>
+          <a:prstGeom prst="rect">
+            <a:avLst/>
+          </a:prstGeom>
+        </p:spPr>
+      </p:pic>
+      <p:sp>
+        <p:nvSpPr>
+          <p:cNvPr id="12" name="Rectangle 11"/>
+          <p:cNvSpPr/>
+          <p:nvPr/>
+        </p:nvSpPr>
+        <p:spPr>
+          <a:xfrm>
+            <a:off x="3104357" y="2647048"/>
+            <a:ext cx="3442036" cy="2055379"/>
+          </a:xfrm>
+          <a:prstGeom prst="rect">
+            <a:avLst/>
+          </a:prstGeom>
+          <a:solidFill>
+            <a:schemeClr val="bg1">
+              <a:lumMod val="95000"/>
+            </a:schemeClr>
+          </a:solidFill>
+          <a:ln>
+            <a:solidFill>
+              <a:schemeClr val="tx1"/>
+            </a:solidFill>
+          </a:ln>
+        </p:spPr>
+        <p:style>
+          <a:lnRef idx="2">
+            <a:schemeClr val="accent1">
+              <a:shade val="50000"/>
+            </a:schemeClr>
+          </a:lnRef>
+          <a:fillRef idx="1">
+            <a:schemeClr val="accent1"/>
+          </a:fillRef>
+          <a:effectRef idx="0">
+            <a:schemeClr val="accent1"/>
+          </a:effectRef>
+          <a:fontRef idx="minor">
+            <a:schemeClr val="lt1"/>
+          </a:fontRef>
+        </p:style>
+        <p:txBody>
+          <a:bodyPr rtlCol="0" anchor="ctr"/>
+          <a:lstStyle/>
+          <a:p>
+            <a:pPr algn="ctr"/>
+            <a:endParaRPr lang="en-US">
+              <a:latin typeface="Arial" panose="020B0604020202020204" pitchFamily="34" charset="0"/>
+              <a:cs typeface="Arial" panose="020B0604020202020204" pitchFamily="34" charset="0"/>
+            </a:endParaRPr>
+          </a:p>
+        </p:txBody>
+      </p:sp>
+      <p:sp>
+        <p:nvSpPr>
+          <p:cNvPr id="14" name="TextBox 13"/>
+          <p:cNvSpPr txBox="1"/>
+          <p:nvPr/>
+        </p:nvSpPr>
+        <p:spPr>
+          <a:xfrm>
+            <a:off x="3087972" y="2665416"/>
+            <a:ext cx="3529977" cy="523220"/>
+          </a:xfrm>
+          <a:prstGeom prst="rect">
+            <a:avLst/>
+          </a:prstGeom>
+          <a:noFill/>
+        </p:spPr>
+        <p:txBody>
+          <a:bodyPr wrap="square" rtlCol="0">
+            <a:spAutoFit/>
+          </a:bodyPr>
+          <a:lstStyle/>
+          <a:p>
+            <a:r>
+              <a:rPr lang="en-US" sz="1400" b="1" dirty="0" smtClean="0">
+                <a:latin typeface="Arial" panose="020B0604020202020204" pitchFamily="34" charset="0"/>
+                <a:cs typeface="Arial" panose="020B0604020202020204" pitchFamily="34" charset="0"/>
+              </a:rPr>
+              <a:t>Will the responder accept the following division of your endowment?</a:t>
+            </a:r>
+            <a:endParaRPr lang="en-US" sz="1400" dirty="0" smtClean="0">
+              <a:latin typeface="Arial" panose="020B0604020202020204" pitchFamily="34" charset="0"/>
+              <a:cs typeface="Arial" panose="020B0604020202020204" pitchFamily="34" charset="0"/>
+            </a:endParaRPr>
+          </a:p>
+        </p:txBody>
+      </p:sp>
+      <p:sp>
+        <p:nvSpPr>
+          <p:cNvPr id="15" name="TextBox 14"/>
+          <p:cNvSpPr txBox="1"/>
+          <p:nvPr/>
+        </p:nvSpPr>
+        <p:spPr>
+          <a:xfrm>
+            <a:off x="3388007" y="3278281"/>
+            <a:ext cx="3035733" cy="738664"/>
+          </a:xfrm>
+          <a:prstGeom prst="rect">
+            <a:avLst/>
+          </a:prstGeom>
+          <a:noFill/>
+        </p:spPr>
+        <p:txBody>
+          <a:bodyPr wrap="square" rtlCol="0">
+            <a:spAutoFit/>
+          </a:bodyPr>
+          <a:lstStyle/>
+          <a:p>
+            <a:r>
+              <a:rPr lang="en-US" sz="1400" b="1" dirty="0">
+                <a:solidFill>
+                  <a:srgbClr val="3203FF"/>
+                </a:solidFill>
+                <a:latin typeface="Arial" panose="020B0604020202020204" pitchFamily="34" charset="0"/>
+                <a:cs typeface="Arial" panose="020B0604020202020204" pitchFamily="34" charset="0"/>
+              </a:rPr>
+              <a:t>Y</a:t>
+            </a:r>
+            <a:r>
+              <a:rPr lang="en-US" sz="1400" b="1" dirty="0" smtClean="0">
+                <a:solidFill>
+                  <a:srgbClr val="3203FF"/>
+                </a:solidFill>
+                <a:latin typeface="Arial" panose="020B0604020202020204" pitchFamily="34" charset="0"/>
+                <a:cs typeface="Arial" panose="020B0604020202020204" pitchFamily="34" charset="0"/>
+              </a:rPr>
+              <a:t>ou</a:t>
+            </a:r>
+            <a:r>
+              <a:rPr lang="en-US" sz="1400" b="1" dirty="0" smtClean="0">
+                <a:latin typeface="Arial" panose="020B0604020202020204" pitchFamily="34" charset="0"/>
+                <a:cs typeface="Arial" panose="020B0604020202020204" pitchFamily="34" charset="0"/>
+              </a:rPr>
+              <a:t>: 	     19</a:t>
+            </a:r>
+          </a:p>
+          <a:p>
+            <a:r>
+              <a:rPr lang="en-US" sz="1400" b="1" dirty="0" smtClean="0">
+                <a:solidFill>
+                  <a:srgbClr val="FF0000"/>
+                </a:solidFill>
+                <a:latin typeface="Arial" panose="020B0604020202020204" pitchFamily="34" charset="0"/>
+                <a:cs typeface="Arial" panose="020B0604020202020204" pitchFamily="34" charset="0"/>
+              </a:rPr>
+              <a:t>Responder</a:t>
+            </a:r>
+            <a:r>
+              <a:rPr lang="en-US" sz="1400" b="1" dirty="0" smtClean="0">
+                <a:latin typeface="Arial" panose="020B0604020202020204" pitchFamily="34" charset="0"/>
+                <a:cs typeface="Arial" panose="020B0604020202020204" pitchFamily="34" charset="0"/>
+              </a:rPr>
+              <a:t>:     1 </a:t>
+            </a:r>
+          </a:p>
+          <a:p>
+            <a:endParaRPr lang="en-US" sz="1400" dirty="0" smtClean="0">
+              <a:latin typeface="Arial" panose="020B0604020202020204" pitchFamily="34" charset="0"/>
+              <a:cs typeface="Arial" panose="020B0604020202020204" pitchFamily="34" charset="0"/>
+            </a:endParaRPr>
+          </a:p>
+        </p:txBody>
+      </p:sp>
+      <p:sp>
+        <p:nvSpPr>
+          <p:cNvPr id="16" name="TextBox 15"/>
+          <p:cNvSpPr txBox="1"/>
+          <p:nvPr/>
+        </p:nvSpPr>
+        <p:spPr>
+          <a:xfrm>
+            <a:off x="4149549" y="4106590"/>
+            <a:ext cx="1351652" cy="369332"/>
+          </a:xfrm>
+          <a:prstGeom prst="rect">
+            <a:avLst/>
+          </a:prstGeom>
+          <a:noFill/>
+        </p:spPr>
+        <p:txBody>
+          <a:bodyPr wrap="none" rtlCol="0">
+            <a:spAutoFit/>
+          </a:bodyPr>
+          <a:lstStyle/>
+          <a:p>
+            <a:r>
+              <a:rPr lang="en-US" dirty="0"/>
+              <a:t>y</a:t>
+            </a:r>
+            <a:r>
+              <a:rPr lang="en-US" dirty="0" smtClean="0"/>
+              <a:t>es	no</a:t>
+            </a:r>
+            <a:endParaRPr lang="en-US" dirty="0"/>
           </a:p>
         </p:txBody>
       </p:sp>
     </p:spTree>
     <p:extLst>
       <p:ext uri="{BB962C8B-B14F-4D97-AF65-F5344CB8AC3E}">
-        <p14:creationId xmlns:p14="http://schemas.microsoft.com/office/powerpoint/2010/main" val="758461356"/>
+        <p14:creationId xmlns:p14="http://schemas.microsoft.com/office/powerpoint/2010/main" val="580304906"/>
       </p:ext>
     </p:extLst>
   </p:cSld>
@@ -13242,14 +13473,14 @@
       </p:grpSpPr>
       <p:sp>
         <p:nvSpPr>
-          <p:cNvPr id="13" name="TextBox 12"/>
+          <p:cNvPr id="4" name="TextBox 3"/>
           <p:cNvSpPr txBox="1"/>
           <p:nvPr/>
         </p:nvSpPr>
         <p:spPr>
           <a:xfrm>
-            <a:off x="182437" y="292124"/>
-            <a:ext cx="4018352" cy="3570208"/>
+            <a:off x="0" y="8092"/>
+            <a:ext cx="12119054" cy="7509748"/>
           </a:xfrm>
           <a:prstGeom prst="rect">
             <a:avLst/>
@@ -13268,17 +13499,394 @@
                 <a:latin typeface="Arial" panose="020B0604020202020204" pitchFamily="34" charset="0"/>
                 <a:cs typeface="Arial" panose="020B0604020202020204" pitchFamily="34" charset="0"/>
               </a:rPr>
-              <a:t>Simulations</a:t>
+              <a:t>Hypotheses</a:t>
             </a:r>
           </a:p>
           <a:p>
             <a:pPr algn="just"/>
+            <a:endParaRPr lang="en-US" sz="1600" b="1" u="sng" dirty="0" smtClean="0">
+              <a:latin typeface="Arial" panose="020B0604020202020204" pitchFamily="34" charset="0"/>
+              <a:cs typeface="Arial" panose="020B0604020202020204" pitchFamily="34" charset="0"/>
+            </a:endParaRPr>
+          </a:p>
+          <a:p>
+            <a:pPr algn="just"/>
             <a:r>
               <a:rPr lang="en-US" sz="1600" dirty="0" smtClean="0">
                 <a:latin typeface="Arial" panose="020B0604020202020204" pitchFamily="34" charset="0"/>
                 <a:cs typeface="Arial" panose="020B0604020202020204" pitchFamily="34" charset="0"/>
               </a:rPr>
-              <a:t>We also know that we within ~210 trials we can estimate our subjects priors with a very high degree of accuracy. </a:t>
+              <a:t>1: </a:t>
+            </a:r>
+            <a:r>
+              <a:rPr lang="en-US" sz="1600" b="1" dirty="0" smtClean="0">
+                <a:latin typeface="Arial" panose="020B0604020202020204" pitchFamily="34" charset="0"/>
+                <a:cs typeface="Arial" panose="020B0604020202020204" pitchFamily="34" charset="0"/>
+              </a:rPr>
+              <a:t>Learning occurs:</a:t>
+            </a:r>
+          </a:p>
+          <a:p>
+            <a:pPr marL="742950" lvl="1" indent="-285750" algn="just">
+              <a:buFont typeface="Arial" charset="0"/>
+              <a:buChar char="•"/>
+            </a:pPr>
+            <a:r>
+              <a:rPr lang="en-US" sz="1600" dirty="0">
+                <a:latin typeface="Arial" panose="020B0604020202020204" pitchFamily="34" charset="0"/>
+                <a:cs typeface="Arial" panose="020B0604020202020204" pitchFamily="34" charset="0"/>
+              </a:rPr>
+              <a:t>I</a:t>
+            </a:r>
+            <a:r>
+              <a:rPr lang="en-US" sz="1600" dirty="0" smtClean="0">
+                <a:latin typeface="Arial" panose="020B0604020202020204" pitchFamily="34" charset="0"/>
+                <a:cs typeface="Arial" panose="020B0604020202020204" pitchFamily="34" charset="0"/>
+              </a:rPr>
+              <a:t>n all conditions, </a:t>
+            </a:r>
+            <a:r>
+              <a:rPr lang="en-US" sz="1600" dirty="0" smtClean="0">
+                <a:latin typeface="Arial" panose="020B0604020202020204" pitchFamily="34" charset="0"/>
+                <a:cs typeface="Arial" panose="020B0604020202020204" pitchFamily="34" charset="0"/>
+              </a:rPr>
+              <a:t>proposers </a:t>
+            </a:r>
+            <a:r>
+              <a:rPr lang="en-US" sz="1600" dirty="0" smtClean="0">
+                <a:latin typeface="Arial" panose="020B0604020202020204" pitchFamily="34" charset="0"/>
+                <a:cs typeface="Arial" panose="020B0604020202020204" pitchFamily="34" charset="0"/>
+              </a:rPr>
+              <a:t>start with a (distributional) prior about the norm, but gradually integrate feedback to update the norm and improve payoff</a:t>
+            </a:r>
+            <a:r>
+              <a:rPr lang="en-US" sz="1600" dirty="0">
+                <a:latin typeface="Arial" panose="020B0604020202020204" pitchFamily="34" charset="0"/>
+                <a:cs typeface="Arial" panose="020B0604020202020204" pitchFamily="34" charset="0"/>
+              </a:rPr>
+              <a:t>.</a:t>
+            </a:r>
+            <a:endParaRPr lang="en-US" sz="1600" b="1" dirty="0" smtClean="0">
+              <a:latin typeface="Arial" panose="020B0604020202020204" pitchFamily="34" charset="0"/>
+              <a:cs typeface="Arial" panose="020B0604020202020204" pitchFamily="34" charset="0"/>
+            </a:endParaRPr>
+          </a:p>
+          <a:p>
+            <a:pPr algn="just"/>
+            <a:endParaRPr lang="en-US" sz="1600" b="1" dirty="0" smtClean="0">
+              <a:latin typeface="Arial" panose="020B0604020202020204" pitchFamily="34" charset="0"/>
+              <a:cs typeface="Arial" panose="020B0604020202020204" pitchFamily="34" charset="0"/>
+            </a:endParaRPr>
+          </a:p>
+          <a:p>
+            <a:pPr algn="just"/>
+            <a:r>
+              <a:rPr lang="en-US" sz="1600" dirty="0" smtClean="0">
+                <a:latin typeface="Arial" panose="020B0604020202020204" pitchFamily="34" charset="0"/>
+                <a:cs typeface="Arial" panose="020B0604020202020204" pitchFamily="34" charset="0"/>
+              </a:rPr>
+              <a:t>2: </a:t>
+            </a:r>
+            <a:r>
+              <a:rPr lang="en-US" sz="1600" b="1" dirty="0">
+                <a:latin typeface="Arial" panose="020B0604020202020204" pitchFamily="34" charset="0"/>
+                <a:cs typeface="Arial" panose="020B0604020202020204" pitchFamily="34" charset="0"/>
+              </a:rPr>
+              <a:t>L</a:t>
+            </a:r>
+            <a:r>
+              <a:rPr lang="en-US" sz="1600" b="1" dirty="0" smtClean="0">
+                <a:latin typeface="Arial" panose="020B0604020202020204" pitchFamily="34" charset="0"/>
+                <a:cs typeface="Arial" panose="020B0604020202020204" pitchFamily="34" charset="0"/>
+              </a:rPr>
+              <a:t>earning can be captured in an RL </a:t>
+            </a:r>
+            <a:r>
+              <a:rPr lang="en-US" sz="1600" b="1" dirty="0" smtClean="0">
+                <a:latin typeface="Arial" panose="020B0604020202020204" pitchFamily="34" charset="0"/>
+                <a:cs typeface="Arial" panose="020B0604020202020204" pitchFamily="34" charset="0"/>
+              </a:rPr>
+              <a:t>framework</a:t>
+            </a:r>
+            <a:endParaRPr lang="en-US" sz="1600" dirty="0">
+              <a:latin typeface="Arial" panose="020B0604020202020204" pitchFamily="34" charset="0"/>
+              <a:cs typeface="Arial" panose="020B0604020202020204" pitchFamily="34" charset="0"/>
+            </a:endParaRPr>
+          </a:p>
+          <a:p>
+            <a:pPr marL="742950" lvl="1" indent="-285750" algn="just">
+              <a:buFont typeface="Arial" charset="0"/>
+              <a:buChar char="•"/>
+            </a:pPr>
+            <a:r>
+              <a:rPr lang="en-US" sz="1600" dirty="0" smtClean="0">
+                <a:latin typeface="Arial" panose="020B0604020202020204" pitchFamily="34" charset="0"/>
+                <a:cs typeface="Arial" panose="020B0604020202020204" pitchFamily="34" charset="0"/>
+              </a:rPr>
+              <a:t>P</a:t>
+            </a:r>
+            <a:r>
+              <a:rPr lang="en-US" sz="1600" dirty="0" smtClean="0">
+                <a:latin typeface="Arial" panose="020B0604020202020204" pitchFamily="34" charset="0"/>
+                <a:cs typeface="Arial" panose="020B0604020202020204" pitchFamily="34" charset="0"/>
+              </a:rPr>
+              <a:t>roposer </a:t>
+            </a:r>
+            <a:r>
+              <a:rPr lang="en-US" sz="1600" dirty="0" smtClean="0">
+                <a:latin typeface="Arial" panose="020B0604020202020204" pitchFamily="34" charset="0"/>
+                <a:cs typeface="Arial" panose="020B0604020202020204" pitchFamily="34" charset="0"/>
+              </a:rPr>
+              <a:t>learns the intercept of the acceptance function by trial-and-error</a:t>
+            </a:r>
+          </a:p>
+          <a:p>
+            <a:pPr algn="just"/>
+            <a:endParaRPr lang="en-US" sz="1600" dirty="0" smtClean="0">
+              <a:latin typeface="Arial" panose="020B0604020202020204" pitchFamily="34" charset="0"/>
+              <a:cs typeface="Arial" panose="020B0604020202020204" pitchFamily="34" charset="0"/>
+            </a:endParaRPr>
+          </a:p>
+          <a:p>
+            <a:pPr algn="just"/>
+            <a:r>
+              <a:rPr lang="en-US" sz="1600" dirty="0" smtClean="0">
+                <a:latin typeface="Arial" panose="020B0604020202020204" pitchFamily="34" charset="0"/>
+                <a:cs typeface="Arial" panose="020B0604020202020204" pitchFamily="34" charset="0"/>
+              </a:rPr>
+              <a:t>3: </a:t>
+            </a:r>
+            <a:r>
+              <a:rPr lang="en-US" sz="1600" b="1" dirty="0">
+                <a:latin typeface="Arial" panose="020B0604020202020204" pitchFamily="34" charset="0"/>
+                <a:cs typeface="Arial" panose="020B0604020202020204" pitchFamily="34" charset="0"/>
+              </a:rPr>
+              <a:t>L</a:t>
+            </a:r>
+            <a:r>
+              <a:rPr lang="en-US" sz="1600" b="1" dirty="0" smtClean="0">
+                <a:latin typeface="Arial" panose="020B0604020202020204" pitchFamily="34" charset="0"/>
+                <a:cs typeface="Arial" panose="020B0604020202020204" pitchFamily="34" charset="0"/>
+              </a:rPr>
+              <a:t>earning differs between social and non-social conditions</a:t>
+            </a:r>
+            <a:r>
+              <a:rPr lang="en-US" sz="1600" dirty="0" smtClean="0">
+                <a:latin typeface="Arial" panose="020B0604020202020204" pitchFamily="34" charset="0"/>
+                <a:cs typeface="Arial" panose="020B0604020202020204" pitchFamily="34" charset="0"/>
+              </a:rPr>
+              <a:t>:</a:t>
+            </a:r>
+          </a:p>
+          <a:p>
+            <a:pPr marL="742950" lvl="1" indent="-285750" algn="just">
+              <a:buFont typeface="Arial" charset="0"/>
+              <a:buChar char="•"/>
+            </a:pPr>
+            <a:r>
+              <a:rPr lang="en-US" sz="1600" dirty="0" smtClean="0">
+                <a:latin typeface="Arial" panose="020B0604020202020204" pitchFamily="34" charset="0"/>
+                <a:cs typeface="Arial" panose="020B0604020202020204" pitchFamily="34" charset="0"/>
+              </a:rPr>
+              <a:t>Subjects learn faster in the non-social condition due to reluctance to explore acceptance space out of adherence to fairness norm</a:t>
+            </a:r>
+            <a:endParaRPr lang="en-US" sz="1600" dirty="0" smtClean="0">
+              <a:latin typeface="Arial" panose="020B0604020202020204" pitchFamily="34" charset="0"/>
+              <a:cs typeface="Arial" panose="020B0604020202020204" pitchFamily="34" charset="0"/>
+            </a:endParaRPr>
+          </a:p>
+          <a:p>
+            <a:pPr marL="742950" lvl="1" indent="-285750" algn="just">
+              <a:buFont typeface="Arial" panose="020B0604020202020204" pitchFamily="34" charset="0"/>
+              <a:buChar char="•"/>
+            </a:pPr>
+            <a:r>
+              <a:rPr lang="en-US" sz="1600" dirty="0">
+                <a:latin typeface="Arial" panose="020B0604020202020204" pitchFamily="34" charset="0"/>
+                <a:cs typeface="Arial" panose="020B0604020202020204" pitchFamily="34" charset="0"/>
+              </a:rPr>
+              <a:t>M</a:t>
+            </a:r>
+            <a:r>
+              <a:rPr lang="en-US" sz="1600" dirty="0" smtClean="0">
+                <a:latin typeface="Arial" panose="020B0604020202020204" pitchFamily="34" charset="0"/>
+                <a:cs typeface="Arial" panose="020B0604020202020204" pitchFamily="34" charset="0"/>
+              </a:rPr>
+              <a:t>ore </a:t>
+            </a:r>
+            <a:r>
+              <a:rPr lang="en-US" sz="1600" dirty="0" smtClean="0">
+                <a:latin typeface="Arial" panose="020B0604020202020204" pitchFamily="34" charset="0"/>
+                <a:cs typeface="Arial" panose="020B0604020202020204" pitchFamily="34" charset="0"/>
+              </a:rPr>
+              <a:t>asymmetric learning in social (learn more from rejection than acceptance, because of social “acceptability”) than in non-social, leading to sub-optimal </a:t>
+            </a:r>
+            <a:r>
+              <a:rPr lang="en-US" sz="1600" dirty="0" smtClean="0">
+                <a:latin typeface="Arial" panose="020B0604020202020204" pitchFamily="34" charset="0"/>
+                <a:cs typeface="Arial" panose="020B0604020202020204" pitchFamily="34" charset="0"/>
+              </a:rPr>
+              <a:t>behavior</a:t>
+            </a:r>
+            <a:r>
+              <a:rPr lang="en-US" sz="1600" smtClean="0">
+                <a:latin typeface="Arial" panose="020B0604020202020204" pitchFamily="34" charset="0"/>
+                <a:cs typeface="Arial" panose="020B0604020202020204" pitchFamily="34" charset="0"/>
+              </a:rPr>
+              <a:t>, (o</a:t>
+            </a:r>
+            <a:r>
+              <a:rPr lang="en-US" sz="1600" smtClean="0">
+                <a:latin typeface="Arial" panose="020B0604020202020204" pitchFamily="34" charset="0"/>
+                <a:cs typeface="Arial" panose="020B0604020202020204" pitchFamily="34" charset="0"/>
+              </a:rPr>
+              <a:t>r </a:t>
+            </a:r>
+            <a:r>
+              <a:rPr lang="en-US" sz="1600" dirty="0" smtClean="0">
+                <a:latin typeface="Arial" panose="020B0604020202020204" pitchFamily="34" charset="0"/>
+                <a:cs typeface="Arial" panose="020B0604020202020204" pitchFamily="34" charset="0"/>
+              </a:rPr>
+              <a:t>perhaps the opposite - </a:t>
+            </a:r>
+            <a:r>
+              <a:rPr lang="en-US" sz="1600" dirty="0">
+                <a:latin typeface="Arial" panose="020B0604020202020204" pitchFamily="34" charset="0"/>
+                <a:cs typeface="Arial" panose="020B0604020202020204" pitchFamily="34" charset="0"/>
+              </a:rPr>
+              <a:t>m</a:t>
+            </a:r>
+            <a:r>
+              <a:rPr lang="en-US" sz="1600" dirty="0" smtClean="0">
+                <a:latin typeface="Arial" panose="020B0604020202020204" pitchFamily="34" charset="0"/>
+                <a:cs typeface="Arial" panose="020B0604020202020204" pitchFamily="34" charset="0"/>
+              </a:rPr>
+              <a:t>ore responsive to victories in social </a:t>
+            </a:r>
+            <a:r>
+              <a:rPr lang="en-US" sz="1600" smtClean="0">
+                <a:latin typeface="Arial" panose="020B0604020202020204" pitchFamily="34" charset="0"/>
+                <a:cs typeface="Arial" panose="020B0604020202020204" pitchFamily="34" charset="0"/>
+              </a:rPr>
+              <a:t>condition?)</a:t>
+            </a:r>
+            <a:endParaRPr lang="en-US" sz="1600" dirty="0" smtClean="0">
+              <a:latin typeface="Arial" panose="020B0604020202020204" pitchFamily="34" charset="0"/>
+              <a:cs typeface="Arial" panose="020B0604020202020204" pitchFamily="34" charset="0"/>
+            </a:endParaRPr>
+          </a:p>
+          <a:p>
+            <a:pPr algn="just"/>
+            <a:endParaRPr lang="en-US" sz="1600" dirty="0" smtClean="0">
+              <a:latin typeface="Arial" panose="020B0604020202020204" pitchFamily="34" charset="0"/>
+              <a:cs typeface="Arial" panose="020B0604020202020204" pitchFamily="34" charset="0"/>
+            </a:endParaRPr>
+          </a:p>
+          <a:p>
+            <a:pPr algn="just"/>
+            <a:r>
+              <a:rPr lang="en-US" sz="1600" dirty="0" smtClean="0">
+                <a:latin typeface="Arial" panose="020B0604020202020204" pitchFamily="34" charset="0"/>
+                <a:cs typeface="Arial" panose="020B0604020202020204" pitchFamily="34" charset="0"/>
+              </a:rPr>
+              <a:t>4: </a:t>
+            </a:r>
+            <a:r>
+              <a:rPr lang="en-US" sz="1600" b="1" dirty="0" smtClean="0">
+                <a:latin typeface="Arial" panose="020B0604020202020204" pitchFamily="34" charset="0"/>
+                <a:cs typeface="Arial" panose="020B0604020202020204" pitchFamily="34" charset="0"/>
+              </a:rPr>
+              <a:t>Learning differs </a:t>
+            </a:r>
+            <a:r>
+              <a:rPr lang="en-US" sz="1600" b="1" dirty="0">
+                <a:latin typeface="Arial" panose="020B0604020202020204" pitchFamily="34" charset="0"/>
+                <a:cs typeface="Arial" panose="020B0604020202020204" pitchFamily="34" charset="0"/>
+              </a:rPr>
+              <a:t>between </a:t>
+            </a:r>
+            <a:r>
+              <a:rPr lang="en-US" sz="1600" b="1" dirty="0" smtClean="0">
+                <a:latin typeface="Arial" panose="020B0604020202020204" pitchFamily="34" charset="0"/>
+                <a:cs typeface="Arial" panose="020B0604020202020204" pitchFamily="34" charset="0"/>
+              </a:rPr>
+              <a:t>social-known </a:t>
+            </a:r>
+            <a:r>
+              <a:rPr lang="en-US" sz="1600" b="1" dirty="0">
+                <a:latin typeface="Arial" panose="020B0604020202020204" pitchFamily="34" charset="0"/>
+                <a:cs typeface="Arial" panose="020B0604020202020204" pitchFamily="34" charset="0"/>
+              </a:rPr>
+              <a:t>and </a:t>
+            </a:r>
+            <a:r>
+              <a:rPr lang="en-US" sz="1600" b="1" dirty="0" smtClean="0">
+                <a:latin typeface="Arial" panose="020B0604020202020204" pitchFamily="34" charset="0"/>
+                <a:cs typeface="Arial" panose="020B0604020202020204" pitchFamily="34" charset="0"/>
+              </a:rPr>
+              <a:t>social-unknown conditions</a:t>
+            </a:r>
+            <a:r>
+              <a:rPr lang="en-US" sz="1600" dirty="0" smtClean="0">
+                <a:latin typeface="Arial" panose="020B0604020202020204" pitchFamily="34" charset="0"/>
+                <a:cs typeface="Arial" panose="020B0604020202020204" pitchFamily="34" charset="0"/>
+              </a:rPr>
+              <a:t>:</a:t>
+            </a:r>
+          </a:p>
+          <a:p>
+            <a:pPr marL="742950" lvl="1" indent="-285750" algn="just">
+              <a:buFont typeface="Arial" charset="0"/>
+              <a:buChar char="•"/>
+            </a:pPr>
+            <a:r>
+              <a:rPr lang="en-US" sz="1600" dirty="0" smtClean="0">
+                <a:latin typeface="Arial" panose="020B0604020202020204" pitchFamily="34" charset="0"/>
+                <a:cs typeface="Arial" panose="020B0604020202020204" pitchFamily="34" charset="0"/>
+              </a:rPr>
+              <a:t>Faster learning </a:t>
+            </a:r>
+            <a:r>
+              <a:rPr lang="en-US" sz="1600" dirty="0">
+                <a:latin typeface="Arial" panose="020B0604020202020204" pitchFamily="34" charset="0"/>
+                <a:cs typeface="Arial" panose="020B0604020202020204" pitchFamily="34" charset="0"/>
+              </a:rPr>
+              <a:t>in </a:t>
+            </a:r>
+            <a:r>
+              <a:rPr lang="en-US" sz="1600" dirty="0" smtClean="0">
+                <a:latin typeface="Arial" panose="020B0604020202020204" pitchFamily="34" charset="0"/>
+                <a:cs typeface="Arial" panose="020B0604020202020204" pitchFamily="34" charset="0"/>
+              </a:rPr>
+              <a:t>social-known than in social-unknown due to </a:t>
+            </a:r>
+            <a:r>
+              <a:rPr lang="en-US" sz="1600" dirty="0">
+                <a:latin typeface="Arial" panose="020B0604020202020204" pitchFamily="34" charset="0"/>
+                <a:cs typeface="Arial" panose="020B0604020202020204" pitchFamily="34" charset="0"/>
+              </a:rPr>
+              <a:t>subjects </a:t>
+            </a:r>
+            <a:r>
+              <a:rPr lang="en-US" sz="1600" dirty="0" smtClean="0">
+                <a:latin typeface="Arial" panose="020B0604020202020204" pitchFamily="34" charset="0"/>
+                <a:cs typeface="Arial" panose="020B0604020202020204" pitchFamily="34" charset="0"/>
+              </a:rPr>
+              <a:t>(</a:t>
+            </a:r>
+            <a:r>
+              <a:rPr lang="en-US" sz="1600" dirty="0" err="1" smtClean="0">
+                <a:latin typeface="Arial" panose="020B0604020202020204" pitchFamily="34" charset="0"/>
+                <a:cs typeface="Arial" panose="020B0604020202020204" pitchFamily="34" charset="0"/>
+              </a:rPr>
+              <a:t>i</a:t>
+            </a:r>
+            <a:r>
+              <a:rPr lang="en-US" sz="1600" dirty="0" smtClean="0">
+                <a:latin typeface="Arial" panose="020B0604020202020204" pitchFamily="34" charset="0"/>
+                <a:cs typeface="Arial" panose="020B0604020202020204" pitchFamily="34" charset="0"/>
+              </a:rPr>
+              <a:t>) using the opacity of what constitutes fair as an excuse to eschew fairness and maximize profit, or (ii) exploring the acceptance space in order to learn what constitutes fair.</a:t>
             </a:r>
           </a:p>
           <a:p>
@@ -13295,26 +13903,50 @@
                 <a:latin typeface="Arial" panose="020B0604020202020204" pitchFamily="34" charset="0"/>
                 <a:cs typeface="Arial" panose="020B0604020202020204" pitchFamily="34" charset="0"/>
               </a:rPr>
-              <a:t>Here are 40 simulations of 210 trials, representing a choice that each subject has to make regarding whether they </a:t>
-            </a:r>
+              <a:t>5: </a:t>
+            </a:r>
+            <a:r>
+              <a:rPr lang="en-US" sz="1600" b="1" dirty="0">
+                <a:latin typeface="Arial" panose="020B0604020202020204" pitchFamily="34" charset="0"/>
+                <a:cs typeface="Arial" panose="020B0604020202020204" pitchFamily="34" charset="0"/>
+              </a:rPr>
+              <a:t>L</a:t>
+            </a:r>
+            <a:r>
+              <a:rPr lang="en-US" sz="1600" b="1" dirty="0" smtClean="0">
+                <a:latin typeface="Arial" panose="020B0604020202020204" pitchFamily="34" charset="0"/>
+                <a:cs typeface="Arial" panose="020B0604020202020204" pitchFamily="34" charset="0"/>
+              </a:rPr>
+              <a:t>earning </a:t>
+            </a:r>
+            <a:r>
+              <a:rPr lang="en-US" sz="1600" b="1" i="1" dirty="0" smtClean="0">
+                <a:latin typeface="Arial" panose="020B0604020202020204" pitchFamily="34" charset="0"/>
+                <a:cs typeface="Arial" panose="020B0604020202020204" pitchFamily="34" charset="0"/>
+              </a:rPr>
+              <a:t>does not</a:t>
+            </a:r>
+            <a:r>
+              <a:rPr lang="en-US" sz="1600" b="1" dirty="0" smtClean="0">
+                <a:latin typeface="Arial" panose="020B0604020202020204" pitchFamily="34" charset="0"/>
+                <a:cs typeface="Arial" panose="020B0604020202020204" pitchFamily="34" charset="0"/>
+              </a:rPr>
+              <a:t> differ between social-known and non-social conditions:</a:t>
+            </a:r>
+          </a:p>
+          <a:p>
+            <a:pPr marL="742950" lvl="1" indent="-285750" algn="just">
+              <a:buFont typeface="Arial" charset="0"/>
+              <a:buChar char="•"/>
+            </a:pPr>
             <a:r>
               <a:rPr lang="en-US" sz="1600" dirty="0" smtClean="0">
                 <a:latin typeface="Arial" panose="020B0604020202020204" pitchFamily="34" charset="0"/>
                 <a:cs typeface="Arial" panose="020B0604020202020204" pitchFamily="34" charset="0"/>
               </a:rPr>
-              <a:t>think </a:t>
-            </a:r>
-            <a:r>
-              <a:rPr lang="en-US" sz="1600" dirty="0" smtClean="0">
-                <a:latin typeface="Arial" panose="020B0604020202020204" pitchFamily="34" charset="0"/>
-                <a:cs typeface="Arial" panose="020B0604020202020204" pitchFamily="34" charset="0"/>
-              </a:rPr>
-              <a:t>the responder will accept a given division of the endowment, with every possible combination represented once. </a:t>
-            </a:r>
-          </a:p>
-          <a:p>
-            <a:pPr algn="just"/>
-            <a:endParaRPr lang="en-US" sz="1600" b="1" u="sng" dirty="0" smtClean="0">
+              <a:t>Subjects explore the acceptance range of responders in both conditions</a:t>
+            </a:r>
+            <a:endParaRPr lang="en-US" sz="1600" dirty="0">
               <a:latin typeface="Arial" panose="020B0604020202020204" pitchFamily="34" charset="0"/>
               <a:cs typeface="Arial" panose="020B0604020202020204" pitchFamily="34" charset="0"/>
             </a:endParaRPr>
@@ -13336,6 +13968,97 @@
                 <a:latin typeface="Arial" panose="020B0604020202020204" pitchFamily="34" charset="0"/>
                 <a:cs typeface="Arial" panose="020B0604020202020204" pitchFamily="34" charset="0"/>
               </a:rPr>
+              <a:t>6: </a:t>
+            </a:r>
+            <a:r>
+              <a:rPr lang="en-US" sz="1600" b="1" dirty="0">
+                <a:latin typeface="Arial" panose="020B0604020202020204" pitchFamily="34" charset="0"/>
+                <a:cs typeface="Arial" panose="020B0604020202020204" pitchFamily="34" charset="0"/>
+              </a:rPr>
+              <a:t>P</a:t>
+            </a:r>
+            <a:r>
+              <a:rPr lang="en-US" sz="1600" b="1" dirty="0" smtClean="0">
+                <a:latin typeface="Arial" panose="020B0604020202020204" pitchFamily="34" charset="0"/>
+                <a:cs typeface="Arial" panose="020B0604020202020204" pitchFamily="34" charset="0"/>
+              </a:rPr>
+              <a:t>riors differ between social and non-social</a:t>
+            </a:r>
+          </a:p>
+          <a:p>
+            <a:pPr marL="742950" lvl="1" indent="-285750" algn="just">
+              <a:buFont typeface="Arial" panose="020B0604020202020204" pitchFamily="34" charset="0"/>
+              <a:buChar char="•"/>
+            </a:pPr>
+            <a:r>
+              <a:rPr lang="en-US" sz="1600" dirty="0" smtClean="0">
+                <a:latin typeface="Arial" panose="020B0604020202020204" pitchFamily="34" charset="0"/>
+                <a:cs typeface="Arial" panose="020B0604020202020204" pitchFamily="34" charset="0"/>
+              </a:rPr>
+              <a:t>Uniform in the non-social condition, while driven by a norm expectation (50/50) in the social condition.</a:t>
+            </a:r>
+          </a:p>
+          <a:p>
+            <a:pPr algn="just"/>
+            <a:endParaRPr lang="en-US" sz="1600" dirty="0" smtClean="0">
+              <a:latin typeface="Arial" panose="020B0604020202020204" pitchFamily="34" charset="0"/>
+              <a:cs typeface="Arial" panose="020B0604020202020204" pitchFamily="34" charset="0"/>
+            </a:endParaRPr>
+          </a:p>
+          <a:p>
+            <a:pPr algn="just"/>
+            <a:r>
+              <a:rPr lang="en-US" sz="1600" dirty="0" smtClean="0">
+                <a:latin typeface="Arial" panose="020B0604020202020204" pitchFamily="34" charset="0"/>
+                <a:cs typeface="Arial" panose="020B0604020202020204" pitchFamily="34" charset="0"/>
+              </a:rPr>
+              <a:t>7: </a:t>
+            </a:r>
+            <a:r>
+              <a:rPr lang="en-US" sz="1600" b="1" dirty="0">
+                <a:latin typeface="Arial" panose="020B0604020202020204" pitchFamily="34" charset="0"/>
+                <a:cs typeface="Arial" panose="020B0604020202020204" pitchFamily="34" charset="0"/>
+              </a:rPr>
+              <a:t>D</a:t>
+            </a:r>
+            <a:r>
+              <a:rPr lang="en-US" sz="1600" b="1" dirty="0" smtClean="0">
+                <a:latin typeface="Arial" panose="020B0604020202020204" pitchFamily="34" charset="0"/>
+                <a:cs typeface="Arial" panose="020B0604020202020204" pitchFamily="34" charset="0"/>
+              </a:rPr>
+              <a:t>ecision functions differ between social and non-social </a:t>
+            </a:r>
+          </a:p>
+          <a:p>
+            <a:pPr marL="742950" lvl="1" indent="-285750" algn="just">
+              <a:buFont typeface="Arial" panose="020B0604020202020204" pitchFamily="34" charset="0"/>
+              <a:buChar char="•"/>
+            </a:pPr>
+            <a:r>
+              <a:rPr lang="en-US" sz="1600" dirty="0" smtClean="0">
+                <a:latin typeface="Arial" panose="020B0604020202020204" pitchFamily="34" charset="0"/>
+                <a:cs typeface="Arial" panose="020B0604020202020204" pitchFamily="34" charset="0"/>
+              </a:rPr>
+              <a:t>More maximizer in non-social, and more exploratory (i.e. “soft”) in social.</a:t>
+            </a:r>
+          </a:p>
+          <a:p>
+            <a:pPr marL="285750" indent="-285750" algn="just">
+              <a:buFont typeface="Arial" panose="020B0604020202020204" pitchFamily="34" charset="0"/>
+              <a:buChar char="•"/>
+            </a:pPr>
+            <a:endParaRPr lang="en-US" sz="1600" dirty="0" smtClean="0">
+              <a:latin typeface="Arial" panose="020B0604020202020204" pitchFamily="34" charset="0"/>
+              <a:cs typeface="Arial" panose="020B0604020202020204" pitchFamily="34" charset="0"/>
+            </a:endParaRPr>
+          </a:p>
+          <a:p>
+            <a:pPr algn="just"/>
+            <a:r>
+              <a:rPr lang="en-US" sz="1600" dirty="0" smtClean="0">
+                <a:latin typeface="Arial" panose="020B0604020202020204" pitchFamily="34" charset="0"/>
+                <a:cs typeface="Arial" panose="020B0604020202020204" pitchFamily="34" charset="0"/>
+              </a:rPr>
               <a:t> </a:t>
             </a:r>
             <a:endParaRPr lang="en-US" sz="1600" dirty="0">
@@ -13345,40 +14068,10 @@
           </a:p>
         </p:txBody>
       </p:sp>
-      <p:pic>
-        <p:nvPicPr>
-          <p:cNvPr id="2" name="Picture 1"/>
-          <p:cNvPicPr>
-            <a:picLocks noChangeAspect="1"/>
-          </p:cNvPicPr>
-          <p:nvPr/>
-        </p:nvPicPr>
-        <p:blipFill>
-          <a:blip r:embed="rId2">
-            <a:extLst>
-              <a:ext uri="{28A0092B-C50C-407E-A947-70E740481C1C}">
-                <a14:useLocalDpi xmlns:a14="http://schemas.microsoft.com/office/drawing/2010/main" val="0"/>
-              </a:ext>
-            </a:extLst>
-          </a:blip>
-          <a:stretch>
-            <a:fillRect/>
-          </a:stretch>
-        </p:blipFill>
-        <p:spPr>
-          <a:xfrm>
-            <a:off x="4712043" y="543697"/>
-            <a:ext cx="6441989" cy="4831492"/>
-          </a:xfrm>
-          <a:prstGeom prst="rect">
-            <a:avLst/>
-          </a:prstGeom>
-        </p:spPr>
-      </p:pic>
     </p:spTree>
     <p:extLst>
       <p:ext uri="{BB962C8B-B14F-4D97-AF65-F5344CB8AC3E}">
-        <p14:creationId xmlns:p14="http://schemas.microsoft.com/office/powerpoint/2010/main" val="580304906"/>
+        <p14:creationId xmlns:p14="http://schemas.microsoft.com/office/powerpoint/2010/main" val="3616082674"/>
       </p:ext>
     </p:extLst>
   </p:cSld>
@@ -13420,8 +14113,8 @@
         </p:nvSpPr>
         <p:spPr>
           <a:xfrm>
-            <a:off x="743607" y="290286"/>
-            <a:ext cx="5976508" cy="369332"/>
+            <a:off x="145774" y="168519"/>
+            <a:ext cx="11729069" cy="5539978"/>
           </a:xfrm>
           <a:prstGeom prst="rect">
             <a:avLst/>
@@ -13435,216 +14128,242 @@
           <a:lstStyle/>
           <a:p>
             <a:r>
-              <a:rPr lang="en-US" b="1" u="sng" dirty="0" smtClean="0">
-                <a:latin typeface="Arial" panose="020B0604020202020204" pitchFamily="34" charset="0"/>
-                <a:cs typeface="Arial" panose="020B0604020202020204" pitchFamily="34" charset="0"/>
-              </a:rPr>
-              <a:t>Task Characteristics</a:t>
-            </a:r>
-            <a:endParaRPr lang="en-US" b="1" u="sng" dirty="0">
+              <a:rPr lang="en-US" b="1" dirty="0">
+                <a:latin typeface="Arial" charset="0"/>
+                <a:ea typeface="Arial" charset="0"/>
+                <a:cs typeface="Arial" charset="0"/>
+              </a:rPr>
+              <a:t>Design specifications</a:t>
+            </a:r>
+          </a:p>
+          <a:p>
+            <a:pPr algn="just"/>
+            <a:endParaRPr lang="en-US" sz="1600" b="1" dirty="0">
               <a:latin typeface="Arial" panose="020B0604020202020204" pitchFamily="34" charset="0"/>
               <a:cs typeface="Arial" panose="020B0604020202020204" pitchFamily="34" charset="0"/>
             </a:endParaRPr>
           </a:p>
-        </p:txBody>
-      </p:sp>
-      <p:sp>
-        <p:nvSpPr>
-          <p:cNvPr id="2" name="TextBox 1"/>
-          <p:cNvSpPr txBox="1"/>
-          <p:nvPr/>
-        </p:nvSpPr>
-        <p:spPr>
-          <a:xfrm>
-            <a:off x="348343" y="1349829"/>
-            <a:ext cx="8186057" cy="646331"/>
-          </a:xfrm>
-          <a:prstGeom prst="rect">
-            <a:avLst/>
-          </a:prstGeom>
-          <a:noFill/>
-        </p:spPr>
-        <p:txBody>
-          <a:bodyPr wrap="square" rtlCol="0">
-            <a:spAutoFit/>
-          </a:bodyPr>
-          <a:lstStyle/>
-          <a:p>
-            <a:r>
-              <a:rPr lang="en-US" dirty="0" smtClean="0">
-                <a:latin typeface="Arial" panose="020B0604020202020204" pitchFamily="34" charset="0"/>
-                <a:cs typeface="Arial" panose="020B0604020202020204" pitchFamily="34" charset="0"/>
-              </a:rPr>
-              <a:t>Step1:</a:t>
-            </a:r>
-          </a:p>
-          <a:p>
-            <a:r>
-              <a:rPr lang="en-US" dirty="0" smtClean="0">
-                <a:latin typeface="Arial" panose="020B0604020202020204" pitchFamily="34" charset="0"/>
-                <a:cs typeface="Arial" panose="020B0604020202020204" pitchFamily="34" charset="0"/>
-              </a:rPr>
-              <a:t>XX </a:t>
-            </a:r>
-            <a:r>
-              <a:rPr lang="en-US" dirty="0" err="1" smtClean="0">
-                <a:latin typeface="Arial" panose="020B0604020202020204" pitchFamily="34" charset="0"/>
-                <a:cs typeface="Arial" panose="020B0604020202020204" pitchFamily="34" charset="0"/>
-              </a:rPr>
-              <a:t>offerers</a:t>
-            </a:r>
-            <a:r>
-              <a:rPr lang="en-US" dirty="0" smtClean="0">
-                <a:latin typeface="Arial" panose="020B0604020202020204" pitchFamily="34" charset="0"/>
-                <a:cs typeface="Arial" panose="020B0604020202020204" pitchFamily="34" charset="0"/>
-              </a:rPr>
-              <a:t>; XX responders; XXX trials </a:t>
-            </a:r>
-            <a:endParaRPr lang="en-US" dirty="0">
+          <a:p>
+            <a:pPr algn="just"/>
+            <a:r>
+              <a:rPr lang="en-US" sz="1600" dirty="0" smtClean="0">
+                <a:latin typeface="Arial" panose="020B0604020202020204" pitchFamily="34" charset="0"/>
+                <a:cs typeface="Arial" panose="020B0604020202020204" pitchFamily="34" charset="0"/>
+              </a:rPr>
+              <a:t>The entire experiment will take roughly 1 hour. </a:t>
+            </a:r>
+          </a:p>
+          <a:p>
+            <a:pPr algn="just"/>
+            <a:endParaRPr lang="en-US" sz="1600" dirty="0">
               <a:latin typeface="Arial" panose="020B0604020202020204" pitchFamily="34" charset="0"/>
               <a:cs typeface="Arial" panose="020B0604020202020204" pitchFamily="34" charset="0"/>
             </a:endParaRPr>
           </a:p>
-        </p:txBody>
-      </p:sp>
-      <p:sp>
-        <p:nvSpPr>
-          <p:cNvPr id="5" name="TextBox 4"/>
-          <p:cNvSpPr txBox="1"/>
-          <p:nvPr/>
-        </p:nvSpPr>
-        <p:spPr>
-          <a:xfrm>
-            <a:off x="348343" y="2195287"/>
-            <a:ext cx="10920790" cy="1477328"/>
-          </a:xfrm>
-          <a:prstGeom prst="rect">
-            <a:avLst/>
-          </a:prstGeom>
-          <a:noFill/>
-        </p:spPr>
-        <p:txBody>
-          <a:bodyPr wrap="square" rtlCol="0">
-            <a:spAutoFit/>
-          </a:bodyPr>
-          <a:lstStyle/>
-          <a:p>
-            <a:r>
-              <a:rPr lang="en-US" dirty="0" smtClean="0">
-                <a:latin typeface="Arial" panose="020B0604020202020204" pitchFamily="34" charset="0"/>
-                <a:cs typeface="Arial" panose="020B0604020202020204" pitchFamily="34" charset="0"/>
-              </a:rPr>
-              <a:t>Step 2:</a:t>
-            </a:r>
-          </a:p>
-          <a:p>
-            <a:r>
-              <a:rPr lang="en-US" dirty="0" smtClean="0">
-                <a:latin typeface="Arial" panose="020B0604020202020204" pitchFamily="34" charset="0"/>
-                <a:cs typeface="Arial" panose="020B0604020202020204" pitchFamily="34" charset="0"/>
-              </a:rPr>
-              <a:t>Start with section without feedback to estimate priors (XX </a:t>
-            </a:r>
-            <a:r>
-              <a:rPr lang="en-US" dirty="0">
-                <a:latin typeface="Arial" panose="020B0604020202020204" pitchFamily="34" charset="0"/>
-                <a:cs typeface="Arial" panose="020B0604020202020204" pitchFamily="34" charset="0"/>
-              </a:rPr>
-              <a:t>trials to be determined /w model </a:t>
-            </a:r>
-            <a:r>
-              <a:rPr lang="en-US" dirty="0" smtClean="0">
-                <a:latin typeface="Arial" panose="020B0604020202020204" pitchFamily="34" charset="0"/>
-                <a:cs typeface="Arial" panose="020B0604020202020204" pitchFamily="34" charset="0"/>
-              </a:rPr>
-              <a:t>prior sims </a:t>
-            </a:r>
-            <a:r>
-              <a:rPr lang="en-US" dirty="0">
-                <a:latin typeface="Arial" panose="020B0604020202020204" pitchFamily="34" charset="0"/>
-                <a:cs typeface="Arial" panose="020B0604020202020204" pitchFamily="34" charset="0"/>
-              </a:rPr>
-              <a:t>recovery)</a:t>
-            </a:r>
-            <a:endParaRPr lang="en-US" dirty="0" smtClean="0">
+          <a:p>
+            <a:pPr algn="just"/>
+            <a:r>
+              <a:rPr lang="en-US" sz="1600" b="1" dirty="0" smtClean="0">
+                <a:latin typeface="Arial" panose="020B0604020202020204" pitchFamily="34" charset="0"/>
+                <a:cs typeface="Arial" panose="020B0604020202020204" pitchFamily="34" charset="0"/>
+              </a:rPr>
+              <a:t>Prior estimation</a:t>
+            </a:r>
+            <a:r>
+              <a:rPr lang="en-US" sz="1600" dirty="0" smtClean="0">
+                <a:latin typeface="Arial" panose="020B0604020202020204" pitchFamily="34" charset="0"/>
+                <a:cs typeface="Arial" panose="020B0604020202020204" pitchFamily="34" charset="0"/>
+              </a:rPr>
+              <a:t>: 	~7 minutes</a:t>
+            </a:r>
+          </a:p>
+          <a:p>
+            <a:pPr algn="just"/>
+            <a:r>
+              <a:rPr lang="en-US" sz="1600" b="1" dirty="0" smtClean="0">
+                <a:latin typeface="Arial" panose="020B0604020202020204" pitchFamily="34" charset="0"/>
+                <a:cs typeface="Arial" panose="020B0604020202020204" pitchFamily="34" charset="0"/>
+              </a:rPr>
+              <a:t>Dictator game</a:t>
+            </a:r>
+            <a:r>
+              <a:rPr lang="en-US" sz="1600" dirty="0" smtClean="0">
+                <a:latin typeface="Arial" panose="020B0604020202020204" pitchFamily="34" charset="0"/>
+                <a:cs typeface="Arial" panose="020B0604020202020204" pitchFamily="34" charset="0"/>
+              </a:rPr>
+              <a:t>:	~7 minutes</a:t>
+            </a:r>
+          </a:p>
+          <a:p>
+            <a:pPr algn="just"/>
+            <a:r>
+              <a:rPr lang="en-US" sz="1600" b="1" dirty="0" smtClean="0">
+                <a:latin typeface="Arial" panose="020B0604020202020204" pitchFamily="34" charset="0"/>
+                <a:cs typeface="Arial" panose="020B0604020202020204" pitchFamily="34" charset="0"/>
+              </a:rPr>
+              <a:t>Risk task</a:t>
+            </a:r>
+            <a:r>
+              <a:rPr lang="en-US" sz="1600" dirty="0" smtClean="0">
+                <a:latin typeface="Arial" panose="020B0604020202020204" pitchFamily="34" charset="0"/>
+                <a:cs typeface="Arial" panose="020B0604020202020204" pitchFamily="34" charset="0"/>
+              </a:rPr>
+              <a:t>: 	~3 minutes</a:t>
+            </a:r>
+          </a:p>
+          <a:p>
+            <a:pPr algn="just"/>
+            <a:r>
+              <a:rPr lang="en-US" sz="1600" b="1" dirty="0" smtClean="0">
+                <a:latin typeface="Arial" panose="020B0604020202020204" pitchFamily="34" charset="0"/>
+                <a:cs typeface="Arial" panose="020B0604020202020204" pitchFamily="34" charset="0"/>
+              </a:rPr>
+              <a:t>UG social</a:t>
+            </a:r>
+            <a:r>
+              <a:rPr lang="en-US" sz="1600" dirty="0" smtClean="0">
+                <a:latin typeface="Arial" panose="020B0604020202020204" pitchFamily="34" charset="0"/>
+                <a:cs typeface="Arial" panose="020B0604020202020204" pitchFamily="34" charset="0"/>
+              </a:rPr>
+              <a:t>: 	~20 minutes</a:t>
+            </a:r>
+          </a:p>
+          <a:p>
+            <a:pPr algn="just"/>
+            <a:r>
+              <a:rPr lang="en-US" sz="1600" b="1" dirty="0" smtClean="0">
+                <a:latin typeface="Arial" panose="020B0604020202020204" pitchFamily="34" charset="0"/>
+                <a:cs typeface="Arial" panose="020B0604020202020204" pitchFamily="34" charset="0"/>
+              </a:rPr>
+              <a:t>UG non-social</a:t>
+            </a:r>
+            <a:r>
+              <a:rPr lang="en-US" sz="1600" dirty="0" smtClean="0">
+                <a:latin typeface="Arial" panose="020B0604020202020204" pitchFamily="34" charset="0"/>
+                <a:cs typeface="Arial" panose="020B0604020202020204" pitchFamily="34" charset="0"/>
+              </a:rPr>
+              <a:t>:	~20 minutes</a:t>
+            </a:r>
+          </a:p>
+          <a:p>
+            <a:pPr algn="just"/>
+            <a:r>
+              <a:rPr lang="en-US" sz="1600" b="1" dirty="0" smtClean="0">
+                <a:latin typeface="Arial" panose="020B0604020202020204" pitchFamily="34" charset="0"/>
+                <a:cs typeface="Arial" panose="020B0604020202020204" pitchFamily="34" charset="0"/>
+              </a:rPr>
+              <a:t>Total</a:t>
+            </a:r>
+            <a:r>
+              <a:rPr lang="en-US" sz="1600" dirty="0" smtClean="0">
+                <a:latin typeface="Arial" panose="020B0604020202020204" pitchFamily="34" charset="0"/>
+                <a:cs typeface="Arial" panose="020B0604020202020204" pitchFamily="34" charset="0"/>
+              </a:rPr>
+              <a:t>: 		~57 minutes</a:t>
+            </a:r>
+          </a:p>
+          <a:p>
+            <a:pPr algn="just"/>
+            <a:endParaRPr lang="en-US" sz="1600" dirty="0">
               <a:latin typeface="Arial" panose="020B0604020202020204" pitchFamily="34" charset="0"/>
               <a:cs typeface="Arial" panose="020B0604020202020204" pitchFamily="34" charset="0"/>
             </a:endParaRPr>
           </a:p>
           <a:p>
-            <a:r>
-              <a:rPr lang="en-US" dirty="0" smtClean="0">
-                <a:latin typeface="Arial" panose="020B0604020202020204" pitchFamily="34" charset="0"/>
-                <a:cs typeface="Arial" panose="020B0604020202020204" pitchFamily="34" charset="0"/>
-              </a:rPr>
-              <a:t>XX sessions of XX conditions and XX trials per condition (to be determined /w model sims recovery)</a:t>
-            </a:r>
-          </a:p>
-          <a:p>
-            <a:r>
-              <a:rPr lang="en-US" dirty="0" smtClean="0">
-                <a:latin typeface="Arial" panose="020B0604020202020204" pitchFamily="34" charset="0"/>
-                <a:ea typeface="Cambria Math" panose="02040503050406030204" pitchFamily="18" charset="0"/>
-                <a:cs typeface="Arial" panose="020B0604020202020204" pitchFamily="34" charset="0"/>
-              </a:rPr>
-              <a:t>×2 for social and non-social framing</a:t>
-            </a:r>
-            <a:endParaRPr lang="en-US" dirty="0">
+            <a:pPr algn="just"/>
+            <a:r>
+              <a:rPr lang="en-US" sz="1600" dirty="0" smtClean="0">
+                <a:latin typeface="Arial" panose="020B0604020202020204" pitchFamily="34" charset="0"/>
+                <a:cs typeface="Arial" panose="020B0604020202020204" pitchFamily="34" charset="0"/>
+              </a:rPr>
+              <a:t>If we estimate that each trial in the UG will take ~6 seconds, with a 4 second inter-stimulus interval, then we have 120 trials for the UG.</a:t>
+            </a:r>
+          </a:p>
+          <a:p>
+            <a:pPr algn="just"/>
+            <a:endParaRPr lang="en-US" sz="1600" dirty="0">
               <a:latin typeface="Arial" panose="020B0604020202020204" pitchFamily="34" charset="0"/>
               <a:cs typeface="Arial" panose="020B0604020202020204" pitchFamily="34" charset="0"/>
             </a:endParaRPr>
           </a:p>
-        </p:txBody>
-      </p:sp>
-      <p:sp>
-        <p:nvSpPr>
-          <p:cNvPr id="6" name="TextBox 5"/>
-          <p:cNvSpPr txBox="1"/>
-          <p:nvPr/>
-        </p:nvSpPr>
-        <p:spPr>
-          <a:xfrm>
-            <a:off x="743607" y="5014686"/>
-            <a:ext cx="5976508" cy="646331"/>
-          </a:xfrm>
-          <a:prstGeom prst="rect">
-            <a:avLst/>
-          </a:prstGeom>
-          <a:noFill/>
-        </p:spPr>
-        <p:txBody>
-          <a:bodyPr wrap="square" rtlCol="0">
-            <a:spAutoFit/>
-          </a:bodyPr>
-          <a:lstStyle/>
-          <a:p>
-            <a:r>
-              <a:rPr lang="en-US" b="1" u="sng" dirty="0" smtClean="0">
-                <a:latin typeface="Arial" panose="020B0604020202020204" pitchFamily="34" charset="0"/>
-                <a:cs typeface="Arial" panose="020B0604020202020204" pitchFamily="34" charset="0"/>
-              </a:rPr>
-              <a:t>Ideas </a:t>
-            </a:r>
-          </a:p>
-          <a:p>
-            <a:r>
-              <a:rPr lang="en-US" dirty="0" smtClean="0">
-                <a:latin typeface="Arial" panose="020B0604020202020204" pitchFamily="34" charset="0"/>
-                <a:cs typeface="Arial" panose="020B0604020202020204" pitchFamily="34" charset="0"/>
-              </a:rPr>
-              <a:t>Integrate RT</a:t>
-            </a:r>
-            <a:endParaRPr lang="en-US" dirty="0">
+          <a:p>
+            <a:pPr algn="just"/>
+            <a:r>
+              <a:rPr lang="en-US" sz="1600" dirty="0" smtClean="0">
+                <a:latin typeface="Arial" panose="020B0604020202020204" pitchFamily="34" charset="0"/>
+                <a:cs typeface="Arial" panose="020B0604020202020204" pitchFamily="34" charset="0"/>
+              </a:rPr>
+              <a:t>In order to help decide how many scenarios/environment to include, we simulated 40 subjects playing 120 trials of the UG with 3 (40 trials per environment), 4 (30 trials per </a:t>
+            </a:r>
+            <a:r>
+              <a:rPr lang="en-US" sz="1600" dirty="0">
+                <a:latin typeface="Arial" panose="020B0604020202020204" pitchFamily="34" charset="0"/>
+                <a:cs typeface="Arial" panose="020B0604020202020204" pitchFamily="34" charset="0"/>
+              </a:rPr>
+              <a:t>environment</a:t>
+            </a:r>
+            <a:r>
+              <a:rPr lang="en-US" sz="1600" dirty="0" smtClean="0">
+                <a:latin typeface="Arial" panose="020B0604020202020204" pitchFamily="34" charset="0"/>
+                <a:cs typeface="Arial" panose="020B0604020202020204" pitchFamily="34" charset="0"/>
+              </a:rPr>
+              <a:t>), and 5 (24 trials per </a:t>
+            </a:r>
+            <a:r>
+              <a:rPr lang="en-US" sz="1600" dirty="0">
+                <a:latin typeface="Arial" panose="020B0604020202020204" pitchFamily="34" charset="0"/>
+                <a:cs typeface="Arial" panose="020B0604020202020204" pitchFamily="34" charset="0"/>
+              </a:rPr>
+              <a:t>environment</a:t>
+            </a:r>
+            <a:r>
+              <a:rPr lang="en-US" sz="1600" dirty="0" smtClean="0">
+                <a:latin typeface="Arial" panose="020B0604020202020204" pitchFamily="34" charset="0"/>
+                <a:cs typeface="Arial" panose="020B0604020202020204" pitchFamily="34" charset="0"/>
+              </a:rPr>
+              <a:t>) in order to test for differences in parameter recovery and model identifiability. </a:t>
+            </a:r>
+          </a:p>
+          <a:p>
+            <a:pPr algn="just"/>
+            <a:endParaRPr lang="en-US" sz="1600" dirty="0">
               <a:latin typeface="Arial" panose="020B0604020202020204" pitchFamily="34" charset="0"/>
               <a:cs typeface="Arial" panose="020B0604020202020204" pitchFamily="34" charset="0"/>
             </a:endParaRPr>
+          </a:p>
+          <a:p>
+            <a:pPr algn="just"/>
+            <a:r>
+              <a:rPr lang="en-US" sz="1600" dirty="0" smtClean="0">
+                <a:latin typeface="Arial" panose="020B0604020202020204" pitchFamily="34" charset="0"/>
+                <a:cs typeface="Arial" panose="020B0604020202020204" pitchFamily="34" charset="0"/>
+              </a:rPr>
+              <a:t>In every case, parameter recovery was highly significant, however 5 environments slightly outperformed simulations with 3 and 4 conditions. </a:t>
+            </a:r>
+          </a:p>
+          <a:p>
+            <a:pPr algn="just"/>
+            <a:endParaRPr lang="en-US" sz="1600" dirty="0">
+              <a:latin typeface="Arial" panose="020B0604020202020204" pitchFamily="34" charset="0"/>
+              <a:cs typeface="Arial" panose="020B0604020202020204" pitchFamily="34" charset="0"/>
+            </a:endParaRPr>
+          </a:p>
+          <a:p>
+            <a:pPr algn="just"/>
+            <a:r>
+              <a:rPr lang="en-US" sz="1600" dirty="0" smtClean="0">
+                <a:latin typeface="Arial" panose="020B0604020202020204" pitchFamily="34" charset="0"/>
+                <a:cs typeface="Arial" panose="020B0604020202020204" pitchFamily="34" charset="0"/>
+              </a:rPr>
+              <a:t>There was no difference in model identifiability.</a:t>
+            </a:r>
           </a:p>
         </p:txBody>
       </p:sp>
     </p:spTree>
     <p:extLst>
       <p:ext uri="{BB962C8B-B14F-4D97-AF65-F5344CB8AC3E}">
-        <p14:creationId xmlns:p14="http://schemas.microsoft.com/office/powerpoint/2010/main" val="4054075777"/>
+        <p14:creationId xmlns:p14="http://schemas.microsoft.com/office/powerpoint/2010/main" val="758461356"/>
       </p:ext>
     </p:extLst>
   </p:cSld>
@@ -14695,99 +15414,16 @@
           <a:chExt cx="0" cy="0"/>
         </a:xfrm>
       </p:grpSpPr>
-      <p:pic>
-        <p:nvPicPr>
-          <p:cNvPr id="79" name="Picture 78"/>
-          <p:cNvPicPr>
-            <a:picLocks noChangeAspect="1"/>
-          </p:cNvPicPr>
-          <p:nvPr/>
-        </p:nvPicPr>
-        <p:blipFill>
-          <a:blip r:embed="rId2">
-            <a:extLst>
-              <a:ext uri="{28A0092B-C50C-407E-A947-70E740481C1C}">
-                <a14:useLocalDpi xmlns:a14="http://schemas.microsoft.com/office/drawing/2010/main" val="0"/>
-              </a:ext>
-            </a:extLst>
-          </a:blip>
-          <a:stretch>
-            <a:fillRect/>
-          </a:stretch>
-        </p:blipFill>
-        <p:spPr>
-          <a:xfrm>
-            <a:off x="5716351" y="692210"/>
-            <a:ext cx="3724781" cy="6514075"/>
-          </a:xfrm>
-          <a:prstGeom prst="rect">
-            <a:avLst/>
-          </a:prstGeom>
-        </p:spPr>
-      </p:pic>
       <p:sp>
         <p:nvSpPr>
-          <p:cNvPr id="5" name="Rectangle 4"/>
-          <p:cNvSpPr/>
-          <p:nvPr/>
-        </p:nvSpPr>
-        <p:spPr>
-          <a:xfrm>
-            <a:off x="-15755" y="792522"/>
-            <a:ext cx="3442036" cy="2055379"/>
-          </a:xfrm>
-          <a:prstGeom prst="rect">
-            <a:avLst/>
-          </a:prstGeom>
-          <a:solidFill>
-            <a:schemeClr val="bg1">
-              <a:lumMod val="95000"/>
-            </a:schemeClr>
-          </a:solidFill>
-          <a:ln>
-            <a:solidFill>
-              <a:schemeClr val="tx1"/>
-            </a:solidFill>
-          </a:ln>
-        </p:spPr>
-        <p:style>
-          <a:lnRef idx="2">
-            <a:schemeClr val="accent1">
-              <a:shade val="50000"/>
-            </a:schemeClr>
-          </a:lnRef>
-          <a:fillRef idx="1">
-            <a:schemeClr val="accent1"/>
-          </a:fillRef>
-          <a:effectRef idx="0">
-            <a:schemeClr val="accent1"/>
-          </a:effectRef>
-          <a:fontRef idx="minor">
-            <a:schemeClr val="lt1"/>
-          </a:fontRef>
-        </p:style>
-        <p:txBody>
-          <a:bodyPr rtlCol="0" anchor="ctr"/>
-          <a:lstStyle/>
-          <a:p>
-            <a:pPr algn="ctr"/>
-            <a:endParaRPr lang="en-US">
-              <a:latin typeface="Arial" panose="020B0604020202020204" pitchFamily="34" charset="0"/>
-              <a:cs typeface="Arial" panose="020B0604020202020204" pitchFamily="34" charset="0"/>
-            </a:endParaRPr>
-          </a:p>
-        </p:txBody>
-      </p:sp>
-      <p:sp>
-        <p:nvSpPr>
-          <p:cNvPr id="6" name="TextBox 5"/>
+          <p:cNvPr id="4" name="TextBox 3"/>
           <p:cNvSpPr txBox="1"/>
           <p:nvPr/>
         </p:nvSpPr>
         <p:spPr>
           <a:xfrm>
-            <a:off x="-15756" y="-54805"/>
-            <a:ext cx="10087407" cy="646331"/>
+            <a:off x="145774" y="168519"/>
+            <a:ext cx="11729069" cy="4062651"/>
           </a:xfrm>
           <a:prstGeom prst="rect">
             <a:avLst/>
@@ -14802,852 +15438,138 @@
           <a:p>
             <a:r>
               <a:rPr lang="en-US" b="1" dirty="0" smtClean="0">
-                <a:latin typeface="Arial" panose="020B0604020202020204" pitchFamily="34" charset="0"/>
-                <a:cs typeface="Arial" panose="020B0604020202020204" pitchFamily="34" charset="0"/>
-              </a:rPr>
-              <a:t>Experiment phase 1: generate different environments, where fairness norm differs. </a:t>
-            </a:r>
-          </a:p>
-          <a:p>
-            <a:r>
-              <a:rPr lang="en-US" dirty="0" smtClean="0">
-                <a:latin typeface="Arial" panose="020B0604020202020204" pitchFamily="34" charset="0"/>
-                <a:cs typeface="Arial" panose="020B0604020202020204" pitchFamily="34" charset="0"/>
-              </a:rPr>
-              <a:t>Strategy method, </a:t>
-            </a:r>
-            <a:r>
-              <a:rPr lang="en-US" i="1" dirty="0" smtClean="0">
-                <a:latin typeface="Arial" panose="020B0604020202020204" pitchFamily="34" charset="0"/>
-                <a:cs typeface="Arial" panose="020B0604020202020204" pitchFamily="34" charset="0"/>
-              </a:rPr>
-              <a:t>without feedback</a:t>
-            </a:r>
-            <a:r>
-              <a:rPr lang="en-US" dirty="0" smtClean="0">
-                <a:latin typeface="Arial" panose="020B0604020202020204" pitchFamily="34" charset="0"/>
-                <a:cs typeface="Arial" panose="020B0604020202020204" pitchFamily="34" charset="0"/>
-              </a:rPr>
-              <a:t>. </a:t>
-            </a:r>
-            <a:r>
-              <a:rPr lang="en-US" dirty="0">
-                <a:latin typeface="Arial" panose="020B0604020202020204" pitchFamily="34" charset="0"/>
-                <a:cs typeface="Arial" panose="020B0604020202020204" pitchFamily="34" charset="0"/>
-              </a:rPr>
-              <a:t>I</a:t>
-            </a:r>
-            <a:r>
-              <a:rPr lang="en-US" dirty="0" smtClean="0">
-                <a:latin typeface="Arial" panose="020B0604020202020204" pitchFamily="34" charset="0"/>
-                <a:cs typeface="Arial" panose="020B0604020202020204" pitchFamily="34" charset="0"/>
-              </a:rPr>
-              <a:t>nterested in the </a:t>
-            </a:r>
-            <a:r>
-              <a:rPr lang="en-US" dirty="0" smtClean="0">
-                <a:solidFill>
-                  <a:srgbClr val="FF0000"/>
-                </a:solidFill>
-                <a:latin typeface="Arial" panose="020B0604020202020204" pitchFamily="34" charset="0"/>
-                <a:cs typeface="Arial" panose="020B0604020202020204" pitchFamily="34" charset="0"/>
-              </a:rPr>
-              <a:t>Responder’s</a:t>
-            </a:r>
-            <a:r>
-              <a:rPr lang="en-US" dirty="0" smtClean="0">
-                <a:latin typeface="Arial" panose="020B0604020202020204" pitchFamily="34" charset="0"/>
-                <a:cs typeface="Arial" panose="020B0604020202020204" pitchFamily="34" charset="0"/>
-              </a:rPr>
-              <a:t> behavior</a:t>
-            </a:r>
-            <a:endParaRPr lang="en-US" dirty="0">
+                <a:latin typeface="Arial" charset="0"/>
+                <a:ea typeface="Arial" charset="0"/>
+                <a:cs typeface="Arial" charset="0"/>
+              </a:rPr>
+              <a:t>Supplementary material</a:t>
+            </a:r>
+            <a:endParaRPr lang="en-US" b="1" dirty="0">
+              <a:latin typeface="Arial" charset="0"/>
+              <a:ea typeface="Arial" charset="0"/>
+              <a:cs typeface="Arial" charset="0"/>
+            </a:endParaRPr>
+          </a:p>
+          <a:p>
+            <a:pPr algn="just"/>
+            <a:endParaRPr lang="en-US" sz="1600" dirty="0">
               <a:latin typeface="Arial" panose="020B0604020202020204" pitchFamily="34" charset="0"/>
               <a:cs typeface="Arial" panose="020B0604020202020204" pitchFamily="34" charset="0"/>
             </a:endParaRPr>
           </a:p>
-        </p:txBody>
-      </p:sp>
-      <p:sp>
-        <p:nvSpPr>
-          <p:cNvPr id="8" name="TextBox 7"/>
-          <p:cNvSpPr txBox="1"/>
-          <p:nvPr/>
-        </p:nvSpPr>
-        <p:spPr>
-          <a:xfrm>
-            <a:off x="73056" y="810890"/>
-            <a:ext cx="3670302" cy="523220"/>
-          </a:xfrm>
-          <a:prstGeom prst="rect">
-            <a:avLst/>
-          </a:prstGeom>
-          <a:noFill/>
-        </p:spPr>
-        <p:txBody>
-          <a:bodyPr wrap="square" rtlCol="0">
-            <a:spAutoFit/>
-          </a:bodyPr>
-          <a:lstStyle/>
-          <a:p>
-            <a:r>
-              <a:rPr lang="en-US" sz="1400" b="1" dirty="0">
-                <a:solidFill>
-                  <a:srgbClr val="0000FF"/>
-                </a:solidFill>
-                <a:latin typeface="Arial" panose="020B0604020202020204" pitchFamily="34" charset="0"/>
-                <a:cs typeface="Arial" panose="020B0604020202020204" pitchFamily="34" charset="0"/>
-              </a:rPr>
-              <a:t>P</a:t>
-            </a:r>
-            <a:r>
-              <a:rPr lang="en-US" sz="1400" dirty="0" smtClean="0">
-                <a:latin typeface="Arial" panose="020B0604020202020204" pitchFamily="34" charset="0"/>
-                <a:cs typeface="Arial" panose="020B0604020202020204" pitchFamily="34" charset="0"/>
-              </a:rPr>
-              <a:t> received an endowment of 20€</a:t>
-            </a:r>
-          </a:p>
-          <a:p>
-            <a:r>
-              <a:rPr lang="en-US" sz="1400" b="1" dirty="0" smtClean="0">
-                <a:solidFill>
-                  <a:srgbClr val="FF0000"/>
-                </a:solidFill>
-                <a:latin typeface="Arial" panose="020B0604020202020204" pitchFamily="34" charset="0"/>
-                <a:cs typeface="Arial" panose="020B0604020202020204" pitchFamily="34" charset="0"/>
-              </a:rPr>
-              <a:t>You</a:t>
-            </a:r>
-            <a:r>
-              <a:rPr lang="en-US" sz="1400" dirty="0" smtClean="0">
-                <a:latin typeface="Arial" panose="020B0604020202020204" pitchFamily="34" charset="0"/>
-                <a:cs typeface="Arial" panose="020B0604020202020204" pitchFamily="34" charset="0"/>
-              </a:rPr>
-              <a:t> received an endowment of X€</a:t>
-            </a:r>
-          </a:p>
-        </p:txBody>
-      </p:sp>
-      <p:sp>
-        <p:nvSpPr>
-          <p:cNvPr id="10" name="TextBox 9"/>
-          <p:cNvSpPr txBox="1"/>
-          <p:nvPr/>
-        </p:nvSpPr>
-        <p:spPr>
-          <a:xfrm>
-            <a:off x="267895" y="1334743"/>
-            <a:ext cx="2933536" cy="1600438"/>
-          </a:xfrm>
-          <a:prstGeom prst="rect">
-            <a:avLst/>
-          </a:prstGeom>
-          <a:noFill/>
-        </p:spPr>
-        <p:txBody>
-          <a:bodyPr wrap="square" rtlCol="0">
-            <a:spAutoFit/>
-          </a:bodyPr>
-          <a:lstStyle/>
-          <a:p>
-            <a:r>
-              <a:rPr lang="en-US" sz="1400" b="1" dirty="0" smtClean="0">
-                <a:latin typeface="Arial" panose="020B0604020202020204" pitchFamily="34" charset="0"/>
-                <a:cs typeface="Arial" panose="020B0604020202020204" pitchFamily="34" charset="0"/>
-              </a:rPr>
-              <a:t>3 Scenarios/Environments: </a:t>
-            </a:r>
-          </a:p>
-          <a:p>
-            <a:r>
-              <a:rPr lang="en-US" sz="1400" b="1" dirty="0">
-                <a:solidFill>
-                  <a:schemeClr val="accent6"/>
-                </a:solidFill>
-                <a:latin typeface="Arial" panose="020B0604020202020204" pitchFamily="34" charset="0"/>
-                <a:cs typeface="Arial" panose="020B0604020202020204" pitchFamily="34" charset="0"/>
-              </a:rPr>
-              <a:t>1</a:t>
-            </a:r>
-            <a:r>
-              <a:rPr lang="en-US" sz="1400" b="1" dirty="0" smtClean="0">
-                <a:latin typeface="Arial" panose="020B0604020202020204" pitchFamily="34" charset="0"/>
-                <a:cs typeface="Arial" panose="020B0604020202020204" pitchFamily="34" charset="0"/>
-              </a:rPr>
-              <a:t>:</a:t>
-            </a:r>
-            <a:r>
-              <a:rPr lang="en-US" sz="1400" dirty="0" smtClean="0">
-                <a:latin typeface="Arial" panose="020B0604020202020204" pitchFamily="34" charset="0"/>
-                <a:cs typeface="Arial" panose="020B0604020202020204" pitchFamily="34" charset="0"/>
-              </a:rPr>
-              <a:t> X = 0€     ~  fair 50/50 is 10€</a:t>
-            </a:r>
-          </a:p>
-          <a:p>
-            <a:r>
-              <a:rPr lang="en-US" sz="1400" b="1" dirty="0">
-                <a:solidFill>
-                  <a:schemeClr val="accent4"/>
-                </a:solidFill>
-                <a:latin typeface="Arial" panose="020B0604020202020204" pitchFamily="34" charset="0"/>
-                <a:cs typeface="Arial" panose="020B0604020202020204" pitchFamily="34" charset="0"/>
-              </a:rPr>
-              <a:t>2</a:t>
-            </a:r>
-            <a:r>
-              <a:rPr lang="en-US" sz="1400" b="1" dirty="0" smtClean="0">
-                <a:latin typeface="Arial" panose="020B0604020202020204" pitchFamily="34" charset="0"/>
-                <a:cs typeface="Arial" panose="020B0604020202020204" pitchFamily="34" charset="0"/>
-              </a:rPr>
-              <a:t>:</a:t>
-            </a:r>
-            <a:r>
-              <a:rPr lang="en-US" sz="1400" dirty="0" smtClean="0">
-                <a:latin typeface="Arial" panose="020B0604020202020204" pitchFamily="34" charset="0"/>
-                <a:cs typeface="Arial" panose="020B0604020202020204" pitchFamily="34" charset="0"/>
-              </a:rPr>
-              <a:t> X = 5€     ~  fair 50/50 is </a:t>
-            </a:r>
-            <a:r>
-              <a:rPr lang="en-US" sz="1400" dirty="0">
-                <a:latin typeface="Arial" panose="020B0604020202020204" pitchFamily="34" charset="0"/>
-                <a:cs typeface="Arial" panose="020B0604020202020204" pitchFamily="34" charset="0"/>
-              </a:rPr>
-              <a:t>7</a:t>
-            </a:r>
-            <a:r>
-              <a:rPr lang="en-US" sz="1400" dirty="0" smtClean="0">
-                <a:latin typeface="Arial" panose="020B0604020202020204" pitchFamily="34" charset="0"/>
-                <a:cs typeface="Arial" panose="020B0604020202020204" pitchFamily="34" charset="0"/>
-              </a:rPr>
-              <a:t>.5€</a:t>
-            </a:r>
-          </a:p>
-          <a:p>
-            <a:r>
-              <a:rPr lang="en-US" sz="1400" b="1" dirty="0">
-                <a:solidFill>
-                  <a:schemeClr val="accent2"/>
-                </a:solidFill>
-                <a:latin typeface="Arial" panose="020B0604020202020204" pitchFamily="34" charset="0"/>
-                <a:cs typeface="Arial" panose="020B0604020202020204" pitchFamily="34" charset="0"/>
-              </a:rPr>
-              <a:t>3</a:t>
-            </a:r>
-            <a:r>
-              <a:rPr lang="en-US" sz="1400" b="1" dirty="0" smtClean="0">
-                <a:latin typeface="Arial" panose="020B0604020202020204" pitchFamily="34" charset="0"/>
-                <a:cs typeface="Arial" panose="020B0604020202020204" pitchFamily="34" charset="0"/>
-              </a:rPr>
-              <a:t>:</a:t>
-            </a:r>
-            <a:r>
-              <a:rPr lang="en-US" sz="1400" dirty="0" smtClean="0">
-                <a:latin typeface="Arial" panose="020B0604020202020204" pitchFamily="34" charset="0"/>
-                <a:cs typeface="Arial" panose="020B0604020202020204" pitchFamily="34" charset="0"/>
-              </a:rPr>
-              <a:t> X = 10€   ~  fair 50/50 is 5€</a:t>
-            </a:r>
-          </a:p>
-          <a:p>
-            <a:r>
-              <a:rPr lang="en-US" sz="1400" b="1" dirty="0" smtClean="0">
-                <a:solidFill>
-                  <a:srgbClr val="0000FF"/>
-                </a:solidFill>
-                <a:latin typeface="Arial" panose="020B0604020202020204" pitchFamily="34" charset="0"/>
-                <a:cs typeface="Arial" panose="020B0604020202020204" pitchFamily="34" charset="0"/>
-              </a:rPr>
-              <a:t>4</a:t>
-            </a:r>
-            <a:r>
-              <a:rPr lang="en-US" sz="1400" b="1" dirty="0" smtClean="0">
-                <a:latin typeface="Arial" panose="020B0604020202020204" pitchFamily="34" charset="0"/>
-                <a:cs typeface="Arial" panose="020B0604020202020204" pitchFamily="34" charset="0"/>
-              </a:rPr>
-              <a:t>:</a:t>
-            </a:r>
-            <a:r>
-              <a:rPr lang="en-US" sz="1400" dirty="0" smtClean="0">
-                <a:latin typeface="Arial" panose="020B0604020202020204" pitchFamily="34" charset="0"/>
-                <a:cs typeface="Arial" panose="020B0604020202020204" pitchFamily="34" charset="0"/>
-              </a:rPr>
-              <a:t> </a:t>
-            </a:r>
-            <a:r>
-              <a:rPr lang="en-US" sz="1400" dirty="0">
-                <a:latin typeface="Arial" panose="020B0604020202020204" pitchFamily="34" charset="0"/>
-                <a:cs typeface="Arial" panose="020B0604020202020204" pitchFamily="34" charset="0"/>
-              </a:rPr>
-              <a:t>X = </a:t>
-            </a:r>
-            <a:r>
-              <a:rPr lang="en-US" sz="1400" dirty="0" smtClean="0">
-                <a:latin typeface="Arial" panose="020B0604020202020204" pitchFamily="34" charset="0"/>
-                <a:cs typeface="Arial" panose="020B0604020202020204" pitchFamily="34" charset="0"/>
-              </a:rPr>
-              <a:t>15€   </a:t>
-            </a:r>
-            <a:r>
-              <a:rPr lang="en-US" sz="1400" dirty="0">
-                <a:latin typeface="Arial" panose="020B0604020202020204" pitchFamily="34" charset="0"/>
-                <a:cs typeface="Arial" panose="020B0604020202020204" pitchFamily="34" charset="0"/>
-              </a:rPr>
-              <a:t>~  fair 50/50 is 2</a:t>
-            </a:r>
-            <a:r>
-              <a:rPr lang="en-US" sz="1400" dirty="0" smtClean="0">
-                <a:latin typeface="Arial" panose="020B0604020202020204" pitchFamily="34" charset="0"/>
-                <a:cs typeface="Arial" panose="020B0604020202020204" pitchFamily="34" charset="0"/>
-              </a:rPr>
-              <a:t>.5€</a:t>
-            </a:r>
-            <a:endParaRPr lang="en-US" sz="1400" dirty="0">
+          <a:p>
+            <a:pPr algn="just"/>
+            <a:r>
+              <a:rPr lang="en-US" sz="1600" dirty="0" smtClean="0">
+                <a:latin typeface="Arial" panose="020B0604020202020204" pitchFamily="34" charset="0"/>
+                <a:cs typeface="Arial" panose="020B0604020202020204" pitchFamily="34" charset="0"/>
+              </a:rPr>
+              <a:t>If we estimate that each trial in the UG will take ~6 seconds, with a 4 second inter-stimulus interval, then we have 120 trials for the UG.</a:t>
+            </a:r>
+          </a:p>
+          <a:p>
+            <a:pPr algn="just"/>
+            <a:endParaRPr lang="en-US" sz="1600" dirty="0">
               <a:latin typeface="Arial" panose="020B0604020202020204" pitchFamily="34" charset="0"/>
               <a:cs typeface="Arial" panose="020B0604020202020204" pitchFamily="34" charset="0"/>
             </a:endParaRPr>
           </a:p>
           <a:p>
-            <a:r>
-              <a:rPr lang="en-US" sz="1400" b="1" dirty="0" smtClean="0">
-                <a:solidFill>
-                  <a:srgbClr val="7030A0"/>
-                </a:solidFill>
-                <a:latin typeface="Arial" panose="020B0604020202020204" pitchFamily="34" charset="0"/>
-                <a:cs typeface="Arial" panose="020B0604020202020204" pitchFamily="34" charset="0"/>
-              </a:rPr>
-              <a:t>5</a:t>
-            </a:r>
-            <a:r>
-              <a:rPr lang="en-US" sz="1400" b="1" dirty="0" smtClean="0">
-                <a:latin typeface="Arial" panose="020B0604020202020204" pitchFamily="34" charset="0"/>
-                <a:cs typeface="Arial" panose="020B0604020202020204" pitchFamily="34" charset="0"/>
-              </a:rPr>
-              <a:t>:</a:t>
-            </a:r>
-            <a:r>
-              <a:rPr lang="en-US" sz="1400" dirty="0" smtClean="0">
-                <a:latin typeface="Arial" panose="020B0604020202020204" pitchFamily="34" charset="0"/>
-                <a:cs typeface="Arial" panose="020B0604020202020204" pitchFamily="34" charset="0"/>
-              </a:rPr>
-              <a:t> </a:t>
-            </a:r>
-            <a:r>
-              <a:rPr lang="en-US" sz="1400" dirty="0">
-                <a:latin typeface="Arial" panose="020B0604020202020204" pitchFamily="34" charset="0"/>
-                <a:cs typeface="Arial" panose="020B0604020202020204" pitchFamily="34" charset="0"/>
-              </a:rPr>
-              <a:t>X = </a:t>
-            </a:r>
-            <a:r>
-              <a:rPr lang="en-US" sz="1400" dirty="0" smtClean="0">
-                <a:latin typeface="Arial" panose="020B0604020202020204" pitchFamily="34" charset="0"/>
-                <a:cs typeface="Arial" panose="020B0604020202020204" pitchFamily="34" charset="0"/>
-              </a:rPr>
-              <a:t>20€   </a:t>
-            </a:r>
-            <a:r>
-              <a:rPr lang="en-US" sz="1400" dirty="0">
-                <a:latin typeface="Arial" panose="020B0604020202020204" pitchFamily="34" charset="0"/>
-                <a:cs typeface="Arial" panose="020B0604020202020204" pitchFamily="34" charset="0"/>
-              </a:rPr>
-              <a:t>~  fair 50/50 is 0€</a:t>
-            </a:r>
-          </a:p>
-          <a:p>
-            <a:endParaRPr lang="en-US" sz="1400" dirty="0" smtClean="0">
+            <a:pPr algn="just"/>
+            <a:r>
+              <a:rPr lang="en-US" sz="1600" dirty="0" smtClean="0">
+                <a:latin typeface="Arial" panose="020B0604020202020204" pitchFamily="34" charset="0"/>
+                <a:cs typeface="Arial" panose="020B0604020202020204" pitchFamily="34" charset="0"/>
+              </a:rPr>
+              <a:t>In order to help decide how many scenarios/environment to include, we simulated 40 subjects playing 120 trials of the UG with 3 (40 trials per environment), 4 (30 trials per </a:t>
+            </a:r>
+            <a:r>
+              <a:rPr lang="en-US" sz="1600" dirty="0">
+                <a:latin typeface="Arial" panose="020B0604020202020204" pitchFamily="34" charset="0"/>
+                <a:cs typeface="Arial" panose="020B0604020202020204" pitchFamily="34" charset="0"/>
+              </a:rPr>
+              <a:t>environment</a:t>
+            </a:r>
+            <a:r>
+              <a:rPr lang="en-US" sz="1600" dirty="0" smtClean="0">
+                <a:latin typeface="Arial" panose="020B0604020202020204" pitchFamily="34" charset="0"/>
+                <a:cs typeface="Arial" panose="020B0604020202020204" pitchFamily="34" charset="0"/>
+              </a:rPr>
+              <a:t>), and 5 (24 trials per </a:t>
+            </a:r>
+            <a:r>
+              <a:rPr lang="en-US" sz="1600" dirty="0">
+                <a:latin typeface="Arial" panose="020B0604020202020204" pitchFamily="34" charset="0"/>
+                <a:cs typeface="Arial" panose="020B0604020202020204" pitchFamily="34" charset="0"/>
+              </a:rPr>
+              <a:t>environment</a:t>
+            </a:r>
+            <a:r>
+              <a:rPr lang="en-US" sz="1600" dirty="0" smtClean="0">
+                <a:latin typeface="Arial" panose="020B0604020202020204" pitchFamily="34" charset="0"/>
+                <a:cs typeface="Arial" panose="020B0604020202020204" pitchFamily="34" charset="0"/>
+              </a:rPr>
+              <a:t>) in order to test for differences in parameter recovery and model identifiability. </a:t>
+            </a:r>
+          </a:p>
+          <a:p>
+            <a:pPr algn="just"/>
+            <a:endParaRPr lang="en-US" sz="1600" dirty="0">
               <a:latin typeface="Arial" panose="020B0604020202020204" pitchFamily="34" charset="0"/>
               <a:cs typeface="Arial" panose="020B0604020202020204" pitchFamily="34" charset="0"/>
             </a:endParaRPr>
           </a:p>
-        </p:txBody>
-      </p:sp>
-      <p:sp>
-        <p:nvSpPr>
-          <p:cNvPr id="12" name="Arc 11"/>
-          <p:cNvSpPr/>
-          <p:nvPr/>
-        </p:nvSpPr>
-        <p:spPr>
-          <a:xfrm rot="1288920">
-            <a:off x="2242418" y="2520667"/>
-            <a:ext cx="657320" cy="1065374"/>
-          </a:xfrm>
-          <a:prstGeom prst="arc">
-            <a:avLst>
-              <a:gd name="adj1" fmla="val 16112562"/>
-              <a:gd name="adj2" fmla="val 380571"/>
-            </a:avLst>
-          </a:prstGeom>
-          <a:ln w="12700">
-            <a:solidFill>
-              <a:schemeClr val="tx1"/>
-            </a:solidFill>
-            <a:tailEnd type="stealth"/>
-          </a:ln>
-        </p:spPr>
-        <p:style>
-          <a:lnRef idx="1">
-            <a:schemeClr val="accent1"/>
-          </a:lnRef>
-          <a:fillRef idx="0">
-            <a:schemeClr val="accent1"/>
-          </a:fillRef>
-          <a:effectRef idx="0">
-            <a:schemeClr val="accent1"/>
-          </a:effectRef>
-          <a:fontRef idx="minor">
-            <a:schemeClr val="tx1"/>
-          </a:fontRef>
-        </p:style>
-        <p:txBody>
-          <a:bodyPr rtlCol="0" anchor="ctr"/>
-          <a:lstStyle/>
-          <a:p>
-            <a:pPr algn="ctr"/>
-            <a:endParaRPr lang="en-US">
+          <a:p>
+            <a:pPr algn="just"/>
+            <a:r>
+              <a:rPr lang="en-US" sz="1600" dirty="0" smtClean="0">
+                <a:latin typeface="Arial" panose="020B0604020202020204" pitchFamily="34" charset="0"/>
+                <a:cs typeface="Arial" panose="020B0604020202020204" pitchFamily="34" charset="0"/>
+              </a:rPr>
+              <a:t>In every case, parameter recovery was highly significant, however 5 environments slightly outperformed simulations with 3 and 4 conditions. </a:t>
+            </a:r>
+          </a:p>
+          <a:p>
+            <a:pPr algn="just"/>
+            <a:endParaRPr lang="en-US" sz="1600" dirty="0">
               <a:latin typeface="Arial" panose="020B0604020202020204" pitchFamily="34" charset="0"/>
               <a:cs typeface="Arial" panose="020B0604020202020204" pitchFamily="34" charset="0"/>
             </a:endParaRPr>
           </a:p>
-        </p:txBody>
-      </p:sp>
-      <p:sp>
-        <p:nvSpPr>
-          <p:cNvPr id="16" name="Right Arrow 15"/>
-          <p:cNvSpPr/>
-          <p:nvPr/>
-        </p:nvSpPr>
-        <p:spPr>
-          <a:xfrm>
-            <a:off x="4284152" y="1637815"/>
-            <a:ext cx="458791" cy="364791"/>
-          </a:xfrm>
-          <a:prstGeom prst="rightArrow">
-            <a:avLst/>
-          </a:prstGeom>
-          <a:solidFill>
-            <a:schemeClr val="tx1"/>
-          </a:solidFill>
-          <a:ln>
-            <a:solidFill>
-              <a:schemeClr val="tx1"/>
-            </a:solidFill>
-          </a:ln>
-        </p:spPr>
-        <p:style>
-          <a:lnRef idx="2">
-            <a:schemeClr val="accent1">
-              <a:shade val="50000"/>
-            </a:schemeClr>
-          </a:lnRef>
-          <a:fillRef idx="1">
-            <a:schemeClr val="accent1"/>
-          </a:fillRef>
-          <a:effectRef idx="0">
-            <a:schemeClr val="accent1"/>
-          </a:effectRef>
-          <a:fontRef idx="minor">
-            <a:schemeClr val="lt1"/>
-          </a:fontRef>
-        </p:style>
-        <p:txBody>
-          <a:bodyPr rtlCol="0" anchor="ctr"/>
-          <a:lstStyle/>
-          <a:p>
-            <a:pPr algn="ctr"/>
-            <a:endParaRPr lang="en-US"/>
-          </a:p>
-        </p:txBody>
-      </p:sp>
-      <p:sp>
-        <p:nvSpPr>
-          <p:cNvPr id="70" name="TextBox 69"/>
-          <p:cNvSpPr txBox="1"/>
-          <p:nvPr/>
-        </p:nvSpPr>
-        <p:spPr>
-          <a:xfrm>
-            <a:off x="3306354" y="1018211"/>
-            <a:ext cx="2592851" cy="461665"/>
-          </a:xfrm>
-          <a:prstGeom prst="rect">
-            <a:avLst/>
-          </a:prstGeom>
-          <a:noFill/>
-        </p:spPr>
-        <p:txBody>
-          <a:bodyPr wrap="square" rtlCol="0">
-            <a:spAutoFit/>
-          </a:bodyPr>
-          <a:lstStyle/>
-          <a:p>
-            <a:pPr algn="ctr"/>
-            <a:r>
-              <a:rPr lang="en-US" sz="1200" i="1" dirty="0" smtClean="0">
-                <a:latin typeface="Arial" panose="020B0604020202020204" pitchFamily="34" charset="0"/>
-                <a:cs typeface="Arial" panose="020B0604020202020204" pitchFamily="34" charset="0"/>
-              </a:rPr>
-              <a:t>This generated different functions p(accept) = f(o)</a:t>
-            </a:r>
-            <a:endParaRPr lang="en-US" sz="1200" i="1" dirty="0">
+          <a:p>
+            <a:pPr algn="just"/>
+            <a:r>
+              <a:rPr lang="en-US" sz="1600" dirty="0" smtClean="0">
+                <a:latin typeface="Arial" panose="020B0604020202020204" pitchFamily="34" charset="0"/>
+                <a:cs typeface="Arial" panose="020B0604020202020204" pitchFamily="34" charset="0"/>
+              </a:rPr>
+              <a:t>There was no difference in model identifiability</a:t>
+            </a:r>
+            <a:r>
+              <a:rPr lang="en-US" sz="1600" dirty="0" smtClean="0">
+                <a:latin typeface="Arial" panose="020B0604020202020204" pitchFamily="34" charset="0"/>
+                <a:cs typeface="Arial" panose="020B0604020202020204" pitchFamily="34" charset="0"/>
+              </a:rPr>
+              <a:t>.</a:t>
+            </a:r>
+          </a:p>
+          <a:p>
+            <a:pPr algn="just"/>
+            <a:endParaRPr lang="en-US" sz="1600" dirty="0">
               <a:latin typeface="Arial" panose="020B0604020202020204" pitchFamily="34" charset="0"/>
               <a:cs typeface="Arial" panose="020B0604020202020204" pitchFamily="34" charset="0"/>
             </a:endParaRPr>
           </a:p>
-        </p:txBody>
-      </p:sp>
-      <p:pic>
-        <p:nvPicPr>
-          <p:cNvPr id="9" name="Picture 8"/>
-          <p:cNvPicPr>
-            <a:picLocks noChangeAspect="1"/>
-          </p:cNvPicPr>
-          <p:nvPr/>
-        </p:nvPicPr>
-        <p:blipFill rotWithShape="1">
-          <a:blip r:embed="rId3">
-            <a:extLst>
-              <a:ext uri="{28A0092B-C50C-407E-A947-70E740481C1C}">
-                <a14:useLocalDpi xmlns:a14="http://schemas.microsoft.com/office/drawing/2010/main" val="0"/>
-              </a:ext>
-            </a:extLst>
-          </a:blip>
-          <a:srcRect l="11332" r="10393" b="1285"/>
-          <a:stretch/>
-        </p:blipFill>
-        <p:spPr>
-          <a:xfrm>
-            <a:off x="-15755" y="3286629"/>
-            <a:ext cx="5828196" cy="4593817"/>
-          </a:xfrm>
-          <a:prstGeom prst="rect">
-            <a:avLst/>
-          </a:prstGeom>
-        </p:spPr>
-      </p:pic>
-      <p:grpSp>
-        <p:nvGrpSpPr>
-          <p:cNvPr id="68" name="Group 67"/>
-          <p:cNvGrpSpPr/>
-          <p:nvPr/>
-        </p:nvGrpSpPr>
-        <p:grpSpPr>
-          <a:xfrm>
-            <a:off x="8371834" y="580429"/>
-            <a:ext cx="1690395" cy="834963"/>
-            <a:chOff x="10435240" y="89600"/>
-            <a:chExt cx="1756759" cy="816582"/>
-          </a:xfrm>
-        </p:grpSpPr>
-        <p:sp>
-          <p:nvSpPr>
-            <p:cNvPr id="34" name="Rectangle 33"/>
-            <p:cNvSpPr/>
-            <p:nvPr/>
-          </p:nvSpPr>
-          <p:spPr>
-            <a:xfrm>
-              <a:off x="10435240" y="89600"/>
-              <a:ext cx="1756759" cy="527558"/>
-            </a:xfrm>
-            <a:prstGeom prst="rect">
-              <a:avLst/>
-            </a:prstGeom>
-            <a:ln>
-              <a:solidFill>
-                <a:schemeClr val="tx1"/>
-              </a:solidFill>
-            </a:ln>
-          </p:spPr>
-          <p:style>
-            <a:lnRef idx="2">
-              <a:schemeClr val="accent6"/>
-            </a:lnRef>
-            <a:fillRef idx="1">
-              <a:schemeClr val="lt1"/>
-            </a:fillRef>
-            <a:effectRef idx="0">
-              <a:schemeClr val="accent6"/>
-            </a:effectRef>
-            <a:fontRef idx="minor">
-              <a:schemeClr val="dk1"/>
-            </a:fontRef>
-          </p:style>
-          <p:txBody>
-            <a:bodyPr rtlCol="0" anchor="ctr"/>
-            <a:lstStyle/>
-            <a:p>
-              <a:pPr algn="ctr"/>
-              <a:endParaRPr lang="en-US"/>
-            </a:p>
-          </p:txBody>
-        </p:sp>
-        <p:sp>
-          <p:nvSpPr>
-            <p:cNvPr id="20" name="Rectangle 19"/>
-            <p:cNvSpPr/>
-            <p:nvPr/>
-          </p:nvSpPr>
-          <p:spPr>
-            <a:xfrm>
-              <a:off x="10631905" y="152521"/>
-              <a:ext cx="93785" cy="212711"/>
-            </a:xfrm>
-            <a:prstGeom prst="rect">
-              <a:avLst/>
-            </a:prstGeom>
-            <a:solidFill>
-              <a:srgbClr val="3203FF"/>
-            </a:solidFill>
-            <a:ln>
-              <a:solidFill>
-                <a:schemeClr val="tx1"/>
-              </a:solidFill>
-            </a:ln>
-          </p:spPr>
-          <p:style>
-            <a:lnRef idx="2">
-              <a:schemeClr val="accent1">
-                <a:shade val="50000"/>
-              </a:schemeClr>
-            </a:lnRef>
-            <a:fillRef idx="1">
-              <a:schemeClr val="accent1"/>
-            </a:fillRef>
-            <a:effectRef idx="0">
-              <a:schemeClr val="accent1"/>
-            </a:effectRef>
-            <a:fontRef idx="minor">
-              <a:schemeClr val="lt1"/>
-            </a:fontRef>
-          </p:style>
-          <p:txBody>
-            <a:bodyPr rtlCol="0" anchor="ctr"/>
-            <a:lstStyle/>
-            <a:p>
-              <a:pPr algn="ctr"/>
-              <a:endParaRPr lang="en-US"/>
-            </a:p>
-          </p:txBody>
-        </p:sp>
-        <p:sp>
-          <p:nvSpPr>
-            <p:cNvPr id="21" name="TextBox 20"/>
-            <p:cNvSpPr txBox="1"/>
-            <p:nvPr/>
-          </p:nvSpPr>
-          <p:spPr>
-            <a:xfrm>
-              <a:off x="10678799" y="89600"/>
-              <a:ext cx="1502917" cy="291754"/>
-            </a:xfrm>
-            <a:prstGeom prst="rect">
-              <a:avLst/>
-            </a:prstGeom>
-            <a:noFill/>
-          </p:spPr>
-          <p:txBody>
-            <a:bodyPr wrap="none" rtlCol="0">
-              <a:spAutoFit/>
-            </a:bodyPr>
-            <a:lstStyle/>
-            <a:p>
-              <a:r>
-                <a:rPr lang="en-US" sz="1100" dirty="0" smtClean="0">
-                  <a:solidFill>
-                    <a:srgbClr val="FF0000"/>
-                  </a:solidFill>
-                </a:rPr>
-                <a:t>Responder’s</a:t>
-              </a:r>
-              <a:r>
-                <a:rPr lang="en-US" sz="1100" dirty="0" smtClean="0"/>
-                <a:t> behavior</a:t>
-              </a:r>
-              <a:endParaRPr lang="en-US" sz="1100" dirty="0"/>
-            </a:p>
-          </p:txBody>
-        </p:sp>
-        <p:sp>
-          <p:nvSpPr>
-            <p:cNvPr id="22" name="Arc 21"/>
-            <p:cNvSpPr/>
-            <p:nvPr/>
-          </p:nvSpPr>
-          <p:spPr>
-            <a:xfrm rot="18312097">
-              <a:off x="10386494" y="498959"/>
-              <a:ext cx="500525" cy="313921"/>
-            </a:xfrm>
-            <a:prstGeom prst="arc">
-              <a:avLst/>
-            </a:prstGeom>
-            <a:ln w="19050">
-              <a:solidFill>
-                <a:srgbClr val="EE2A30"/>
-              </a:solidFill>
-            </a:ln>
-          </p:spPr>
-          <p:style>
-            <a:lnRef idx="1">
-              <a:schemeClr val="accent1"/>
-            </a:lnRef>
-            <a:fillRef idx="0">
-              <a:schemeClr val="accent1"/>
-            </a:fillRef>
-            <a:effectRef idx="0">
-              <a:schemeClr val="accent1"/>
-            </a:effectRef>
-            <a:fontRef idx="minor">
-              <a:schemeClr val="tx1"/>
-            </a:fontRef>
-          </p:style>
-          <p:txBody>
-            <a:bodyPr rtlCol="0" anchor="ctr"/>
-            <a:lstStyle/>
-            <a:p>
-              <a:pPr algn="ctr"/>
-              <a:endParaRPr lang="en-US"/>
-            </a:p>
-          </p:txBody>
-        </p:sp>
-        <p:sp>
-          <p:nvSpPr>
-            <p:cNvPr id="67" name="TextBox 66"/>
-            <p:cNvSpPr txBox="1"/>
-            <p:nvPr/>
-          </p:nvSpPr>
-          <p:spPr>
-            <a:xfrm>
-              <a:off x="10715582" y="325404"/>
-              <a:ext cx="647914" cy="291754"/>
-            </a:xfrm>
-            <a:prstGeom prst="rect">
-              <a:avLst/>
-            </a:prstGeom>
-            <a:noFill/>
-          </p:spPr>
-          <p:txBody>
-            <a:bodyPr wrap="none" rtlCol="0">
-              <a:spAutoFit/>
-            </a:bodyPr>
-            <a:lstStyle/>
-            <a:p>
-              <a:r>
-                <a:rPr lang="en-US" sz="1100" dirty="0" smtClean="0"/>
-                <a:t>Logit fit</a:t>
-              </a:r>
-              <a:endParaRPr lang="en-US" sz="1100" dirty="0"/>
-            </a:p>
-          </p:txBody>
-        </p:sp>
-      </p:grpSp>
-      <p:sp>
-        <p:nvSpPr>
-          <p:cNvPr id="35" name="TextBox 34"/>
-          <p:cNvSpPr txBox="1"/>
-          <p:nvPr/>
-        </p:nvSpPr>
-        <p:spPr>
-          <a:xfrm>
-            <a:off x="9000057" y="6557943"/>
-            <a:ext cx="744114" cy="307777"/>
-          </a:xfrm>
-          <a:prstGeom prst="rect">
-            <a:avLst/>
-          </a:prstGeom>
-          <a:noFill/>
-        </p:spPr>
-        <p:txBody>
-          <a:bodyPr wrap="none" rtlCol="0">
-            <a:spAutoFit/>
-          </a:bodyPr>
-          <a:lstStyle/>
-          <a:p>
-            <a:r>
-              <a:rPr lang="en-US" sz="1400" dirty="0" smtClean="0"/>
-              <a:t>N = 210</a:t>
-            </a:r>
-            <a:endParaRPr lang="en-US" sz="1400" dirty="0"/>
-          </a:p>
-        </p:txBody>
-      </p:sp>
-      <p:pic>
-        <p:nvPicPr>
-          <p:cNvPr id="85" name="Picture 84"/>
-          <p:cNvPicPr>
-            <a:picLocks noChangeAspect="1"/>
-          </p:cNvPicPr>
-          <p:nvPr/>
-        </p:nvPicPr>
-        <p:blipFill rotWithShape="1">
-          <a:blip r:embed="rId4">
-            <a:extLst>
-              <a:ext uri="{28A0092B-C50C-407E-A947-70E740481C1C}">
-                <a14:useLocalDpi xmlns:a14="http://schemas.microsoft.com/office/drawing/2010/main" val="0"/>
-              </a:ext>
-            </a:extLst>
-          </a:blip>
-          <a:srcRect l="5798" t="675" r="7058" b="3985"/>
-          <a:stretch/>
-        </p:blipFill>
-        <p:spPr>
-          <a:xfrm>
-            <a:off x="9143987" y="2300400"/>
-            <a:ext cx="3075551" cy="2523600"/>
-          </a:xfrm>
-          <a:prstGeom prst="rect">
-            <a:avLst/>
-          </a:prstGeom>
-        </p:spPr>
-      </p:pic>
-      <p:sp>
-        <p:nvSpPr>
-          <p:cNvPr id="87" name="Arc 86"/>
-          <p:cNvSpPr/>
-          <p:nvPr/>
-        </p:nvSpPr>
-        <p:spPr>
-          <a:xfrm rot="20161516">
-            <a:off x="9043270" y="1673407"/>
-            <a:ext cx="1004246" cy="1220019"/>
-          </a:xfrm>
-          <a:prstGeom prst="arc">
-            <a:avLst>
-              <a:gd name="adj1" fmla="val 16112562"/>
-              <a:gd name="adj2" fmla="val 380571"/>
-            </a:avLst>
-          </a:prstGeom>
-          <a:ln w="12700">
-            <a:solidFill>
-              <a:schemeClr val="tx1"/>
-            </a:solidFill>
-            <a:tailEnd type="stealth"/>
-          </a:ln>
-        </p:spPr>
-        <p:style>
-          <a:lnRef idx="1">
-            <a:schemeClr val="accent1"/>
-          </a:lnRef>
-          <a:fillRef idx="0">
-            <a:schemeClr val="accent1"/>
-          </a:fillRef>
-          <a:effectRef idx="0">
-            <a:schemeClr val="accent1"/>
-          </a:effectRef>
-          <a:fontRef idx="minor">
-            <a:schemeClr val="tx1"/>
-          </a:fontRef>
-        </p:style>
-        <p:txBody>
-          <a:bodyPr rtlCol="0" anchor="ctr"/>
-          <a:lstStyle/>
-          <a:p>
-            <a:pPr algn="ctr"/>
-            <a:endParaRPr lang="en-US">
+          <a:p>
+            <a:pPr algn="just"/>
+            <a:r>
+              <a:rPr lang="en-US" sz="1600" dirty="0" smtClean="0">
+                <a:latin typeface="Arial" panose="020B0604020202020204" pitchFamily="34" charset="0"/>
+                <a:cs typeface="Arial" panose="020B0604020202020204" pitchFamily="34" charset="0"/>
+              </a:rPr>
+              <a:t>We also ran simulations for prior estimation and found little difference between 8, 10, and 12 repetitions of each division possibility. </a:t>
+            </a:r>
+            <a:endParaRPr lang="en-US" sz="1600" dirty="0" smtClean="0">
               <a:latin typeface="Arial" panose="020B0604020202020204" pitchFamily="34" charset="0"/>
               <a:cs typeface="Arial" panose="020B0604020202020204" pitchFamily="34" charset="0"/>
             </a:endParaRPr>
@@ -15657,7 +15579,7 @@
     </p:spTree>
     <p:extLst>
       <p:ext uri="{BB962C8B-B14F-4D97-AF65-F5344CB8AC3E}">
-        <p14:creationId xmlns:p14="http://schemas.microsoft.com/office/powerpoint/2010/main" val="1675819871"/>
+        <p14:creationId xmlns:p14="http://schemas.microsoft.com/office/powerpoint/2010/main" val="142249718"/>
       </p:ext>
     </p:extLst>
   </p:cSld>
